--- a/presentation/DaryllFinal.pptx
+++ b/presentation/DaryllFinal.pptx
@@ -5,21 +5,31 @@
     <p:sldMasterId id="2147483672" r:id="rId1"/>
   </p:sldMasterIdLst>
   <p:notesMasterIdLst>
-    <p:notesMasterId r:id="rId11"/>
+    <p:notesMasterId r:id="rId21"/>
   </p:notesMasterIdLst>
   <p:handoutMasterIdLst>
-    <p:handoutMasterId r:id="rId12"/>
+    <p:handoutMasterId r:id="rId22"/>
   </p:handoutMasterIdLst>
   <p:sldIdLst>
     <p:sldId id="256" r:id="rId2"/>
     <p:sldId id="257" r:id="rId3"/>
     <p:sldId id="258" r:id="rId4"/>
-    <p:sldId id="259" r:id="rId5"/>
-    <p:sldId id="260" r:id="rId6"/>
-    <p:sldId id="261" r:id="rId7"/>
-    <p:sldId id="262" r:id="rId8"/>
-    <p:sldId id="263" r:id="rId9"/>
-    <p:sldId id="264" r:id="rId10"/>
+    <p:sldId id="272" r:id="rId5"/>
+    <p:sldId id="277" r:id="rId6"/>
+    <p:sldId id="266" r:id="rId7"/>
+    <p:sldId id="278" r:id="rId8"/>
+    <p:sldId id="267" r:id="rId9"/>
+    <p:sldId id="269" r:id="rId10"/>
+    <p:sldId id="268" r:id="rId11"/>
+    <p:sldId id="270" r:id="rId12"/>
+    <p:sldId id="271" r:id="rId13"/>
+    <p:sldId id="262" r:id="rId14"/>
+    <p:sldId id="273" r:id="rId15"/>
+    <p:sldId id="263" r:id="rId16"/>
+    <p:sldId id="276" r:id="rId17"/>
+    <p:sldId id="264" r:id="rId18"/>
+    <p:sldId id="274" r:id="rId19"/>
+    <p:sldId id="275" r:id="rId20"/>
   </p:sldIdLst>
   <p:sldSz cx="12192000" cy="6858000"/>
   <p:notesSz cx="6858000" cy="9144000"/>
@@ -120,10 +130,25 @@
   </p:defaultTextStyle>
   <p:extLst>
     <p:ext uri="{EFAFB233-063F-42B5-8137-9DF3F51BA10A}">
-      <p15:sldGuideLst xmlns:p15="http://schemas.microsoft.com/office/powerpoint/2012/main"/>
+      <p15:sldGuideLst xmlns:p15="http://schemas.microsoft.com/office/powerpoint/2012/main">
+        <p15:guide id="1" orient="horz" pos="2160" userDrawn="1">
+          <p15:clr>
+            <a:srgbClr val="A4A3A4"/>
+          </p15:clr>
+        </p15:guide>
+        <p15:guide id="2" pos="7129" userDrawn="1">
+          <p15:clr>
+            <a:srgbClr val="A4A3A4"/>
+          </p15:clr>
+        </p15:guide>
+      </p15:sldGuideLst>
     </p:ext>
   </p:extLst>
 </p:presentation>
+</file>
+
+<file path=ppt/revisionInfo.xml><?xml version="1.0" encoding="utf-8"?>
+<p1510:revInfo xmlns:a="http://schemas.openxmlformats.org/drawingml/2006/main" xmlns:r="http://schemas.openxmlformats.org/officeDocument/2006/relationships" xmlns:p1510="http://schemas.microsoft.com/office/powerpoint/2015/10/main"/>
 </file>
 
 <file path=ppt/handoutMasters/handoutMaster1.xml><?xml version="1.0" encoding="utf-8"?>
@@ -220,7 +245,7 @@
           <a:p>
             <a:fld id="{90430B4F-48E6-427D-BDAF-25B747377F51}" type="datetimeFigureOut">
               <a:rPr lang="fr-CH" smtClean="0"/>
-              <a:t>29.05.2018</a:t>
+              <a:t>30.05.2018</a:t>
             </a:fld>
             <a:endParaRPr lang="fr-CH"/>
           </a:p>
@@ -398,7 +423,7 @@
           <a:p>
             <a:fld id="{32D6859A-3316-4D27-BE52-7FDA929EF13A}" type="datetimeFigureOut">
               <a:rPr lang="fr-CH" smtClean="0"/>
-              <a:t>29.05.2018</a:t>
+              <a:t>30.05.2018</a:t>
             </a:fld>
             <a:endParaRPr lang="fr-CH"/>
           </a:p>
@@ -4634,6 +4659,1906 @@
 </p:sld>
 </file>
 
+<file path=ppt/slides/slide10.xml><?xml version="1.0" encoding="utf-8"?>
+<p:sld xmlns:a="http://schemas.openxmlformats.org/drawingml/2006/main" xmlns:r="http://schemas.openxmlformats.org/officeDocument/2006/relationships" xmlns:p="http://schemas.openxmlformats.org/presentationml/2006/main">
+  <p:cSld>
+    <p:spTree>
+      <p:nvGrpSpPr>
+        <p:cNvPr id="1" name=""/>
+        <p:cNvGrpSpPr/>
+        <p:nvPr/>
+      </p:nvGrpSpPr>
+      <p:grpSpPr>
+        <a:xfrm>
+          <a:off x="0" y="0"/>
+          <a:ext cx="0" cy="0"/>
+          <a:chOff x="0" y="0"/>
+          <a:chExt cx="0" cy="0"/>
+        </a:xfrm>
+      </p:grpSpPr>
+      <p:sp>
+        <p:nvSpPr>
+          <p:cNvPr id="2" name="Titre 1">
+            <a:extLst>
+              <a:ext uri="{FF2B5EF4-FFF2-40B4-BE49-F238E27FC236}">
+                <a16:creationId xmlns:a16="http://schemas.microsoft.com/office/drawing/2014/main" id="{B21A8468-D039-4260-AB4B-3AFEB3E0487A}"/>
+              </a:ext>
+            </a:extLst>
+          </p:cNvPr>
+          <p:cNvSpPr>
+            <a:spLocks noGrp="1"/>
+          </p:cNvSpPr>
+          <p:nvPr>
+            <p:ph type="title"/>
+          </p:nvPr>
+        </p:nvSpPr>
+        <p:spPr/>
+        <p:txBody>
+          <a:bodyPr/>
+          <a:lstStyle/>
+          <a:p>
+            <a:r>
+              <a:rPr lang="fr-CH" dirty="0"/>
+              <a:t>Base de données</a:t>
+            </a:r>
+          </a:p>
+        </p:txBody>
+      </p:sp>
+      <p:sp>
+        <p:nvSpPr>
+          <p:cNvPr id="3" name="Espace réservé du contenu 2">
+            <a:extLst>
+              <a:ext uri="{FF2B5EF4-FFF2-40B4-BE49-F238E27FC236}">
+                <a16:creationId xmlns:a16="http://schemas.microsoft.com/office/drawing/2014/main" id="{65E296A9-BA45-4DD2-8079-C9D26E5017FB}"/>
+              </a:ext>
+            </a:extLst>
+          </p:cNvPr>
+          <p:cNvSpPr>
+            <a:spLocks noGrp="1"/>
+          </p:cNvSpPr>
+          <p:nvPr>
+            <p:ph idx="1"/>
+          </p:nvPr>
+        </p:nvSpPr>
+        <p:spPr/>
+        <p:txBody>
+          <a:bodyPr/>
+          <a:lstStyle/>
+          <a:p>
+            <a:endParaRPr lang="fr-CH"/>
+          </a:p>
+        </p:txBody>
+      </p:sp>
+      <p:sp>
+        <p:nvSpPr>
+          <p:cNvPr id="4" name="Espace réservé de la date 3">
+            <a:extLst>
+              <a:ext uri="{FF2B5EF4-FFF2-40B4-BE49-F238E27FC236}">
+                <a16:creationId xmlns:a16="http://schemas.microsoft.com/office/drawing/2014/main" id="{4874DA0D-B758-4CA2-B256-E2BE22E4767F}"/>
+              </a:ext>
+            </a:extLst>
+          </p:cNvPr>
+          <p:cNvSpPr>
+            <a:spLocks noGrp="1"/>
+          </p:cNvSpPr>
+          <p:nvPr>
+            <p:ph type="dt" sz="half" idx="10"/>
+          </p:nvPr>
+        </p:nvSpPr>
+        <p:spPr/>
+        <p:txBody>
+          <a:bodyPr/>
+          <a:lstStyle/>
+          <a:p>
+            <a:r>
+              <a:rPr lang="fr-CH"/>
+              <a:t>29.05.2018</a:t>
+            </a:r>
+          </a:p>
+        </p:txBody>
+      </p:sp>
+      <p:sp>
+        <p:nvSpPr>
+          <p:cNvPr id="5" name="Espace réservé du pied de page 4">
+            <a:extLst>
+              <a:ext uri="{FF2B5EF4-FFF2-40B4-BE49-F238E27FC236}">
+                <a16:creationId xmlns:a16="http://schemas.microsoft.com/office/drawing/2014/main" id="{F21F41C6-CF7D-46DA-B903-82B93AB36B1C}"/>
+              </a:ext>
+            </a:extLst>
+          </p:cNvPr>
+          <p:cNvSpPr>
+            <a:spLocks noGrp="1"/>
+          </p:cNvSpPr>
+          <p:nvPr>
+            <p:ph type="ftr" sz="quarter" idx="11"/>
+          </p:nvPr>
+        </p:nvSpPr>
+        <p:spPr/>
+        <p:txBody>
+          <a:bodyPr/>
+          <a:lstStyle/>
+          <a:p>
+            <a:r>
+              <a:rPr lang="fr-CH"/>
+              <a:t>Projet PRO</a:t>
+            </a:r>
+          </a:p>
+        </p:txBody>
+      </p:sp>
+      <p:sp>
+        <p:nvSpPr>
+          <p:cNvPr id="6" name="Espace réservé du numéro de diapositive 5">
+            <a:extLst>
+              <a:ext uri="{FF2B5EF4-FFF2-40B4-BE49-F238E27FC236}">
+                <a16:creationId xmlns:a16="http://schemas.microsoft.com/office/drawing/2014/main" id="{FA9A10FA-3ACE-468E-8D5D-DC2580D8E981}"/>
+              </a:ext>
+            </a:extLst>
+          </p:cNvPr>
+          <p:cNvSpPr>
+            <a:spLocks noGrp="1"/>
+          </p:cNvSpPr>
+          <p:nvPr>
+            <p:ph type="sldNum" sz="quarter" idx="12"/>
+          </p:nvPr>
+        </p:nvSpPr>
+        <p:spPr/>
+        <p:txBody>
+          <a:bodyPr/>
+          <a:lstStyle/>
+          <a:p>
+            <a:fld id="{20F63081-4F22-4E9C-B057-7AE4B9C5C419}" type="slidenum">
+              <a:rPr lang="fr-CH" smtClean="0"/>
+              <a:t>10</a:t>
+            </a:fld>
+            <a:endParaRPr lang="fr-CH"/>
+          </a:p>
+        </p:txBody>
+      </p:sp>
+    </p:spTree>
+    <p:extLst>
+      <p:ext uri="{BB962C8B-B14F-4D97-AF65-F5344CB8AC3E}">
+        <p14:creationId xmlns:p14="http://schemas.microsoft.com/office/powerpoint/2010/main" val="2405019109"/>
+      </p:ext>
+    </p:extLst>
+  </p:cSld>
+  <p:clrMapOvr>
+    <a:masterClrMapping/>
+  </p:clrMapOvr>
+</p:sld>
+</file>
+
+<file path=ppt/slides/slide11.xml><?xml version="1.0" encoding="utf-8"?>
+<p:sld xmlns:a="http://schemas.openxmlformats.org/drawingml/2006/main" xmlns:r="http://schemas.openxmlformats.org/officeDocument/2006/relationships" xmlns:p="http://schemas.openxmlformats.org/presentationml/2006/main">
+  <p:cSld>
+    <p:spTree>
+      <p:nvGrpSpPr>
+        <p:cNvPr id="1" name=""/>
+        <p:cNvGrpSpPr/>
+        <p:nvPr/>
+      </p:nvGrpSpPr>
+      <p:grpSpPr>
+        <a:xfrm>
+          <a:off x="0" y="0"/>
+          <a:ext cx="0" cy="0"/>
+          <a:chOff x="0" y="0"/>
+          <a:chExt cx="0" cy="0"/>
+        </a:xfrm>
+      </p:grpSpPr>
+      <p:sp>
+        <p:nvSpPr>
+          <p:cNvPr id="2" name="Titre 1">
+            <a:extLst>
+              <a:ext uri="{FF2B5EF4-FFF2-40B4-BE49-F238E27FC236}">
+                <a16:creationId xmlns:a16="http://schemas.microsoft.com/office/drawing/2014/main" id="{179128E2-F89A-48BF-BFE9-581CD2AB0E1E}"/>
+              </a:ext>
+            </a:extLst>
+          </p:cNvPr>
+          <p:cNvSpPr>
+            <a:spLocks noGrp="1"/>
+          </p:cNvSpPr>
+          <p:nvPr>
+            <p:ph type="title"/>
+          </p:nvPr>
+        </p:nvSpPr>
+        <p:spPr/>
+        <p:txBody>
+          <a:bodyPr>
+            <a:normAutofit/>
+          </a:bodyPr>
+          <a:lstStyle/>
+          <a:p>
+            <a:r>
+              <a:rPr lang="fr-CH" dirty="0"/>
+              <a:t>Communication client serveur</a:t>
+            </a:r>
+          </a:p>
+        </p:txBody>
+      </p:sp>
+      <p:sp>
+        <p:nvSpPr>
+          <p:cNvPr id="3" name="Espace réservé du contenu 2">
+            <a:extLst>
+              <a:ext uri="{FF2B5EF4-FFF2-40B4-BE49-F238E27FC236}">
+                <a16:creationId xmlns:a16="http://schemas.microsoft.com/office/drawing/2014/main" id="{A14AC8BC-AFF6-4D62-BFFE-577AE775D39E}"/>
+              </a:ext>
+            </a:extLst>
+          </p:cNvPr>
+          <p:cNvSpPr>
+            <a:spLocks noGrp="1"/>
+          </p:cNvSpPr>
+          <p:nvPr>
+            <p:ph idx="1"/>
+          </p:nvPr>
+        </p:nvSpPr>
+        <p:spPr/>
+        <p:txBody>
+          <a:bodyPr/>
+          <a:lstStyle/>
+          <a:p>
+            <a:endParaRPr lang="fr-CH" dirty="0"/>
+          </a:p>
+        </p:txBody>
+      </p:sp>
+      <p:sp>
+        <p:nvSpPr>
+          <p:cNvPr id="4" name="Espace réservé de la date 3">
+            <a:extLst>
+              <a:ext uri="{FF2B5EF4-FFF2-40B4-BE49-F238E27FC236}">
+                <a16:creationId xmlns:a16="http://schemas.microsoft.com/office/drawing/2014/main" id="{68E4E0B6-2FC6-4A79-AD3E-5FF764BE8C33}"/>
+              </a:ext>
+            </a:extLst>
+          </p:cNvPr>
+          <p:cNvSpPr>
+            <a:spLocks noGrp="1"/>
+          </p:cNvSpPr>
+          <p:nvPr>
+            <p:ph type="dt" sz="half" idx="10"/>
+          </p:nvPr>
+        </p:nvSpPr>
+        <p:spPr/>
+        <p:txBody>
+          <a:bodyPr/>
+          <a:lstStyle/>
+          <a:p>
+            <a:r>
+              <a:rPr lang="fr-CH"/>
+              <a:t>29.05.2018</a:t>
+            </a:r>
+          </a:p>
+        </p:txBody>
+      </p:sp>
+      <p:sp>
+        <p:nvSpPr>
+          <p:cNvPr id="5" name="Espace réservé du pied de page 4">
+            <a:extLst>
+              <a:ext uri="{FF2B5EF4-FFF2-40B4-BE49-F238E27FC236}">
+                <a16:creationId xmlns:a16="http://schemas.microsoft.com/office/drawing/2014/main" id="{B491AEEB-BC7A-4023-9388-61B7077BFF37}"/>
+              </a:ext>
+            </a:extLst>
+          </p:cNvPr>
+          <p:cNvSpPr>
+            <a:spLocks noGrp="1"/>
+          </p:cNvSpPr>
+          <p:nvPr>
+            <p:ph type="ftr" sz="quarter" idx="11"/>
+          </p:nvPr>
+        </p:nvSpPr>
+        <p:spPr/>
+        <p:txBody>
+          <a:bodyPr/>
+          <a:lstStyle/>
+          <a:p>
+            <a:r>
+              <a:rPr lang="fr-CH"/>
+              <a:t>Projet PRO</a:t>
+            </a:r>
+          </a:p>
+        </p:txBody>
+      </p:sp>
+      <p:sp>
+        <p:nvSpPr>
+          <p:cNvPr id="6" name="Espace réservé du numéro de diapositive 5">
+            <a:extLst>
+              <a:ext uri="{FF2B5EF4-FFF2-40B4-BE49-F238E27FC236}">
+                <a16:creationId xmlns:a16="http://schemas.microsoft.com/office/drawing/2014/main" id="{28AD94C0-E2BC-45C4-9BB8-D443311BA1C0}"/>
+              </a:ext>
+            </a:extLst>
+          </p:cNvPr>
+          <p:cNvSpPr>
+            <a:spLocks noGrp="1"/>
+          </p:cNvSpPr>
+          <p:nvPr>
+            <p:ph type="sldNum" sz="quarter" idx="12"/>
+          </p:nvPr>
+        </p:nvSpPr>
+        <p:spPr/>
+        <p:txBody>
+          <a:bodyPr/>
+          <a:lstStyle/>
+          <a:p>
+            <a:fld id="{20F63081-4F22-4E9C-B057-7AE4B9C5C419}" type="slidenum">
+              <a:rPr lang="fr-CH" smtClean="0"/>
+              <a:t>11</a:t>
+            </a:fld>
+            <a:endParaRPr lang="fr-CH"/>
+          </a:p>
+        </p:txBody>
+      </p:sp>
+    </p:spTree>
+    <p:extLst>
+      <p:ext uri="{BB962C8B-B14F-4D97-AF65-F5344CB8AC3E}">
+        <p14:creationId xmlns:p14="http://schemas.microsoft.com/office/powerpoint/2010/main" val="3450640408"/>
+      </p:ext>
+    </p:extLst>
+  </p:cSld>
+  <p:clrMapOvr>
+    <a:masterClrMapping/>
+  </p:clrMapOvr>
+</p:sld>
+</file>
+
+<file path=ppt/slides/slide12.xml><?xml version="1.0" encoding="utf-8"?>
+<p:sld xmlns:a="http://schemas.openxmlformats.org/drawingml/2006/main" xmlns:r="http://schemas.openxmlformats.org/officeDocument/2006/relationships" xmlns:p="http://schemas.openxmlformats.org/presentationml/2006/main">
+  <p:cSld>
+    <p:spTree>
+      <p:nvGrpSpPr>
+        <p:cNvPr id="1" name=""/>
+        <p:cNvGrpSpPr/>
+        <p:nvPr/>
+      </p:nvGrpSpPr>
+      <p:grpSpPr>
+        <a:xfrm>
+          <a:off x="0" y="0"/>
+          <a:ext cx="0" cy="0"/>
+          <a:chOff x="0" y="0"/>
+          <a:chExt cx="0" cy="0"/>
+        </a:xfrm>
+      </p:grpSpPr>
+      <p:sp>
+        <p:nvSpPr>
+          <p:cNvPr id="2" name="Titre 1">
+            <a:extLst>
+              <a:ext uri="{FF2B5EF4-FFF2-40B4-BE49-F238E27FC236}">
+                <a16:creationId xmlns:a16="http://schemas.microsoft.com/office/drawing/2014/main" id="{397AE4C7-D594-4024-83D3-90637D28A2AB}"/>
+              </a:ext>
+            </a:extLst>
+          </p:cNvPr>
+          <p:cNvSpPr>
+            <a:spLocks noGrp="1"/>
+          </p:cNvSpPr>
+          <p:nvPr>
+            <p:ph type="title"/>
+          </p:nvPr>
+        </p:nvSpPr>
+        <p:spPr/>
+        <p:txBody>
+          <a:bodyPr>
+            <a:normAutofit/>
+          </a:bodyPr>
+          <a:lstStyle/>
+          <a:p>
+            <a:r>
+              <a:rPr lang="fr-CH" dirty="0"/>
+              <a:t>Logique client</a:t>
+            </a:r>
+          </a:p>
+        </p:txBody>
+      </p:sp>
+      <p:sp>
+        <p:nvSpPr>
+          <p:cNvPr id="3" name="Espace réservé du contenu 2">
+            <a:extLst>
+              <a:ext uri="{FF2B5EF4-FFF2-40B4-BE49-F238E27FC236}">
+                <a16:creationId xmlns:a16="http://schemas.microsoft.com/office/drawing/2014/main" id="{2E5C1508-2033-410E-BF12-FECDC8769D81}"/>
+              </a:ext>
+            </a:extLst>
+          </p:cNvPr>
+          <p:cNvSpPr>
+            <a:spLocks noGrp="1"/>
+          </p:cNvSpPr>
+          <p:nvPr>
+            <p:ph idx="1"/>
+          </p:nvPr>
+        </p:nvSpPr>
+        <p:spPr/>
+        <p:txBody>
+          <a:bodyPr/>
+          <a:lstStyle/>
+          <a:p>
+            <a:endParaRPr lang="fr-CH"/>
+          </a:p>
+        </p:txBody>
+      </p:sp>
+      <p:sp>
+        <p:nvSpPr>
+          <p:cNvPr id="4" name="Espace réservé de la date 3">
+            <a:extLst>
+              <a:ext uri="{FF2B5EF4-FFF2-40B4-BE49-F238E27FC236}">
+                <a16:creationId xmlns:a16="http://schemas.microsoft.com/office/drawing/2014/main" id="{FBCEE7FB-36C0-491F-8933-B4116257CA7D}"/>
+              </a:ext>
+            </a:extLst>
+          </p:cNvPr>
+          <p:cNvSpPr>
+            <a:spLocks noGrp="1"/>
+          </p:cNvSpPr>
+          <p:nvPr>
+            <p:ph type="dt" sz="half" idx="10"/>
+          </p:nvPr>
+        </p:nvSpPr>
+        <p:spPr/>
+        <p:txBody>
+          <a:bodyPr/>
+          <a:lstStyle/>
+          <a:p>
+            <a:r>
+              <a:rPr lang="fr-CH"/>
+              <a:t>29.05.2018</a:t>
+            </a:r>
+          </a:p>
+        </p:txBody>
+      </p:sp>
+      <p:sp>
+        <p:nvSpPr>
+          <p:cNvPr id="5" name="Espace réservé du pied de page 4">
+            <a:extLst>
+              <a:ext uri="{FF2B5EF4-FFF2-40B4-BE49-F238E27FC236}">
+                <a16:creationId xmlns:a16="http://schemas.microsoft.com/office/drawing/2014/main" id="{85964D23-EB3A-4D7D-8153-600F0D1E3823}"/>
+              </a:ext>
+            </a:extLst>
+          </p:cNvPr>
+          <p:cNvSpPr>
+            <a:spLocks noGrp="1"/>
+          </p:cNvSpPr>
+          <p:nvPr>
+            <p:ph type="ftr" sz="quarter" idx="11"/>
+          </p:nvPr>
+        </p:nvSpPr>
+        <p:spPr/>
+        <p:txBody>
+          <a:bodyPr/>
+          <a:lstStyle/>
+          <a:p>
+            <a:r>
+              <a:rPr lang="fr-CH"/>
+              <a:t>Projet PRO</a:t>
+            </a:r>
+          </a:p>
+        </p:txBody>
+      </p:sp>
+      <p:sp>
+        <p:nvSpPr>
+          <p:cNvPr id="6" name="Espace réservé du numéro de diapositive 5">
+            <a:extLst>
+              <a:ext uri="{FF2B5EF4-FFF2-40B4-BE49-F238E27FC236}">
+                <a16:creationId xmlns:a16="http://schemas.microsoft.com/office/drawing/2014/main" id="{BFA9BD18-A087-4406-A08F-AFBE97748442}"/>
+              </a:ext>
+            </a:extLst>
+          </p:cNvPr>
+          <p:cNvSpPr>
+            <a:spLocks noGrp="1"/>
+          </p:cNvSpPr>
+          <p:nvPr>
+            <p:ph type="sldNum" sz="quarter" idx="12"/>
+          </p:nvPr>
+        </p:nvSpPr>
+        <p:spPr/>
+        <p:txBody>
+          <a:bodyPr/>
+          <a:lstStyle/>
+          <a:p>
+            <a:fld id="{20F63081-4F22-4E9C-B057-7AE4B9C5C419}" type="slidenum">
+              <a:rPr lang="fr-CH" smtClean="0"/>
+              <a:t>12</a:t>
+            </a:fld>
+            <a:endParaRPr lang="fr-CH"/>
+          </a:p>
+        </p:txBody>
+      </p:sp>
+    </p:spTree>
+    <p:extLst>
+      <p:ext uri="{BB962C8B-B14F-4D97-AF65-F5344CB8AC3E}">
+        <p14:creationId xmlns:p14="http://schemas.microsoft.com/office/powerpoint/2010/main" val="1130737859"/>
+      </p:ext>
+    </p:extLst>
+  </p:cSld>
+  <p:clrMapOvr>
+    <a:masterClrMapping/>
+  </p:clrMapOvr>
+</p:sld>
+</file>
+
+<file path=ppt/slides/slide13.xml><?xml version="1.0" encoding="utf-8"?>
+<p:sld xmlns:a="http://schemas.openxmlformats.org/drawingml/2006/main" xmlns:r="http://schemas.openxmlformats.org/officeDocument/2006/relationships" xmlns:p="http://schemas.openxmlformats.org/presentationml/2006/main">
+  <p:cSld>
+    <p:spTree>
+      <p:nvGrpSpPr>
+        <p:cNvPr id="1" name=""/>
+        <p:cNvGrpSpPr/>
+        <p:nvPr/>
+      </p:nvGrpSpPr>
+      <p:grpSpPr>
+        <a:xfrm>
+          <a:off x="0" y="0"/>
+          <a:ext cx="0" cy="0"/>
+          <a:chOff x="0" y="0"/>
+          <a:chExt cx="0" cy="0"/>
+        </a:xfrm>
+      </p:grpSpPr>
+      <p:sp>
+        <p:nvSpPr>
+          <p:cNvPr id="2" name="Titre 1">
+            <a:extLst>
+              <a:ext uri="{FF2B5EF4-FFF2-40B4-BE49-F238E27FC236}">
+                <a16:creationId xmlns:a16="http://schemas.microsoft.com/office/drawing/2014/main" id="{32554A50-E200-4B04-B5B8-A65CA5BF495D}"/>
+              </a:ext>
+            </a:extLst>
+          </p:cNvPr>
+          <p:cNvSpPr>
+            <a:spLocks noGrp="1"/>
+          </p:cNvSpPr>
+          <p:nvPr>
+            <p:ph type="title"/>
+          </p:nvPr>
+        </p:nvSpPr>
+        <p:spPr/>
+        <p:txBody>
+          <a:bodyPr/>
+          <a:lstStyle/>
+          <a:p>
+            <a:r>
+              <a:rPr lang="fr-CH" dirty="0"/>
+              <a:t>Difficultés principales</a:t>
+            </a:r>
+          </a:p>
+        </p:txBody>
+      </p:sp>
+      <p:sp>
+        <p:nvSpPr>
+          <p:cNvPr id="3" name="Espace réservé du contenu 2">
+            <a:extLst>
+              <a:ext uri="{FF2B5EF4-FFF2-40B4-BE49-F238E27FC236}">
+                <a16:creationId xmlns:a16="http://schemas.microsoft.com/office/drawing/2014/main" id="{6AE14D25-16AD-480E-AB9A-B208F1906725}"/>
+              </a:ext>
+            </a:extLst>
+          </p:cNvPr>
+          <p:cNvSpPr>
+            <a:spLocks noGrp="1"/>
+          </p:cNvSpPr>
+          <p:nvPr>
+            <p:ph idx="1"/>
+          </p:nvPr>
+        </p:nvSpPr>
+        <p:spPr/>
+        <p:txBody>
+          <a:bodyPr/>
+          <a:lstStyle/>
+          <a:p>
+            <a:pPr marL="201168" lvl="1" indent="0">
+              <a:buNone/>
+            </a:pPr>
+            <a:r>
+              <a:rPr lang="fr-CH" dirty="0"/>
+              <a:t>Date SQL</a:t>
+            </a:r>
+          </a:p>
+          <a:p>
+            <a:pPr marL="201168" lvl="1" indent="0">
+              <a:buNone/>
+            </a:pPr>
+            <a:endParaRPr lang="fr-CH" dirty="0"/>
+          </a:p>
+          <a:p>
+            <a:pPr marL="201168" lvl="1" indent="0">
+              <a:buNone/>
+            </a:pPr>
+            <a:r>
+              <a:rPr lang="fr-CH" dirty="0"/>
+              <a:t>Mise en page du fichier imprimable</a:t>
+            </a:r>
+          </a:p>
+          <a:p>
+            <a:pPr marL="201168" lvl="1" indent="0">
+              <a:buNone/>
+            </a:pPr>
+            <a:endParaRPr lang="fr-CH" dirty="0"/>
+          </a:p>
+          <a:p>
+            <a:pPr marL="201168" lvl="1" indent="0">
+              <a:buNone/>
+            </a:pPr>
+            <a:r>
+              <a:rPr lang="fr-CH" dirty="0"/>
+              <a:t>Redimensionnement et coloration des plans</a:t>
+            </a:r>
+          </a:p>
+          <a:p>
+            <a:pPr marL="201168" lvl="1" indent="0">
+              <a:buNone/>
+            </a:pPr>
+            <a:endParaRPr lang="fr-CH" dirty="0"/>
+          </a:p>
+          <a:p>
+            <a:pPr marL="201168" lvl="1" indent="0">
+              <a:buNone/>
+            </a:pPr>
+            <a:r>
+              <a:rPr lang="fr-CH" dirty="0"/>
+              <a:t>Modification de tous les </a:t>
+            </a:r>
+            <a:r>
+              <a:rPr lang="fr-CH" dirty="0" err="1"/>
+              <a:t>SVGs</a:t>
+            </a:r>
+            <a:r>
+              <a:rPr lang="fr-CH" dirty="0"/>
+              <a:t> pour les adapter au code</a:t>
+            </a:r>
+          </a:p>
+          <a:p>
+            <a:pPr lvl="1"/>
+            <a:endParaRPr lang="fr-CH" dirty="0"/>
+          </a:p>
+        </p:txBody>
+      </p:sp>
+      <p:sp>
+        <p:nvSpPr>
+          <p:cNvPr id="4" name="Espace réservé de la date 3">
+            <a:extLst>
+              <a:ext uri="{FF2B5EF4-FFF2-40B4-BE49-F238E27FC236}">
+                <a16:creationId xmlns:a16="http://schemas.microsoft.com/office/drawing/2014/main" id="{6CFDB79E-73B8-463C-88F5-101DFA21691B}"/>
+              </a:ext>
+            </a:extLst>
+          </p:cNvPr>
+          <p:cNvSpPr>
+            <a:spLocks noGrp="1"/>
+          </p:cNvSpPr>
+          <p:nvPr>
+            <p:ph type="dt" sz="half" idx="10"/>
+          </p:nvPr>
+        </p:nvSpPr>
+        <p:spPr/>
+        <p:txBody>
+          <a:bodyPr/>
+          <a:lstStyle/>
+          <a:p>
+            <a:r>
+              <a:rPr lang="fr-CH"/>
+              <a:t>29.05.2018</a:t>
+            </a:r>
+          </a:p>
+        </p:txBody>
+      </p:sp>
+      <p:sp>
+        <p:nvSpPr>
+          <p:cNvPr id="5" name="Espace réservé du pied de page 4">
+            <a:extLst>
+              <a:ext uri="{FF2B5EF4-FFF2-40B4-BE49-F238E27FC236}">
+                <a16:creationId xmlns:a16="http://schemas.microsoft.com/office/drawing/2014/main" id="{AC0B3751-DC05-4529-989F-BDE9215483E1}"/>
+              </a:ext>
+            </a:extLst>
+          </p:cNvPr>
+          <p:cNvSpPr>
+            <a:spLocks noGrp="1"/>
+          </p:cNvSpPr>
+          <p:nvPr>
+            <p:ph type="ftr" sz="quarter" idx="11"/>
+          </p:nvPr>
+        </p:nvSpPr>
+        <p:spPr/>
+        <p:txBody>
+          <a:bodyPr/>
+          <a:lstStyle/>
+          <a:p>
+            <a:r>
+              <a:rPr lang="fr-CH"/>
+              <a:t>Projet PRO</a:t>
+            </a:r>
+          </a:p>
+        </p:txBody>
+      </p:sp>
+      <p:sp>
+        <p:nvSpPr>
+          <p:cNvPr id="6" name="Espace réservé du numéro de diapositive 5">
+            <a:extLst>
+              <a:ext uri="{FF2B5EF4-FFF2-40B4-BE49-F238E27FC236}">
+                <a16:creationId xmlns:a16="http://schemas.microsoft.com/office/drawing/2014/main" id="{F491ED25-A8B9-4F67-8F8D-143B55B13B4F}"/>
+              </a:ext>
+            </a:extLst>
+          </p:cNvPr>
+          <p:cNvSpPr>
+            <a:spLocks noGrp="1"/>
+          </p:cNvSpPr>
+          <p:nvPr>
+            <p:ph type="sldNum" sz="quarter" idx="12"/>
+          </p:nvPr>
+        </p:nvSpPr>
+        <p:spPr/>
+        <p:txBody>
+          <a:bodyPr/>
+          <a:lstStyle/>
+          <a:p>
+            <a:fld id="{20F63081-4F22-4E9C-B057-7AE4B9C5C419}" type="slidenum">
+              <a:rPr lang="fr-CH" smtClean="0"/>
+              <a:t>13</a:t>
+            </a:fld>
+            <a:endParaRPr lang="fr-CH"/>
+          </a:p>
+        </p:txBody>
+      </p:sp>
+    </p:spTree>
+    <p:extLst>
+      <p:ext uri="{BB962C8B-B14F-4D97-AF65-F5344CB8AC3E}">
+        <p14:creationId xmlns:p14="http://schemas.microsoft.com/office/powerpoint/2010/main" val="2395367970"/>
+      </p:ext>
+    </p:extLst>
+  </p:cSld>
+  <p:clrMapOvr>
+    <a:masterClrMapping/>
+  </p:clrMapOvr>
+</p:sld>
+</file>
+
+<file path=ppt/slides/slide14.xml><?xml version="1.0" encoding="utf-8"?>
+<p:sld xmlns:a="http://schemas.openxmlformats.org/drawingml/2006/main" xmlns:r="http://schemas.openxmlformats.org/officeDocument/2006/relationships" xmlns:p="http://schemas.openxmlformats.org/presentationml/2006/main">
+  <p:cSld>
+    <p:spTree>
+      <p:nvGrpSpPr>
+        <p:cNvPr id="1" name=""/>
+        <p:cNvGrpSpPr/>
+        <p:nvPr/>
+      </p:nvGrpSpPr>
+      <p:grpSpPr>
+        <a:xfrm>
+          <a:off x="0" y="0"/>
+          <a:ext cx="0" cy="0"/>
+          <a:chOff x="0" y="0"/>
+          <a:chExt cx="0" cy="0"/>
+        </a:xfrm>
+      </p:grpSpPr>
+      <p:sp>
+        <p:nvSpPr>
+          <p:cNvPr id="2" name="Titre 1">
+            <a:extLst>
+              <a:ext uri="{FF2B5EF4-FFF2-40B4-BE49-F238E27FC236}">
+                <a16:creationId xmlns:a16="http://schemas.microsoft.com/office/drawing/2014/main" id="{05F3DDB7-7975-4354-A673-D586BDFD8A16}"/>
+              </a:ext>
+            </a:extLst>
+          </p:cNvPr>
+          <p:cNvSpPr>
+            <a:spLocks noGrp="1"/>
+          </p:cNvSpPr>
+          <p:nvPr>
+            <p:ph type="title"/>
+          </p:nvPr>
+        </p:nvSpPr>
+        <p:spPr/>
+        <p:txBody>
+          <a:bodyPr/>
+          <a:lstStyle/>
+          <a:p>
+            <a:r>
+              <a:rPr lang="fr-CH" dirty="0"/>
+              <a:t>Problèmes rencontrés</a:t>
+            </a:r>
+          </a:p>
+        </p:txBody>
+      </p:sp>
+      <p:sp>
+        <p:nvSpPr>
+          <p:cNvPr id="3" name="Espace réservé du contenu 2">
+            <a:extLst>
+              <a:ext uri="{FF2B5EF4-FFF2-40B4-BE49-F238E27FC236}">
+                <a16:creationId xmlns:a16="http://schemas.microsoft.com/office/drawing/2014/main" id="{62B30DD1-A606-453E-85A9-177BE170EB19}"/>
+              </a:ext>
+            </a:extLst>
+          </p:cNvPr>
+          <p:cNvSpPr>
+            <a:spLocks noGrp="1"/>
+          </p:cNvSpPr>
+          <p:nvPr>
+            <p:ph idx="1"/>
+          </p:nvPr>
+        </p:nvSpPr>
+        <p:spPr>
+          <a:xfrm>
+            <a:off x="1097280" y="1845733"/>
+            <a:ext cx="10058400" cy="4484045"/>
+          </a:xfrm>
+        </p:spPr>
+        <p:txBody>
+          <a:bodyPr>
+            <a:normAutofit/>
+          </a:bodyPr>
+          <a:lstStyle/>
+          <a:p>
+            <a:r>
+              <a:rPr lang="fr-CH" dirty="0"/>
+              <a:t>Récupération des sources</a:t>
+            </a:r>
+          </a:p>
+          <a:p>
+            <a:pPr lvl="1"/>
+            <a:r>
+              <a:rPr lang="fr-CH" dirty="0"/>
+              <a:t>Horaire ICS</a:t>
+            </a:r>
+          </a:p>
+          <a:p>
+            <a:pPr lvl="1"/>
+            <a:r>
+              <a:rPr lang="fr-CH" dirty="0"/>
+              <a:t>Plans du bâtiment</a:t>
+            </a:r>
+          </a:p>
+          <a:p>
+            <a:pPr lvl="1"/>
+            <a:endParaRPr lang="fr-CH" dirty="0"/>
+          </a:p>
+          <a:p>
+            <a:r>
+              <a:rPr lang="fr-CH" dirty="0"/>
+              <a:t>Division de la charge de travail</a:t>
+            </a:r>
+          </a:p>
+          <a:p>
+            <a:pPr lvl="1"/>
+            <a:endParaRPr lang="fr-CH" dirty="0"/>
+          </a:p>
+          <a:p>
+            <a:r>
+              <a:rPr lang="fr-CH" dirty="0"/>
+              <a:t>Rendu</a:t>
+            </a:r>
+          </a:p>
+          <a:p>
+            <a:pPr lvl="1"/>
+            <a:r>
+              <a:rPr lang="fr-CH" dirty="0"/>
+              <a:t>Fonctionnement du code sous la forme d’une archive Java</a:t>
+            </a:r>
+          </a:p>
+        </p:txBody>
+      </p:sp>
+      <p:sp>
+        <p:nvSpPr>
+          <p:cNvPr id="4" name="Espace réservé de la date 3">
+            <a:extLst>
+              <a:ext uri="{FF2B5EF4-FFF2-40B4-BE49-F238E27FC236}">
+                <a16:creationId xmlns:a16="http://schemas.microsoft.com/office/drawing/2014/main" id="{988D0073-F3FE-48F5-A06A-38A1C989DE0C}"/>
+              </a:ext>
+            </a:extLst>
+          </p:cNvPr>
+          <p:cNvSpPr>
+            <a:spLocks noGrp="1"/>
+          </p:cNvSpPr>
+          <p:nvPr>
+            <p:ph type="dt" sz="half" idx="10"/>
+          </p:nvPr>
+        </p:nvSpPr>
+        <p:spPr/>
+        <p:txBody>
+          <a:bodyPr/>
+          <a:lstStyle/>
+          <a:p>
+            <a:r>
+              <a:rPr lang="fr-CH"/>
+              <a:t>29.05.2018</a:t>
+            </a:r>
+          </a:p>
+        </p:txBody>
+      </p:sp>
+      <p:sp>
+        <p:nvSpPr>
+          <p:cNvPr id="5" name="Espace réservé du pied de page 4">
+            <a:extLst>
+              <a:ext uri="{FF2B5EF4-FFF2-40B4-BE49-F238E27FC236}">
+                <a16:creationId xmlns:a16="http://schemas.microsoft.com/office/drawing/2014/main" id="{4049597F-A31C-4983-8DDA-79891CF33C3A}"/>
+              </a:ext>
+            </a:extLst>
+          </p:cNvPr>
+          <p:cNvSpPr>
+            <a:spLocks noGrp="1"/>
+          </p:cNvSpPr>
+          <p:nvPr>
+            <p:ph type="ftr" sz="quarter" idx="11"/>
+          </p:nvPr>
+        </p:nvSpPr>
+        <p:spPr/>
+        <p:txBody>
+          <a:bodyPr/>
+          <a:lstStyle/>
+          <a:p>
+            <a:r>
+              <a:rPr lang="fr-CH"/>
+              <a:t>Projet PRO</a:t>
+            </a:r>
+          </a:p>
+        </p:txBody>
+      </p:sp>
+      <p:sp>
+        <p:nvSpPr>
+          <p:cNvPr id="6" name="Espace réservé du numéro de diapositive 5">
+            <a:extLst>
+              <a:ext uri="{FF2B5EF4-FFF2-40B4-BE49-F238E27FC236}">
+                <a16:creationId xmlns:a16="http://schemas.microsoft.com/office/drawing/2014/main" id="{4C0F348A-A7FD-43BB-9C86-1CEE7932CE9A}"/>
+              </a:ext>
+            </a:extLst>
+          </p:cNvPr>
+          <p:cNvSpPr>
+            <a:spLocks noGrp="1"/>
+          </p:cNvSpPr>
+          <p:nvPr>
+            <p:ph type="sldNum" sz="quarter" idx="12"/>
+          </p:nvPr>
+        </p:nvSpPr>
+        <p:spPr/>
+        <p:txBody>
+          <a:bodyPr/>
+          <a:lstStyle/>
+          <a:p>
+            <a:fld id="{20F63081-4F22-4E9C-B057-7AE4B9C5C419}" type="slidenum">
+              <a:rPr lang="fr-CH" smtClean="0"/>
+              <a:t>14</a:t>
+            </a:fld>
+            <a:endParaRPr lang="fr-CH"/>
+          </a:p>
+        </p:txBody>
+      </p:sp>
+    </p:spTree>
+    <p:extLst>
+      <p:ext uri="{BB962C8B-B14F-4D97-AF65-F5344CB8AC3E}">
+        <p14:creationId xmlns:p14="http://schemas.microsoft.com/office/powerpoint/2010/main" val="3207276642"/>
+      </p:ext>
+    </p:extLst>
+  </p:cSld>
+  <p:clrMapOvr>
+    <a:masterClrMapping/>
+  </p:clrMapOvr>
+</p:sld>
+</file>
+
+<file path=ppt/slides/slide15.xml><?xml version="1.0" encoding="utf-8"?>
+<p:sld xmlns:a="http://schemas.openxmlformats.org/drawingml/2006/main" xmlns:r="http://schemas.openxmlformats.org/officeDocument/2006/relationships" xmlns:p="http://schemas.openxmlformats.org/presentationml/2006/main">
+  <p:cSld>
+    <p:spTree>
+      <p:nvGrpSpPr>
+        <p:cNvPr id="1" name=""/>
+        <p:cNvGrpSpPr/>
+        <p:nvPr/>
+      </p:nvGrpSpPr>
+      <p:grpSpPr>
+        <a:xfrm>
+          <a:off x="0" y="0"/>
+          <a:ext cx="0" cy="0"/>
+          <a:chOff x="0" y="0"/>
+          <a:chExt cx="0" cy="0"/>
+        </a:xfrm>
+      </p:grpSpPr>
+      <p:sp>
+        <p:nvSpPr>
+          <p:cNvPr id="2" name="Titre 1">
+            <a:extLst>
+              <a:ext uri="{FF2B5EF4-FFF2-40B4-BE49-F238E27FC236}">
+                <a16:creationId xmlns:a16="http://schemas.microsoft.com/office/drawing/2014/main" id="{CA567308-03F1-48FD-9AB1-1F190B9524BF}"/>
+              </a:ext>
+            </a:extLst>
+          </p:cNvPr>
+          <p:cNvSpPr>
+            <a:spLocks noGrp="1"/>
+          </p:cNvSpPr>
+          <p:nvPr>
+            <p:ph type="title"/>
+          </p:nvPr>
+        </p:nvSpPr>
+        <p:spPr/>
+        <p:txBody>
+          <a:bodyPr>
+            <a:noAutofit/>
+          </a:bodyPr>
+          <a:lstStyle/>
+          <a:p>
+            <a:r>
+              <a:rPr lang="fr-CH" sz="4800" dirty="0"/>
+              <a:t>Bugs connus et améliorations possibles</a:t>
+            </a:r>
+          </a:p>
+        </p:txBody>
+      </p:sp>
+      <p:sp>
+        <p:nvSpPr>
+          <p:cNvPr id="3" name="Espace réservé du contenu 2">
+            <a:extLst>
+              <a:ext uri="{FF2B5EF4-FFF2-40B4-BE49-F238E27FC236}">
+                <a16:creationId xmlns:a16="http://schemas.microsoft.com/office/drawing/2014/main" id="{360DBB8D-6C8A-4677-8912-756516603B6B}"/>
+              </a:ext>
+            </a:extLst>
+          </p:cNvPr>
+          <p:cNvSpPr>
+            <a:spLocks noGrp="1"/>
+          </p:cNvSpPr>
+          <p:nvPr>
+            <p:ph idx="1"/>
+          </p:nvPr>
+        </p:nvSpPr>
+        <p:spPr>
+          <a:xfrm>
+            <a:off x="1097280" y="1845733"/>
+            <a:ext cx="10058400" cy="4519555"/>
+          </a:xfrm>
+        </p:spPr>
+        <p:txBody>
+          <a:bodyPr>
+            <a:normAutofit/>
+          </a:bodyPr>
+          <a:lstStyle/>
+          <a:p>
+            <a:r>
+              <a:rPr lang="fr-CH" dirty="0"/>
+              <a:t>Ajouter une limite pour la fin du fichier ICS</a:t>
+            </a:r>
+          </a:p>
+          <a:p>
+            <a:pPr lvl="1"/>
+            <a:endParaRPr lang="fr-CH" dirty="0"/>
+          </a:p>
+          <a:p>
+            <a:r>
+              <a:rPr lang="fr-CH" dirty="0"/>
+              <a:t>Allocation de la mémoire</a:t>
+            </a:r>
+          </a:p>
+          <a:p>
+            <a:pPr lvl="1"/>
+            <a:endParaRPr lang="fr-CH" dirty="0"/>
+          </a:p>
+          <a:p>
+            <a:r>
+              <a:rPr lang="fr-CH" dirty="0"/>
+              <a:t>La partie 2 de l’étage B est corrompu</a:t>
+            </a:r>
+          </a:p>
+          <a:p>
+            <a:pPr lvl="1"/>
+            <a:endParaRPr lang="fr-CH" dirty="0"/>
+          </a:p>
+          <a:p>
+            <a:r>
+              <a:rPr lang="fr-CH" dirty="0"/>
+              <a:t>Améliorer la partie «</a:t>
+            </a:r>
+            <a:r>
+              <a:rPr lang="fr-CH" dirty="0" err="1"/>
+              <a:t>remote</a:t>
+            </a:r>
+            <a:r>
+              <a:rPr lang="fr-CH" dirty="0"/>
+              <a:t> server»</a:t>
+            </a:r>
+          </a:p>
+        </p:txBody>
+      </p:sp>
+      <p:sp>
+        <p:nvSpPr>
+          <p:cNvPr id="4" name="Espace réservé de la date 3">
+            <a:extLst>
+              <a:ext uri="{FF2B5EF4-FFF2-40B4-BE49-F238E27FC236}">
+                <a16:creationId xmlns:a16="http://schemas.microsoft.com/office/drawing/2014/main" id="{DFF99ED2-8FA1-4495-91A1-E752AB6D0EB0}"/>
+              </a:ext>
+            </a:extLst>
+          </p:cNvPr>
+          <p:cNvSpPr>
+            <a:spLocks noGrp="1"/>
+          </p:cNvSpPr>
+          <p:nvPr>
+            <p:ph type="dt" sz="half" idx="10"/>
+          </p:nvPr>
+        </p:nvSpPr>
+        <p:spPr/>
+        <p:txBody>
+          <a:bodyPr/>
+          <a:lstStyle/>
+          <a:p>
+            <a:r>
+              <a:rPr lang="fr-CH"/>
+              <a:t>29.05.2018</a:t>
+            </a:r>
+          </a:p>
+        </p:txBody>
+      </p:sp>
+      <p:sp>
+        <p:nvSpPr>
+          <p:cNvPr id="5" name="Espace réservé du pied de page 4">
+            <a:extLst>
+              <a:ext uri="{FF2B5EF4-FFF2-40B4-BE49-F238E27FC236}">
+                <a16:creationId xmlns:a16="http://schemas.microsoft.com/office/drawing/2014/main" id="{F150EEB8-BF9B-4E8B-90C2-DF77398CE336}"/>
+              </a:ext>
+            </a:extLst>
+          </p:cNvPr>
+          <p:cNvSpPr>
+            <a:spLocks noGrp="1"/>
+          </p:cNvSpPr>
+          <p:nvPr>
+            <p:ph type="ftr" sz="quarter" idx="11"/>
+          </p:nvPr>
+        </p:nvSpPr>
+        <p:spPr/>
+        <p:txBody>
+          <a:bodyPr/>
+          <a:lstStyle/>
+          <a:p>
+            <a:r>
+              <a:rPr lang="fr-CH"/>
+              <a:t>Projet PRO</a:t>
+            </a:r>
+          </a:p>
+        </p:txBody>
+      </p:sp>
+      <p:sp>
+        <p:nvSpPr>
+          <p:cNvPr id="6" name="Espace réservé du numéro de diapositive 5">
+            <a:extLst>
+              <a:ext uri="{FF2B5EF4-FFF2-40B4-BE49-F238E27FC236}">
+                <a16:creationId xmlns:a16="http://schemas.microsoft.com/office/drawing/2014/main" id="{17E4DD8A-1456-4B25-88D1-2E181F45A5B5}"/>
+              </a:ext>
+            </a:extLst>
+          </p:cNvPr>
+          <p:cNvSpPr>
+            <a:spLocks noGrp="1"/>
+          </p:cNvSpPr>
+          <p:nvPr>
+            <p:ph type="sldNum" sz="quarter" idx="12"/>
+          </p:nvPr>
+        </p:nvSpPr>
+        <p:spPr/>
+        <p:txBody>
+          <a:bodyPr/>
+          <a:lstStyle/>
+          <a:p>
+            <a:fld id="{20F63081-4F22-4E9C-B057-7AE4B9C5C419}" type="slidenum">
+              <a:rPr lang="fr-CH" smtClean="0"/>
+              <a:t>15</a:t>
+            </a:fld>
+            <a:endParaRPr lang="fr-CH"/>
+          </a:p>
+        </p:txBody>
+      </p:sp>
+    </p:spTree>
+    <p:extLst>
+      <p:ext uri="{BB962C8B-B14F-4D97-AF65-F5344CB8AC3E}">
+        <p14:creationId xmlns:p14="http://schemas.microsoft.com/office/powerpoint/2010/main" val="1569092292"/>
+      </p:ext>
+    </p:extLst>
+  </p:cSld>
+  <p:clrMapOvr>
+    <a:masterClrMapping/>
+  </p:clrMapOvr>
+</p:sld>
+</file>
+
+<file path=ppt/slides/slide16.xml><?xml version="1.0" encoding="utf-8"?>
+<p:sld xmlns:a="http://schemas.openxmlformats.org/drawingml/2006/main" xmlns:r="http://schemas.openxmlformats.org/officeDocument/2006/relationships" xmlns:p="http://schemas.openxmlformats.org/presentationml/2006/main">
+  <p:cSld>
+    <p:spTree>
+      <p:nvGrpSpPr>
+        <p:cNvPr id="1" name=""/>
+        <p:cNvGrpSpPr/>
+        <p:nvPr/>
+      </p:nvGrpSpPr>
+      <p:grpSpPr>
+        <a:xfrm>
+          <a:off x="0" y="0"/>
+          <a:ext cx="0" cy="0"/>
+          <a:chOff x="0" y="0"/>
+          <a:chExt cx="0" cy="0"/>
+        </a:xfrm>
+      </p:grpSpPr>
+      <p:sp>
+        <p:nvSpPr>
+          <p:cNvPr id="2" name="Titre 1">
+            <a:extLst>
+              <a:ext uri="{FF2B5EF4-FFF2-40B4-BE49-F238E27FC236}">
+                <a16:creationId xmlns:a16="http://schemas.microsoft.com/office/drawing/2014/main" id="{2791BDE7-4268-4F71-802B-89BB7E0C0281}"/>
+              </a:ext>
+            </a:extLst>
+          </p:cNvPr>
+          <p:cNvSpPr>
+            <a:spLocks noGrp="1"/>
+          </p:cNvSpPr>
+          <p:nvPr>
+            <p:ph type="title"/>
+          </p:nvPr>
+        </p:nvSpPr>
+        <p:spPr/>
+        <p:txBody>
+          <a:bodyPr>
+            <a:normAutofit fontScale="90000"/>
+          </a:bodyPr>
+          <a:lstStyle/>
+          <a:p>
+            <a:r>
+              <a:rPr lang="fr-CH" dirty="0"/>
+              <a:t>Conclusion sur le travail en groupe</a:t>
+            </a:r>
+          </a:p>
+        </p:txBody>
+      </p:sp>
+      <p:sp>
+        <p:nvSpPr>
+          <p:cNvPr id="3" name="Espace réservé du contenu 2">
+            <a:extLst>
+              <a:ext uri="{FF2B5EF4-FFF2-40B4-BE49-F238E27FC236}">
+                <a16:creationId xmlns:a16="http://schemas.microsoft.com/office/drawing/2014/main" id="{FAF3E672-4E32-4A38-8DB7-AECD6FF19FEE}"/>
+              </a:ext>
+            </a:extLst>
+          </p:cNvPr>
+          <p:cNvSpPr>
+            <a:spLocks noGrp="1"/>
+          </p:cNvSpPr>
+          <p:nvPr>
+            <p:ph idx="1"/>
+          </p:nvPr>
+        </p:nvSpPr>
+        <p:spPr/>
+        <p:txBody>
+          <a:bodyPr/>
+          <a:lstStyle/>
+          <a:p>
+            <a:pPr marL="0" indent="0">
+              <a:buNone/>
+            </a:pPr>
+            <a:r>
+              <a:rPr lang="fr-CH" dirty="0"/>
+              <a:t>Beaucoup de temps nécessaire à la coordination des tâches</a:t>
+            </a:r>
+          </a:p>
+          <a:p>
+            <a:pPr marL="658368" lvl="1" indent="-457200"/>
+            <a:endParaRPr lang="fr-CH" dirty="0"/>
+          </a:p>
+          <a:p>
+            <a:pPr marL="0" indent="0">
+              <a:buNone/>
+            </a:pPr>
+            <a:r>
+              <a:rPr lang="fr-CH" dirty="0"/>
+              <a:t>De nombreuses réunions ont été faites</a:t>
+            </a:r>
+          </a:p>
+        </p:txBody>
+      </p:sp>
+      <p:sp>
+        <p:nvSpPr>
+          <p:cNvPr id="4" name="Espace réservé de la date 3">
+            <a:extLst>
+              <a:ext uri="{FF2B5EF4-FFF2-40B4-BE49-F238E27FC236}">
+                <a16:creationId xmlns:a16="http://schemas.microsoft.com/office/drawing/2014/main" id="{F158B539-6BDA-4726-AC84-3B50141FAC13}"/>
+              </a:ext>
+            </a:extLst>
+          </p:cNvPr>
+          <p:cNvSpPr>
+            <a:spLocks noGrp="1"/>
+          </p:cNvSpPr>
+          <p:nvPr>
+            <p:ph type="dt" sz="half" idx="10"/>
+          </p:nvPr>
+        </p:nvSpPr>
+        <p:spPr/>
+        <p:txBody>
+          <a:bodyPr/>
+          <a:lstStyle/>
+          <a:p>
+            <a:r>
+              <a:rPr lang="fr-CH"/>
+              <a:t>29.05.2018</a:t>
+            </a:r>
+          </a:p>
+        </p:txBody>
+      </p:sp>
+      <p:sp>
+        <p:nvSpPr>
+          <p:cNvPr id="5" name="Espace réservé du pied de page 4">
+            <a:extLst>
+              <a:ext uri="{FF2B5EF4-FFF2-40B4-BE49-F238E27FC236}">
+                <a16:creationId xmlns:a16="http://schemas.microsoft.com/office/drawing/2014/main" id="{2C6E5602-6886-421F-A3DB-3FCEC1567A67}"/>
+              </a:ext>
+            </a:extLst>
+          </p:cNvPr>
+          <p:cNvSpPr>
+            <a:spLocks noGrp="1"/>
+          </p:cNvSpPr>
+          <p:nvPr>
+            <p:ph type="ftr" sz="quarter" idx="11"/>
+          </p:nvPr>
+        </p:nvSpPr>
+        <p:spPr/>
+        <p:txBody>
+          <a:bodyPr/>
+          <a:lstStyle/>
+          <a:p>
+            <a:r>
+              <a:rPr lang="fr-CH"/>
+              <a:t>Projet PRO</a:t>
+            </a:r>
+          </a:p>
+        </p:txBody>
+      </p:sp>
+      <p:sp>
+        <p:nvSpPr>
+          <p:cNvPr id="6" name="Espace réservé du numéro de diapositive 5">
+            <a:extLst>
+              <a:ext uri="{FF2B5EF4-FFF2-40B4-BE49-F238E27FC236}">
+                <a16:creationId xmlns:a16="http://schemas.microsoft.com/office/drawing/2014/main" id="{BE558349-54D1-41BD-9C6A-202999E2C9B9}"/>
+              </a:ext>
+            </a:extLst>
+          </p:cNvPr>
+          <p:cNvSpPr>
+            <a:spLocks noGrp="1"/>
+          </p:cNvSpPr>
+          <p:nvPr>
+            <p:ph type="sldNum" sz="quarter" idx="12"/>
+          </p:nvPr>
+        </p:nvSpPr>
+        <p:spPr/>
+        <p:txBody>
+          <a:bodyPr/>
+          <a:lstStyle/>
+          <a:p>
+            <a:fld id="{20F63081-4F22-4E9C-B057-7AE4B9C5C419}" type="slidenum">
+              <a:rPr lang="fr-CH" smtClean="0"/>
+              <a:t>16</a:t>
+            </a:fld>
+            <a:endParaRPr lang="fr-CH"/>
+          </a:p>
+        </p:txBody>
+      </p:sp>
+    </p:spTree>
+    <p:extLst>
+      <p:ext uri="{BB962C8B-B14F-4D97-AF65-F5344CB8AC3E}">
+        <p14:creationId xmlns:p14="http://schemas.microsoft.com/office/powerpoint/2010/main" val="2651892989"/>
+      </p:ext>
+    </p:extLst>
+  </p:cSld>
+  <p:clrMapOvr>
+    <a:masterClrMapping/>
+  </p:clrMapOvr>
+</p:sld>
+</file>
+
+<file path=ppt/slides/slide17.xml><?xml version="1.0" encoding="utf-8"?>
+<p:sld xmlns:a="http://schemas.openxmlformats.org/drawingml/2006/main" xmlns:r="http://schemas.openxmlformats.org/officeDocument/2006/relationships" xmlns:p="http://schemas.openxmlformats.org/presentationml/2006/main">
+  <p:cSld>
+    <p:spTree>
+      <p:nvGrpSpPr>
+        <p:cNvPr id="1" name=""/>
+        <p:cNvGrpSpPr/>
+        <p:nvPr/>
+      </p:nvGrpSpPr>
+      <p:grpSpPr>
+        <a:xfrm>
+          <a:off x="0" y="0"/>
+          <a:ext cx="0" cy="0"/>
+          <a:chOff x="0" y="0"/>
+          <a:chExt cx="0" cy="0"/>
+        </a:xfrm>
+      </p:grpSpPr>
+      <p:sp>
+        <p:nvSpPr>
+          <p:cNvPr id="2" name="Titre 1">
+            <a:extLst>
+              <a:ext uri="{FF2B5EF4-FFF2-40B4-BE49-F238E27FC236}">
+                <a16:creationId xmlns:a16="http://schemas.microsoft.com/office/drawing/2014/main" id="{927E7D25-FBD0-4870-878C-58EDE852B544}"/>
+              </a:ext>
+            </a:extLst>
+          </p:cNvPr>
+          <p:cNvSpPr>
+            <a:spLocks noGrp="1"/>
+          </p:cNvSpPr>
+          <p:nvPr>
+            <p:ph type="title"/>
+          </p:nvPr>
+        </p:nvSpPr>
+        <p:spPr/>
+        <p:txBody>
+          <a:bodyPr/>
+          <a:lstStyle/>
+          <a:p>
+            <a:r>
+              <a:rPr lang="fr-CH" dirty="0"/>
+              <a:t>Conclusion sur le projet réalisé</a:t>
+            </a:r>
+          </a:p>
+        </p:txBody>
+      </p:sp>
+      <p:sp>
+        <p:nvSpPr>
+          <p:cNvPr id="3" name="Espace réservé du contenu 2">
+            <a:extLst>
+              <a:ext uri="{FF2B5EF4-FFF2-40B4-BE49-F238E27FC236}">
+                <a16:creationId xmlns:a16="http://schemas.microsoft.com/office/drawing/2014/main" id="{4D5EBF0C-24A5-4056-8B92-719E58C28D07}"/>
+              </a:ext>
+            </a:extLst>
+          </p:cNvPr>
+          <p:cNvSpPr>
+            <a:spLocks noGrp="1"/>
+          </p:cNvSpPr>
+          <p:nvPr>
+            <p:ph idx="1"/>
+          </p:nvPr>
+        </p:nvSpPr>
+        <p:spPr>
+          <a:xfrm>
+            <a:off x="1097280" y="2086892"/>
+            <a:ext cx="10058400" cy="4023360"/>
+          </a:xfrm>
+        </p:spPr>
+        <p:txBody>
+          <a:bodyPr>
+            <a:normAutofit/>
+          </a:bodyPr>
+          <a:lstStyle/>
+          <a:p>
+            <a:pPr marL="0">
+              <a:buNone/>
+            </a:pPr>
+            <a:r>
+              <a:rPr lang="fr-CH" dirty="0"/>
+              <a:t>Satisfaction personnel sur le produit final</a:t>
+            </a:r>
+          </a:p>
+          <a:p>
+            <a:pPr marL="0">
+              <a:buNone/>
+            </a:pPr>
+            <a:r>
+              <a:rPr lang="fr-CH" dirty="0"/>
+              <a:t>Nouvelles expériences acquises</a:t>
+            </a:r>
+          </a:p>
+          <a:p>
+            <a:pPr marL="0">
+              <a:buNone/>
+            </a:pPr>
+            <a:r>
+              <a:rPr lang="fr-CH" dirty="0"/>
+              <a:t>Rapport </a:t>
+            </a:r>
+          </a:p>
+        </p:txBody>
+      </p:sp>
+      <p:sp>
+        <p:nvSpPr>
+          <p:cNvPr id="4" name="Espace réservé de la date 3">
+            <a:extLst>
+              <a:ext uri="{FF2B5EF4-FFF2-40B4-BE49-F238E27FC236}">
+                <a16:creationId xmlns:a16="http://schemas.microsoft.com/office/drawing/2014/main" id="{F7E97056-82FE-495B-B5A4-DC3D8C6B6E02}"/>
+              </a:ext>
+            </a:extLst>
+          </p:cNvPr>
+          <p:cNvSpPr>
+            <a:spLocks noGrp="1"/>
+          </p:cNvSpPr>
+          <p:nvPr>
+            <p:ph type="dt" sz="half" idx="10"/>
+          </p:nvPr>
+        </p:nvSpPr>
+        <p:spPr/>
+        <p:txBody>
+          <a:bodyPr/>
+          <a:lstStyle/>
+          <a:p>
+            <a:r>
+              <a:rPr lang="fr-CH"/>
+              <a:t>29.05.2018</a:t>
+            </a:r>
+          </a:p>
+        </p:txBody>
+      </p:sp>
+      <p:sp>
+        <p:nvSpPr>
+          <p:cNvPr id="5" name="Espace réservé du pied de page 4">
+            <a:extLst>
+              <a:ext uri="{FF2B5EF4-FFF2-40B4-BE49-F238E27FC236}">
+                <a16:creationId xmlns:a16="http://schemas.microsoft.com/office/drawing/2014/main" id="{4D933D85-39A5-4694-936C-DD4B170C0873}"/>
+              </a:ext>
+            </a:extLst>
+          </p:cNvPr>
+          <p:cNvSpPr>
+            <a:spLocks noGrp="1"/>
+          </p:cNvSpPr>
+          <p:nvPr>
+            <p:ph type="ftr" sz="quarter" idx="11"/>
+          </p:nvPr>
+        </p:nvSpPr>
+        <p:spPr/>
+        <p:txBody>
+          <a:bodyPr/>
+          <a:lstStyle/>
+          <a:p>
+            <a:r>
+              <a:rPr lang="fr-CH"/>
+              <a:t>Projet PRO</a:t>
+            </a:r>
+          </a:p>
+        </p:txBody>
+      </p:sp>
+      <p:sp>
+        <p:nvSpPr>
+          <p:cNvPr id="6" name="Espace réservé du numéro de diapositive 5">
+            <a:extLst>
+              <a:ext uri="{FF2B5EF4-FFF2-40B4-BE49-F238E27FC236}">
+                <a16:creationId xmlns:a16="http://schemas.microsoft.com/office/drawing/2014/main" id="{77B6DC7B-0364-40EC-B622-BBFC3B322974}"/>
+              </a:ext>
+            </a:extLst>
+          </p:cNvPr>
+          <p:cNvSpPr>
+            <a:spLocks noGrp="1"/>
+          </p:cNvSpPr>
+          <p:nvPr>
+            <p:ph type="sldNum" sz="quarter" idx="12"/>
+          </p:nvPr>
+        </p:nvSpPr>
+        <p:spPr/>
+        <p:txBody>
+          <a:bodyPr/>
+          <a:lstStyle/>
+          <a:p>
+            <a:fld id="{20F63081-4F22-4E9C-B057-7AE4B9C5C419}" type="slidenum">
+              <a:rPr lang="fr-CH" smtClean="0"/>
+              <a:t>17</a:t>
+            </a:fld>
+            <a:endParaRPr lang="fr-CH"/>
+          </a:p>
+        </p:txBody>
+      </p:sp>
+    </p:spTree>
+    <p:extLst>
+      <p:ext uri="{BB962C8B-B14F-4D97-AF65-F5344CB8AC3E}">
+        <p14:creationId xmlns:p14="http://schemas.microsoft.com/office/powerpoint/2010/main" val="1195940858"/>
+      </p:ext>
+    </p:extLst>
+  </p:cSld>
+  <p:clrMapOvr>
+    <a:masterClrMapping/>
+  </p:clrMapOvr>
+</p:sld>
+</file>
+
+<file path=ppt/slides/slide18.xml><?xml version="1.0" encoding="utf-8"?>
+<p:sld xmlns:a="http://schemas.openxmlformats.org/drawingml/2006/main" xmlns:r="http://schemas.openxmlformats.org/officeDocument/2006/relationships" xmlns:p="http://schemas.openxmlformats.org/presentationml/2006/main">
+  <p:cSld>
+    <p:spTree>
+      <p:nvGrpSpPr>
+        <p:cNvPr id="1" name=""/>
+        <p:cNvGrpSpPr/>
+        <p:nvPr/>
+      </p:nvGrpSpPr>
+      <p:grpSpPr>
+        <a:xfrm>
+          <a:off x="0" y="0"/>
+          <a:ext cx="0" cy="0"/>
+          <a:chOff x="0" y="0"/>
+          <a:chExt cx="0" cy="0"/>
+        </a:xfrm>
+      </p:grpSpPr>
+      <p:sp>
+        <p:nvSpPr>
+          <p:cNvPr id="2" name="Titre 1">
+            <a:extLst>
+              <a:ext uri="{FF2B5EF4-FFF2-40B4-BE49-F238E27FC236}">
+                <a16:creationId xmlns:a16="http://schemas.microsoft.com/office/drawing/2014/main" id="{09E308EE-42D5-47BB-B3A6-1C5DB77EC5E8}"/>
+              </a:ext>
+            </a:extLst>
+          </p:cNvPr>
+          <p:cNvSpPr>
+            <a:spLocks noGrp="1"/>
+          </p:cNvSpPr>
+          <p:nvPr>
+            <p:ph type="title"/>
+          </p:nvPr>
+        </p:nvSpPr>
+        <p:spPr/>
+        <p:txBody>
+          <a:bodyPr/>
+          <a:lstStyle/>
+          <a:p>
+            <a:r>
+              <a:rPr lang="fr-CH" dirty="0"/>
+              <a:t>Démo</a:t>
+            </a:r>
+          </a:p>
+        </p:txBody>
+      </p:sp>
+      <p:sp>
+        <p:nvSpPr>
+          <p:cNvPr id="3" name="Espace réservé du contenu 2">
+            <a:extLst>
+              <a:ext uri="{FF2B5EF4-FFF2-40B4-BE49-F238E27FC236}">
+                <a16:creationId xmlns:a16="http://schemas.microsoft.com/office/drawing/2014/main" id="{CD440005-2EF4-439C-B7DB-CAD81E4EF2C5}"/>
+              </a:ext>
+            </a:extLst>
+          </p:cNvPr>
+          <p:cNvSpPr>
+            <a:spLocks noGrp="1"/>
+          </p:cNvSpPr>
+          <p:nvPr>
+            <p:ph idx="1"/>
+          </p:nvPr>
+        </p:nvSpPr>
+        <p:spPr/>
+        <p:txBody>
+          <a:bodyPr/>
+          <a:lstStyle/>
+          <a:p>
+            <a:endParaRPr lang="fr-CH"/>
+          </a:p>
+        </p:txBody>
+      </p:sp>
+      <p:sp>
+        <p:nvSpPr>
+          <p:cNvPr id="4" name="Espace réservé de la date 3">
+            <a:extLst>
+              <a:ext uri="{FF2B5EF4-FFF2-40B4-BE49-F238E27FC236}">
+                <a16:creationId xmlns:a16="http://schemas.microsoft.com/office/drawing/2014/main" id="{E9A39E78-7FC2-4EB9-AB32-343E93833686}"/>
+              </a:ext>
+            </a:extLst>
+          </p:cNvPr>
+          <p:cNvSpPr>
+            <a:spLocks noGrp="1"/>
+          </p:cNvSpPr>
+          <p:nvPr>
+            <p:ph type="dt" sz="half" idx="10"/>
+          </p:nvPr>
+        </p:nvSpPr>
+        <p:spPr/>
+        <p:txBody>
+          <a:bodyPr/>
+          <a:lstStyle/>
+          <a:p>
+            <a:r>
+              <a:rPr lang="fr-CH"/>
+              <a:t>29.05.2018</a:t>
+            </a:r>
+          </a:p>
+        </p:txBody>
+      </p:sp>
+      <p:sp>
+        <p:nvSpPr>
+          <p:cNvPr id="5" name="Espace réservé du pied de page 4">
+            <a:extLst>
+              <a:ext uri="{FF2B5EF4-FFF2-40B4-BE49-F238E27FC236}">
+                <a16:creationId xmlns:a16="http://schemas.microsoft.com/office/drawing/2014/main" id="{F1F21B61-D281-4FD5-9CBF-AF154BC33D74}"/>
+              </a:ext>
+            </a:extLst>
+          </p:cNvPr>
+          <p:cNvSpPr>
+            <a:spLocks noGrp="1"/>
+          </p:cNvSpPr>
+          <p:nvPr>
+            <p:ph type="ftr" sz="quarter" idx="11"/>
+          </p:nvPr>
+        </p:nvSpPr>
+        <p:spPr/>
+        <p:txBody>
+          <a:bodyPr/>
+          <a:lstStyle/>
+          <a:p>
+            <a:r>
+              <a:rPr lang="fr-CH"/>
+              <a:t>Projet PRO</a:t>
+            </a:r>
+          </a:p>
+        </p:txBody>
+      </p:sp>
+      <p:sp>
+        <p:nvSpPr>
+          <p:cNvPr id="6" name="Espace réservé du numéro de diapositive 5">
+            <a:extLst>
+              <a:ext uri="{FF2B5EF4-FFF2-40B4-BE49-F238E27FC236}">
+                <a16:creationId xmlns:a16="http://schemas.microsoft.com/office/drawing/2014/main" id="{78443427-909F-4904-8C18-D1F027AA05E3}"/>
+              </a:ext>
+            </a:extLst>
+          </p:cNvPr>
+          <p:cNvSpPr>
+            <a:spLocks noGrp="1"/>
+          </p:cNvSpPr>
+          <p:nvPr>
+            <p:ph type="sldNum" sz="quarter" idx="12"/>
+          </p:nvPr>
+        </p:nvSpPr>
+        <p:spPr/>
+        <p:txBody>
+          <a:bodyPr/>
+          <a:lstStyle/>
+          <a:p>
+            <a:fld id="{20F63081-4F22-4E9C-B057-7AE4B9C5C419}" type="slidenum">
+              <a:rPr lang="fr-CH" smtClean="0"/>
+              <a:t>18</a:t>
+            </a:fld>
+            <a:endParaRPr lang="fr-CH"/>
+          </a:p>
+        </p:txBody>
+      </p:sp>
+    </p:spTree>
+    <p:extLst>
+      <p:ext uri="{BB962C8B-B14F-4D97-AF65-F5344CB8AC3E}">
+        <p14:creationId xmlns:p14="http://schemas.microsoft.com/office/powerpoint/2010/main" val="216764687"/>
+      </p:ext>
+    </p:extLst>
+  </p:cSld>
+  <p:clrMapOvr>
+    <a:masterClrMapping/>
+  </p:clrMapOvr>
+</p:sld>
+</file>
+
+<file path=ppt/slides/slide19.xml><?xml version="1.0" encoding="utf-8"?>
+<p:sld xmlns:a="http://schemas.openxmlformats.org/drawingml/2006/main" xmlns:r="http://schemas.openxmlformats.org/officeDocument/2006/relationships" xmlns:p="http://schemas.openxmlformats.org/presentationml/2006/main">
+  <p:cSld>
+    <p:spTree>
+      <p:nvGrpSpPr>
+        <p:cNvPr id="1" name=""/>
+        <p:cNvGrpSpPr/>
+        <p:nvPr/>
+      </p:nvGrpSpPr>
+      <p:grpSpPr>
+        <a:xfrm>
+          <a:off x="0" y="0"/>
+          <a:ext cx="0" cy="0"/>
+          <a:chOff x="0" y="0"/>
+          <a:chExt cx="0" cy="0"/>
+        </a:xfrm>
+      </p:grpSpPr>
+      <p:sp>
+        <p:nvSpPr>
+          <p:cNvPr id="2" name="Titre 1">
+            <a:extLst>
+              <a:ext uri="{FF2B5EF4-FFF2-40B4-BE49-F238E27FC236}">
+                <a16:creationId xmlns:a16="http://schemas.microsoft.com/office/drawing/2014/main" id="{D661229E-6C73-4583-82DE-0BB4F63010AD}"/>
+              </a:ext>
+            </a:extLst>
+          </p:cNvPr>
+          <p:cNvSpPr>
+            <a:spLocks noGrp="1"/>
+          </p:cNvSpPr>
+          <p:nvPr>
+            <p:ph type="title"/>
+          </p:nvPr>
+        </p:nvSpPr>
+        <p:spPr/>
+        <p:txBody>
+          <a:bodyPr/>
+          <a:lstStyle/>
+          <a:p>
+            <a:r>
+              <a:rPr lang="fr-CH" dirty="0"/>
+              <a:t>Questions ?</a:t>
+            </a:r>
+          </a:p>
+        </p:txBody>
+      </p:sp>
+      <p:sp>
+        <p:nvSpPr>
+          <p:cNvPr id="3" name="Espace réservé du contenu 2">
+            <a:extLst>
+              <a:ext uri="{FF2B5EF4-FFF2-40B4-BE49-F238E27FC236}">
+                <a16:creationId xmlns:a16="http://schemas.microsoft.com/office/drawing/2014/main" id="{D4A75198-DBAF-4B1C-A5D3-507B8180D3F0}"/>
+              </a:ext>
+            </a:extLst>
+          </p:cNvPr>
+          <p:cNvSpPr>
+            <a:spLocks noGrp="1"/>
+          </p:cNvSpPr>
+          <p:nvPr>
+            <p:ph idx="1"/>
+          </p:nvPr>
+        </p:nvSpPr>
+        <p:spPr/>
+        <p:txBody>
+          <a:bodyPr/>
+          <a:lstStyle/>
+          <a:p>
+            <a:endParaRPr lang="fr-CH"/>
+          </a:p>
+        </p:txBody>
+      </p:sp>
+      <p:sp>
+        <p:nvSpPr>
+          <p:cNvPr id="4" name="Espace réservé de la date 3">
+            <a:extLst>
+              <a:ext uri="{FF2B5EF4-FFF2-40B4-BE49-F238E27FC236}">
+                <a16:creationId xmlns:a16="http://schemas.microsoft.com/office/drawing/2014/main" id="{9C4B8AC9-15B4-46BC-A499-3FD30956427E}"/>
+              </a:ext>
+            </a:extLst>
+          </p:cNvPr>
+          <p:cNvSpPr>
+            <a:spLocks noGrp="1"/>
+          </p:cNvSpPr>
+          <p:nvPr>
+            <p:ph type="dt" sz="half" idx="10"/>
+          </p:nvPr>
+        </p:nvSpPr>
+        <p:spPr/>
+        <p:txBody>
+          <a:bodyPr/>
+          <a:lstStyle/>
+          <a:p>
+            <a:r>
+              <a:rPr lang="fr-CH"/>
+              <a:t>29.05.2018</a:t>
+            </a:r>
+          </a:p>
+        </p:txBody>
+      </p:sp>
+      <p:sp>
+        <p:nvSpPr>
+          <p:cNvPr id="5" name="Espace réservé du pied de page 4">
+            <a:extLst>
+              <a:ext uri="{FF2B5EF4-FFF2-40B4-BE49-F238E27FC236}">
+                <a16:creationId xmlns:a16="http://schemas.microsoft.com/office/drawing/2014/main" id="{CB0E7DA5-25A4-4C08-8BE5-E24B05DDFA8E}"/>
+              </a:ext>
+            </a:extLst>
+          </p:cNvPr>
+          <p:cNvSpPr>
+            <a:spLocks noGrp="1"/>
+          </p:cNvSpPr>
+          <p:nvPr>
+            <p:ph type="ftr" sz="quarter" idx="11"/>
+          </p:nvPr>
+        </p:nvSpPr>
+        <p:spPr/>
+        <p:txBody>
+          <a:bodyPr/>
+          <a:lstStyle/>
+          <a:p>
+            <a:r>
+              <a:rPr lang="fr-CH"/>
+              <a:t>Projet PRO</a:t>
+            </a:r>
+          </a:p>
+        </p:txBody>
+      </p:sp>
+      <p:sp>
+        <p:nvSpPr>
+          <p:cNvPr id="6" name="Espace réservé du numéro de diapositive 5">
+            <a:extLst>
+              <a:ext uri="{FF2B5EF4-FFF2-40B4-BE49-F238E27FC236}">
+                <a16:creationId xmlns:a16="http://schemas.microsoft.com/office/drawing/2014/main" id="{E0EE6001-2B46-451E-B7B0-13FA4F126BB2}"/>
+              </a:ext>
+            </a:extLst>
+          </p:cNvPr>
+          <p:cNvSpPr>
+            <a:spLocks noGrp="1"/>
+          </p:cNvSpPr>
+          <p:nvPr>
+            <p:ph type="sldNum" sz="quarter" idx="12"/>
+          </p:nvPr>
+        </p:nvSpPr>
+        <p:spPr/>
+        <p:txBody>
+          <a:bodyPr/>
+          <a:lstStyle/>
+          <a:p>
+            <a:fld id="{20F63081-4F22-4E9C-B057-7AE4B9C5C419}" type="slidenum">
+              <a:rPr lang="fr-CH" smtClean="0"/>
+              <a:t>19</a:t>
+            </a:fld>
+            <a:endParaRPr lang="fr-CH"/>
+          </a:p>
+        </p:txBody>
+      </p:sp>
+    </p:spTree>
+    <p:extLst>
+      <p:ext uri="{BB962C8B-B14F-4D97-AF65-F5344CB8AC3E}">
+        <p14:creationId xmlns:p14="http://schemas.microsoft.com/office/powerpoint/2010/main" val="1476048586"/>
+      </p:ext>
+    </p:extLst>
+  </p:cSld>
+  <p:clrMapOvr>
+    <a:masterClrMapping/>
+  </p:clrMapOvr>
+</p:sld>
+</file>
+
 <file path=ppt/slides/slide2.xml><?xml version="1.0" encoding="utf-8"?>
 <p:sld xmlns:a="http://schemas.openxmlformats.org/drawingml/2006/main" xmlns:r="http://schemas.openxmlformats.org/officeDocument/2006/relationships" xmlns:p="http://schemas.openxmlformats.org/presentationml/2006/main">
   <p:cSld>
@@ -4700,66 +6625,28 @@
           <a:bodyPr/>
           <a:lstStyle/>
           <a:p>
-            <a:pPr lvl="1"/>
-            <a:endParaRPr lang="fr-CH" dirty="0"/>
-          </a:p>
-          <a:p>
-            <a:pPr lvl="1">
-              <a:buFont typeface="Arial" panose="020B0604020202020204" pitchFamily="34" charset="0"/>
-              <a:buChar char="•"/>
+            <a:pPr marL="201168" lvl="1" indent="0">
+              <a:buNone/>
             </a:pPr>
             <a:r>
               <a:rPr lang="fr-CH" dirty="0"/>
-              <a:t>Projet réalisé dans le cadre du module PRO</a:t>
-            </a:r>
-          </a:p>
-          <a:p>
-            <a:pPr lvl="1">
-              <a:buFont typeface="Arial" panose="020B0604020202020204" pitchFamily="34" charset="0"/>
-              <a:buChar char="•"/>
+              <a:t>Localisateur de salles libres dans les établissements de la HEIG-VD</a:t>
+            </a:r>
+          </a:p>
+          <a:p>
+            <a:pPr marL="201168" lvl="1" indent="0">
+              <a:buNone/>
             </a:pPr>
             <a:endParaRPr lang="fr-CH" dirty="0"/>
           </a:p>
           <a:p>
-            <a:pPr lvl="1">
-              <a:buFont typeface="Arial" panose="020B0604020202020204" pitchFamily="34" charset="0"/>
-              <a:buChar char="•"/>
-            </a:pPr>
-            <a:r>
-              <a:rPr lang="fr-CH" dirty="0"/>
-              <a:t>Localisateur de salles libres dans les établissements de la HEIG-VD</a:t>
-            </a:r>
-          </a:p>
-          <a:p>
-            <a:pPr lvl="1">
-              <a:buFont typeface="Arial" panose="020B0604020202020204" pitchFamily="34" charset="0"/>
-              <a:buChar char="•"/>
-            </a:pPr>
-            <a:endParaRPr lang="fr-CH" dirty="0"/>
-          </a:p>
-          <a:p>
-            <a:pPr lvl="1">
-              <a:buFont typeface="Arial" panose="020B0604020202020204" pitchFamily="34" charset="0"/>
-              <a:buChar char="•"/>
+            <a:pPr marL="201168" lvl="1" indent="0">
+              <a:buNone/>
             </a:pPr>
             <a:r>
               <a:rPr lang="fr-CH" dirty="0"/>
               <a:t>Logiciel qui répond à un besoin quotidien des élèves</a:t>
             </a:r>
-          </a:p>
-          <a:p>
-            <a:pPr lvl="1">
-              <a:buFont typeface="Arial" panose="020B0604020202020204" pitchFamily="34" charset="0"/>
-              <a:buChar char="•"/>
-            </a:pPr>
-            <a:endParaRPr lang="fr-CH" dirty="0"/>
-          </a:p>
-          <a:p>
-            <a:pPr lvl="1">
-              <a:buFont typeface="Arial" panose="020B0604020202020204" pitchFamily="34" charset="0"/>
-              <a:buChar char="•"/>
-            </a:pPr>
-            <a:endParaRPr lang="fr-CH" dirty="0"/>
           </a:p>
         </p:txBody>
       </p:sp>
@@ -4906,38 +6793,6 @@
           </a:p>
         </p:txBody>
       </p:sp>
-      <p:pic>
-        <p:nvPicPr>
-          <p:cNvPr id="4" name="Espace réservé du contenu 3">
-            <a:extLst>
-              <a:ext uri="{FF2B5EF4-FFF2-40B4-BE49-F238E27FC236}">
-                <a16:creationId xmlns:a16="http://schemas.microsoft.com/office/drawing/2014/main" id="{44507DBA-45B8-438D-A7CC-1F13C5CC699D}"/>
-              </a:ext>
-            </a:extLst>
-          </p:cNvPr>
-          <p:cNvPicPr>
-            <a:picLocks noGrp="1" noChangeAspect="1"/>
-          </p:cNvPicPr>
-          <p:nvPr>
-            <p:ph idx="1"/>
-          </p:nvPr>
-        </p:nvPicPr>
-        <p:blipFill>
-          <a:blip r:embed="rId2"/>
-          <a:stretch>
-            <a:fillRect/>
-          </a:stretch>
-        </p:blipFill>
-        <p:spPr>
-          <a:xfrm>
-            <a:off x="2151592" y="2003637"/>
-            <a:ext cx="7888816" cy="3948017"/>
-          </a:xfrm>
-          <a:prstGeom prst="rect">
-            <a:avLst/>
-          </a:prstGeom>
-        </p:spPr>
-      </p:pic>
       <p:sp>
         <p:nvSpPr>
           <p:cNvPr id="5" name="Espace réservé de la date 4">
@@ -5023,6 +6878,366 @@
           </a:p>
         </p:txBody>
       </p:sp>
+      <p:graphicFrame>
+        <p:nvGraphicFramePr>
+          <p:cNvPr id="9" name="Espace réservé du contenu 8">
+            <a:extLst>
+              <a:ext uri="{FF2B5EF4-FFF2-40B4-BE49-F238E27FC236}">
+                <a16:creationId xmlns:a16="http://schemas.microsoft.com/office/drawing/2014/main" id="{8B1BC26E-B6C5-4B97-B689-C3DE01AB6F39}"/>
+              </a:ext>
+            </a:extLst>
+          </p:cNvPr>
+          <p:cNvGraphicFramePr>
+            <a:graphicFrameLocks noGrp="1"/>
+          </p:cNvGraphicFramePr>
+          <p:nvPr>
+            <p:ph idx="1"/>
+            <p:extLst>
+              <p:ext uri="{D42A27DB-BD31-4B8C-83A1-F6EECF244321}">
+                <p14:modId xmlns:p14="http://schemas.microsoft.com/office/powerpoint/2010/main" val="3717721719"/>
+              </p:ext>
+            </p:extLst>
+          </p:nvPr>
+        </p:nvGraphicFramePr>
+        <p:xfrm>
+          <a:off x="1066800" y="2178772"/>
+          <a:ext cx="10058400" cy="3566160"/>
+        </p:xfrm>
+        <a:graphic>
+          <a:graphicData uri="http://schemas.openxmlformats.org/drawingml/2006/table">
+            <a:tbl>
+              <a:tblPr bandRow="1">
+                <a:tableStyleId>{5C22544A-7EE6-4342-B048-85BDC9FD1C3A}</a:tableStyleId>
+              </a:tblPr>
+              <a:tblGrid>
+                <a:gridCol w="8628928">
+                  <a:extLst>
+                    <a:ext uri="{9D8B030D-6E8A-4147-A177-3AD203B41FA5}">
+                      <a16:colId xmlns:a16="http://schemas.microsoft.com/office/drawing/2014/main" val="955677020"/>
+                    </a:ext>
+                  </a:extLst>
+                </a:gridCol>
+                <a:gridCol w="1429472">
+                  <a:extLst>
+                    <a:ext uri="{9D8B030D-6E8A-4147-A177-3AD203B41FA5}">
+                      <a16:colId xmlns:a16="http://schemas.microsoft.com/office/drawing/2014/main" val="2250969974"/>
+                    </a:ext>
+                  </a:extLst>
+                </a:gridCol>
+              </a:tblGrid>
+              <a:tr h="370840">
+                <a:tc>
+                  <a:txBody>
+                    <a:bodyPr/>
+                    <a:lstStyle/>
+                    <a:p>
+                      <a:r>
+                        <a:rPr lang="fr-CH" sz="2000" b="1" dirty="0"/>
+                        <a:t>Langage</a:t>
+                      </a:r>
+                    </a:p>
+                  </a:txBody>
+                  <a:tcPr/>
+                </a:tc>
+                <a:tc>
+                  <a:txBody>
+                    <a:bodyPr/>
+                    <a:lstStyle/>
+                    <a:p>
+                      <a:pPr algn="r"/>
+                      <a:r>
+                        <a:rPr lang="fr-CH" sz="2000" dirty="0"/>
+                        <a:t>Java</a:t>
+                      </a:r>
+                    </a:p>
+                  </a:txBody>
+                  <a:tcPr/>
+                </a:tc>
+                <a:extLst>
+                  <a:ext uri="{0D108BD9-81ED-4DB2-BD59-A6C34878D82A}">
+                    <a16:rowId xmlns:a16="http://schemas.microsoft.com/office/drawing/2014/main" val="3298193442"/>
+                  </a:ext>
+                </a:extLst>
+              </a:tr>
+              <a:tr h="370840">
+                <a:tc>
+                  <a:txBody>
+                    <a:bodyPr/>
+                    <a:lstStyle/>
+                    <a:p>
+                      <a:r>
+                        <a:rPr lang="fr-CH" sz="2000" b="1" dirty="0"/>
+                        <a:t>Base de données</a:t>
+                      </a:r>
+                    </a:p>
+                  </a:txBody>
+                  <a:tcPr/>
+                </a:tc>
+                <a:tc>
+                  <a:txBody>
+                    <a:bodyPr/>
+                    <a:lstStyle/>
+                    <a:p>
+                      <a:pPr algn="r"/>
+                      <a:r>
+                        <a:rPr lang="fr-CH" sz="2000" dirty="0"/>
+                        <a:t>MySQL</a:t>
+                      </a:r>
+                    </a:p>
+                  </a:txBody>
+                  <a:tcPr/>
+                </a:tc>
+                <a:extLst>
+                  <a:ext uri="{0D108BD9-81ED-4DB2-BD59-A6C34878D82A}">
+                    <a16:rowId xmlns:a16="http://schemas.microsoft.com/office/drawing/2014/main" val="712696399"/>
+                  </a:ext>
+                </a:extLst>
+              </a:tr>
+              <a:tr h="370840">
+                <a:tc>
+                  <a:txBody>
+                    <a:bodyPr/>
+                    <a:lstStyle/>
+                    <a:p>
+                      <a:r>
+                        <a:rPr lang="fr-CH" sz="2000" b="1" dirty="0"/>
+                        <a:t>Interface Graphique</a:t>
+                      </a:r>
+                    </a:p>
+                  </a:txBody>
+                  <a:tcPr/>
+                </a:tc>
+                <a:tc>
+                  <a:txBody>
+                    <a:bodyPr/>
+                    <a:lstStyle/>
+                    <a:p>
+                      <a:pPr algn="r"/>
+                      <a:r>
+                        <a:rPr lang="fr-CH" sz="2000" dirty="0" err="1"/>
+                        <a:t>JavaFX</a:t>
+                      </a:r>
+                      <a:endParaRPr lang="fr-CH" sz="2000" dirty="0"/>
+                    </a:p>
+                  </a:txBody>
+                  <a:tcPr/>
+                </a:tc>
+                <a:extLst>
+                  <a:ext uri="{0D108BD9-81ED-4DB2-BD59-A6C34878D82A}">
+                    <a16:rowId xmlns:a16="http://schemas.microsoft.com/office/drawing/2014/main" val="1068790935"/>
+                  </a:ext>
+                </a:extLst>
+              </a:tr>
+              <a:tr h="370840">
+                <a:tc>
+                  <a:txBody>
+                    <a:bodyPr/>
+                    <a:lstStyle/>
+                    <a:p>
+                      <a:r>
+                        <a:rPr lang="fr-CH" sz="2000" b="1" dirty="0"/>
+                        <a:t>Fichier JSON</a:t>
+                      </a:r>
+                    </a:p>
+                  </a:txBody>
+                  <a:tcPr/>
+                </a:tc>
+                <a:tc>
+                  <a:txBody>
+                    <a:bodyPr/>
+                    <a:lstStyle/>
+                    <a:p>
+                      <a:pPr algn="r"/>
+                      <a:r>
+                        <a:rPr lang="fr-CH" sz="2000" dirty="0"/>
+                        <a:t>Jackson</a:t>
+                      </a:r>
+                    </a:p>
+                  </a:txBody>
+                  <a:tcPr/>
+                </a:tc>
+                <a:extLst>
+                  <a:ext uri="{0D108BD9-81ED-4DB2-BD59-A6C34878D82A}">
+                    <a16:rowId xmlns:a16="http://schemas.microsoft.com/office/drawing/2014/main" val="131326895"/>
+                  </a:ext>
+                </a:extLst>
+              </a:tr>
+              <a:tr h="370840">
+                <a:tc>
+                  <a:txBody>
+                    <a:bodyPr/>
+                    <a:lstStyle/>
+                    <a:p>
+                      <a:r>
+                        <a:rPr lang="fr-CH" sz="2000" b="1" dirty="0"/>
+                        <a:t>Parseur SVG</a:t>
+                      </a:r>
+                    </a:p>
+                  </a:txBody>
+                  <a:tcPr/>
+                </a:tc>
+                <a:tc>
+                  <a:txBody>
+                    <a:bodyPr/>
+                    <a:lstStyle/>
+                    <a:p>
+                      <a:pPr algn="r"/>
+                      <a:r>
+                        <a:rPr lang="fr-CH" sz="2000" dirty="0"/>
+                        <a:t>DOM</a:t>
+                      </a:r>
+                    </a:p>
+                  </a:txBody>
+                  <a:tcPr/>
+                </a:tc>
+                <a:extLst>
+                  <a:ext uri="{0D108BD9-81ED-4DB2-BD59-A6C34878D82A}">
+                    <a16:rowId xmlns:a16="http://schemas.microsoft.com/office/drawing/2014/main" val="3407651970"/>
+                  </a:ext>
+                </a:extLst>
+              </a:tr>
+              <a:tr h="370840">
+                <a:tc>
+                  <a:txBody>
+                    <a:bodyPr/>
+                    <a:lstStyle/>
+                    <a:p>
+                      <a:r>
+                        <a:rPr lang="fr-CH" sz="2000" b="1" dirty="0"/>
+                        <a:t>Parseur ICS</a:t>
+                      </a:r>
+                    </a:p>
+                  </a:txBody>
+                  <a:tcPr/>
+                </a:tc>
+                <a:tc>
+                  <a:txBody>
+                    <a:bodyPr/>
+                    <a:lstStyle/>
+                    <a:p>
+                      <a:pPr algn="r"/>
+                      <a:r>
+                        <a:rPr lang="fr-CH" sz="2000" dirty="0" err="1"/>
+                        <a:t>BiWeekly</a:t>
+                      </a:r>
+                      <a:endParaRPr lang="fr-CH" sz="2000" dirty="0"/>
+                    </a:p>
+                  </a:txBody>
+                  <a:tcPr/>
+                </a:tc>
+                <a:extLst>
+                  <a:ext uri="{0D108BD9-81ED-4DB2-BD59-A6C34878D82A}">
+                    <a16:rowId xmlns:a16="http://schemas.microsoft.com/office/drawing/2014/main" val="1532939493"/>
+                  </a:ext>
+                </a:extLst>
+              </a:tr>
+              <a:tr h="370840">
+                <a:tc>
+                  <a:txBody>
+                    <a:bodyPr/>
+                    <a:lstStyle/>
+                    <a:p>
+                      <a:r>
+                        <a:rPr lang="fr-CH" sz="2000" b="1" dirty="0"/>
+                        <a:t>Parseur XML</a:t>
+                      </a:r>
+                    </a:p>
+                  </a:txBody>
+                  <a:tcPr/>
+                </a:tc>
+                <a:tc>
+                  <a:txBody>
+                    <a:bodyPr/>
+                    <a:lstStyle/>
+                    <a:p>
+                      <a:pPr algn="r"/>
+                      <a:r>
+                        <a:rPr lang="fr-CH" sz="2000" dirty="0" err="1"/>
+                        <a:t>XMLParser</a:t>
+                      </a:r>
+                      <a:endParaRPr lang="fr-CH" sz="2000" dirty="0"/>
+                    </a:p>
+                  </a:txBody>
+                  <a:tcPr/>
+                </a:tc>
+                <a:extLst>
+                  <a:ext uri="{0D108BD9-81ED-4DB2-BD59-A6C34878D82A}">
+                    <a16:rowId xmlns:a16="http://schemas.microsoft.com/office/drawing/2014/main" val="2626137639"/>
+                  </a:ext>
+                </a:extLst>
+              </a:tr>
+              <a:tr h="370840">
+                <a:tc>
+                  <a:txBody>
+                    <a:bodyPr/>
+                    <a:lstStyle/>
+                    <a:p>
+                      <a:r>
+                        <a:rPr lang="fr-CH" sz="2000" b="1" dirty="0"/>
+                        <a:t>Système de mise en production automatisé</a:t>
+                      </a:r>
+                    </a:p>
+                  </a:txBody>
+                  <a:tcPr/>
+                </a:tc>
+                <a:tc>
+                  <a:txBody>
+                    <a:bodyPr/>
+                    <a:lstStyle/>
+                    <a:p>
+                      <a:pPr algn="r"/>
+                      <a:r>
+                        <a:rPr lang="fr-CH" sz="2000" dirty="0"/>
+                        <a:t>Docker</a:t>
+                      </a:r>
+                    </a:p>
+                  </a:txBody>
+                  <a:tcPr/>
+                </a:tc>
+                <a:extLst>
+                  <a:ext uri="{0D108BD9-81ED-4DB2-BD59-A6C34878D82A}">
+                    <a16:rowId xmlns:a16="http://schemas.microsoft.com/office/drawing/2014/main" val="515200970"/>
+                  </a:ext>
+                </a:extLst>
+              </a:tr>
+              <a:tr h="370840">
+                <a:tc>
+                  <a:txBody>
+                    <a:bodyPr/>
+                    <a:lstStyle/>
+                    <a:p>
+                      <a:r>
+                        <a:rPr lang="fr-CH" sz="2000" b="1" dirty="0"/>
+                        <a:t>Gestionnaire de version</a:t>
+                      </a:r>
+                    </a:p>
+                  </a:txBody>
+                  <a:tcPr/>
+                </a:tc>
+                <a:tc>
+                  <a:txBody>
+                    <a:bodyPr/>
+                    <a:lstStyle/>
+                    <a:p>
+                      <a:pPr algn="r"/>
+                      <a:r>
+                        <a:rPr lang="fr-CH" sz="2000" dirty="0"/>
+                        <a:t>Git</a:t>
+                      </a:r>
+                    </a:p>
+                  </a:txBody>
+                  <a:tcPr/>
+                </a:tc>
+                <a:extLst>
+                  <a:ext uri="{0D108BD9-81ED-4DB2-BD59-A6C34878D82A}">
+                    <a16:rowId xmlns:a16="http://schemas.microsoft.com/office/drawing/2014/main" val="2343135024"/>
+                  </a:ext>
+                </a:extLst>
+              </a:tr>
+            </a:tbl>
+          </a:graphicData>
+        </a:graphic>
+      </p:graphicFrame>
     </p:spTree>
     <p:extLst>
       <p:ext uri="{BB962C8B-B14F-4D97-AF65-F5344CB8AC3E}">
@@ -5058,7 +7273,7 @@
           <p:cNvPr id="2" name="Titre 1">
             <a:extLst>
               <a:ext uri="{FF2B5EF4-FFF2-40B4-BE49-F238E27FC236}">
-                <a16:creationId xmlns:a16="http://schemas.microsoft.com/office/drawing/2014/main" id="{DC5001F2-BCC1-4DF1-AFD4-3EF950E10056}"/>
+                <a16:creationId xmlns:a16="http://schemas.microsoft.com/office/drawing/2014/main" id="{D0CD03EF-D943-4F2C-B3EB-0B58D60AD647}"/>
               </a:ext>
             </a:extLst>
           </p:cNvPr>
@@ -5069,83 +7284,63 @@
             <p:ph type="title"/>
           </p:nvPr>
         </p:nvSpPr>
-        <p:spPr/>
+        <p:spPr>
+          <a:xfrm>
+            <a:off x="1097280" y="286603"/>
+            <a:ext cx="10058400" cy="1450757"/>
+          </a:xfrm>
+        </p:spPr>
         <p:txBody>
           <a:bodyPr/>
           <a:lstStyle/>
           <a:p>
             <a:r>
               <a:rPr lang="fr-CH" dirty="0"/>
-              <a:t>Organisation du groupe</a:t>
-            </a:r>
-          </a:p>
-        </p:txBody>
-      </p:sp>
-      <p:sp>
-        <p:nvSpPr>
-          <p:cNvPr id="3" name="Espace réservé du contenu 2">
-            <a:extLst>
-              <a:ext uri="{FF2B5EF4-FFF2-40B4-BE49-F238E27FC236}">
-                <a16:creationId xmlns:a16="http://schemas.microsoft.com/office/drawing/2014/main" id="{3A24173C-004C-4908-AC8B-D7A6727E1FE3}"/>
-              </a:ext>
-            </a:extLst>
-          </p:cNvPr>
-          <p:cNvSpPr>
-            <a:spLocks noGrp="1"/>
-          </p:cNvSpPr>
+              <a:t>Architecture et implémentation</a:t>
+            </a:r>
+          </a:p>
+        </p:txBody>
+      </p:sp>
+      <p:pic>
+        <p:nvPicPr>
+          <p:cNvPr id="8" name="Espace réservé du contenu 7">
+            <a:extLst>
+              <a:ext uri="{FF2B5EF4-FFF2-40B4-BE49-F238E27FC236}">
+                <a16:creationId xmlns:a16="http://schemas.microsoft.com/office/drawing/2014/main" id="{782EF8F2-A418-4A9F-B385-6FD68E4AA573}"/>
+              </a:ext>
+            </a:extLst>
+          </p:cNvPr>
+          <p:cNvPicPr>
+            <a:picLocks noGrp="1" noChangeAspect="1"/>
+          </p:cNvPicPr>
           <p:nvPr>
             <p:ph idx="1"/>
           </p:nvPr>
-        </p:nvSpPr>
-        <p:spPr/>
-        <p:txBody>
-          <a:bodyPr/>
-          <a:lstStyle/>
-          <a:p>
-            <a:pPr lvl="1"/>
-            <a:r>
-              <a:rPr lang="fr-CH" dirty="0"/>
-              <a:t>Répartition des charges (base de donnée, serveur, GUI)</a:t>
-            </a:r>
-          </a:p>
-          <a:p>
-            <a:pPr lvl="1"/>
-            <a:endParaRPr lang="fr-CH" dirty="0"/>
-          </a:p>
-          <a:p>
-            <a:pPr lvl="1"/>
-            <a:r>
-              <a:rPr lang="fr-CH" dirty="0"/>
-              <a:t>Réunion supplémentaire dans la semaine</a:t>
-            </a:r>
-          </a:p>
-          <a:p>
-            <a:pPr lvl="1"/>
-            <a:endParaRPr lang="fr-CH" dirty="0"/>
-          </a:p>
-          <a:p>
-            <a:pPr lvl="1"/>
-            <a:r>
-              <a:rPr lang="fr-CH" dirty="0"/>
-              <a:t>Utilisation de </a:t>
-            </a:r>
-            <a:r>
-              <a:rPr lang="fr-CH" dirty="0" err="1"/>
-              <a:t>Telegram</a:t>
-            </a:r>
-            <a:r>
-              <a:rPr lang="fr-CH" dirty="0"/>
-              <a:t> pour communiquer quotidiennement</a:t>
-            </a:r>
-          </a:p>
-        </p:txBody>
-      </p:sp>
+        </p:nvPicPr>
+        <p:blipFill rotWithShape="1">
+          <a:blip r:embed="rId2">
+            <a:extLst>
+              <a:ext uri="{28A0092B-C50C-407E-A947-70E740481C1C}">
+                <a14:useLocalDpi xmlns:a14="http://schemas.microsoft.com/office/drawing/2010/main" val="0"/>
+              </a:ext>
+            </a:extLst>
+          </a:blip>
+          <a:srcRect l="2919" t="20367" r="1797" b="2648"/>
+          <a:stretch/>
+        </p:blipFill>
+        <p:spPr>
+          <a:xfrm>
+            <a:off x="350146" y="2179195"/>
+            <a:ext cx="11494882" cy="3838754"/>
+          </a:xfrm>
+        </p:spPr>
+      </p:pic>
       <p:sp>
         <p:nvSpPr>
           <p:cNvPr id="4" name="Espace réservé de la date 3">
             <a:extLst>
               <a:ext uri="{FF2B5EF4-FFF2-40B4-BE49-F238E27FC236}">
-                <a16:creationId xmlns:a16="http://schemas.microsoft.com/office/drawing/2014/main" id="{723BBF8B-8B75-418A-A461-767E8E886849}"/>
+                <a16:creationId xmlns:a16="http://schemas.microsoft.com/office/drawing/2014/main" id="{5E234711-8C23-4B7E-91A3-C0680A357127}"/>
               </a:ext>
             </a:extLst>
           </p:cNvPr>
@@ -5156,7 +7351,12 @@
             <p:ph type="dt" sz="half" idx="10"/>
           </p:nvPr>
         </p:nvSpPr>
-        <p:spPr/>
+        <p:spPr>
+          <a:xfrm>
+            <a:off x="1097280" y="6459785"/>
+            <a:ext cx="2472271" cy="365125"/>
+          </a:xfrm>
+        </p:spPr>
         <p:txBody>
           <a:bodyPr/>
           <a:lstStyle/>
@@ -5173,7 +7373,7 @@
           <p:cNvPr id="5" name="Espace réservé du pied de page 4">
             <a:extLst>
               <a:ext uri="{FF2B5EF4-FFF2-40B4-BE49-F238E27FC236}">
-                <a16:creationId xmlns:a16="http://schemas.microsoft.com/office/drawing/2014/main" id="{69C9EB5A-C8B8-4EB2-9C33-7F7A10239067}"/>
+                <a16:creationId xmlns:a16="http://schemas.microsoft.com/office/drawing/2014/main" id="{1A84754F-7EA8-452D-8BAD-6C3AC9E6AAE7}"/>
               </a:ext>
             </a:extLst>
           </p:cNvPr>
@@ -5184,7 +7384,12 @@
             <p:ph type="ftr" sz="quarter" idx="11"/>
           </p:nvPr>
         </p:nvSpPr>
-        <p:spPr/>
+        <p:spPr>
+          <a:xfrm>
+            <a:off x="3686185" y="6459785"/>
+            <a:ext cx="4822804" cy="365125"/>
+          </a:xfrm>
+        </p:spPr>
         <p:txBody>
           <a:bodyPr/>
           <a:lstStyle/>
@@ -5201,7 +7406,7 @@
           <p:cNvPr id="6" name="Espace réservé du numéro de diapositive 5">
             <a:extLst>
               <a:ext uri="{FF2B5EF4-FFF2-40B4-BE49-F238E27FC236}">
-                <a16:creationId xmlns:a16="http://schemas.microsoft.com/office/drawing/2014/main" id="{9063EC4B-5FF4-45AF-A261-2342CF5F452C}"/>
+                <a16:creationId xmlns:a16="http://schemas.microsoft.com/office/drawing/2014/main" id="{2450FB0C-23B7-4F56-B31F-B8E2E4E6E01B}"/>
               </a:ext>
             </a:extLst>
           </p:cNvPr>
@@ -5212,7 +7417,12 @@
             <p:ph type="sldNum" sz="quarter" idx="12"/>
           </p:nvPr>
         </p:nvSpPr>
-        <p:spPr/>
+        <p:spPr>
+          <a:xfrm>
+            <a:off x="9900458" y="6459785"/>
+            <a:ext cx="1312025" cy="365125"/>
+          </a:xfrm>
+        </p:spPr>
         <p:txBody>
           <a:bodyPr/>
           <a:lstStyle/>
@@ -5228,7 +7438,7 @@
     </p:spTree>
     <p:extLst>
       <p:ext uri="{BB962C8B-B14F-4D97-AF65-F5344CB8AC3E}">
-        <p14:creationId xmlns:p14="http://schemas.microsoft.com/office/powerpoint/2010/main" val="4087951606"/>
+        <p14:creationId xmlns:p14="http://schemas.microsoft.com/office/powerpoint/2010/main" val="1153482731"/>
       </p:ext>
     </p:extLst>
   </p:cSld>
@@ -5260,7 +7470,7 @@
           <p:cNvPr id="2" name="Titre 1">
             <a:extLst>
               <a:ext uri="{FF2B5EF4-FFF2-40B4-BE49-F238E27FC236}">
-                <a16:creationId xmlns:a16="http://schemas.microsoft.com/office/drawing/2014/main" id="{D4B5859B-83D0-4678-8689-898483187343}"/>
+                <a16:creationId xmlns:a16="http://schemas.microsoft.com/office/drawing/2014/main" id="{90A41798-C14C-4AFE-A956-DBF474B27832}"/>
               </a:ext>
             </a:extLst>
           </p:cNvPr>
@@ -5277,54 +7487,51 @@
           <a:lstStyle/>
           <a:p>
             <a:r>
-              <a:rPr lang="fr-CH" dirty="0" err="1"/>
-              <a:t>Mockup</a:t>
-            </a:r>
-            <a:r>
               <a:rPr lang="fr-CH" dirty="0"/>
-              <a:t> DARYLL</a:t>
-            </a:r>
-          </a:p>
-        </p:txBody>
-      </p:sp>
-      <p:pic>
-        <p:nvPicPr>
-          <p:cNvPr id="4" name="Espace réservé du contenu 5">
-            <a:extLst>
-              <a:ext uri="{FF2B5EF4-FFF2-40B4-BE49-F238E27FC236}">
-                <a16:creationId xmlns:a16="http://schemas.microsoft.com/office/drawing/2014/main" id="{643904DA-C73C-492F-A477-F9020366553C}"/>
-              </a:ext>
-            </a:extLst>
-          </p:cNvPr>
-          <p:cNvPicPr>
-            <a:picLocks noGrp="1" noChangeAspect="1"/>
-          </p:cNvPicPr>
+              <a:t>Organisation du groupe</a:t>
+            </a:r>
+          </a:p>
+        </p:txBody>
+      </p:sp>
+      <p:sp>
+        <p:nvSpPr>
+          <p:cNvPr id="3" name="Espace réservé du contenu 2">
+            <a:extLst>
+              <a:ext uri="{FF2B5EF4-FFF2-40B4-BE49-F238E27FC236}">
+                <a16:creationId xmlns:a16="http://schemas.microsoft.com/office/drawing/2014/main" id="{EC4AF2B3-C79A-41A2-9D6C-766D03FEA3D5}"/>
+              </a:ext>
+            </a:extLst>
+          </p:cNvPr>
+          <p:cNvSpPr>
+            <a:spLocks noGrp="1"/>
+          </p:cNvSpPr>
           <p:nvPr>
             <p:ph idx="1"/>
           </p:nvPr>
-        </p:nvPicPr>
-        <p:blipFill>
-          <a:blip r:embed="rId2"/>
-          <a:stretch>
-            <a:fillRect/>
-          </a:stretch>
-        </p:blipFill>
+        </p:nvSpPr>
         <p:spPr>
           <a:xfrm>
-            <a:off x="1736102" y="1836431"/>
-            <a:ext cx="8780756" cy="4424412"/>
+            <a:off x="1097280" y="1845734"/>
+            <a:ext cx="10058400" cy="1583266"/>
           </a:xfrm>
-          <a:prstGeom prst="rect">
-            <a:avLst/>
-          </a:prstGeom>
         </p:spPr>
-      </p:pic>
-      <p:sp>
-        <p:nvSpPr>
-          <p:cNvPr id="5" name="Espace réservé de la date 4">
-            <a:extLst>
-              <a:ext uri="{FF2B5EF4-FFF2-40B4-BE49-F238E27FC236}">
-                <a16:creationId xmlns:a16="http://schemas.microsoft.com/office/drawing/2014/main" id="{310F7549-1366-4890-B9A9-03E9D771EF75}"/>
+        <p:txBody>
+          <a:bodyPr/>
+          <a:lstStyle/>
+          <a:p>
+            <a:r>
+              <a:rPr lang="fr-CH" dirty="0"/>
+              <a:t>Répartition des charges par domaine</a:t>
+            </a:r>
+          </a:p>
+        </p:txBody>
+      </p:sp>
+      <p:sp>
+        <p:nvSpPr>
+          <p:cNvPr id="4" name="Espace réservé de la date 3">
+            <a:extLst>
+              <a:ext uri="{FF2B5EF4-FFF2-40B4-BE49-F238E27FC236}">
+                <a16:creationId xmlns:a16="http://schemas.microsoft.com/office/drawing/2014/main" id="{856674E2-CD0C-4AE9-A839-8EBD791953B6}"/>
               </a:ext>
             </a:extLst>
           </p:cNvPr>
@@ -5349,10 +7556,10 @@
       </p:sp>
       <p:sp>
         <p:nvSpPr>
-          <p:cNvPr id="6" name="Espace réservé du pied de page 5">
-            <a:extLst>
-              <a:ext uri="{FF2B5EF4-FFF2-40B4-BE49-F238E27FC236}">
-                <a16:creationId xmlns:a16="http://schemas.microsoft.com/office/drawing/2014/main" id="{B6B73CE8-4B5B-46BE-B48F-5954F243E7C6}"/>
+          <p:cNvPr id="5" name="Espace réservé du pied de page 4">
+            <a:extLst>
+              <a:ext uri="{FF2B5EF4-FFF2-40B4-BE49-F238E27FC236}">
+                <a16:creationId xmlns:a16="http://schemas.microsoft.com/office/drawing/2014/main" id="{4D42DFA1-6B51-42B5-AF37-27C518686009}"/>
               </a:ext>
             </a:extLst>
           </p:cNvPr>
@@ -5377,10 +7584,10 @@
       </p:sp>
       <p:sp>
         <p:nvSpPr>
-          <p:cNvPr id="7" name="Espace réservé du numéro de diapositive 6">
-            <a:extLst>
-              <a:ext uri="{FF2B5EF4-FFF2-40B4-BE49-F238E27FC236}">
-                <a16:creationId xmlns:a16="http://schemas.microsoft.com/office/drawing/2014/main" id="{38B2F1FB-E0D2-4AEE-ADF6-3E0ACF96E9F5}"/>
+          <p:cNvPr id="6" name="Espace réservé du numéro de diapositive 5">
+            <a:extLst>
+              <a:ext uri="{FF2B5EF4-FFF2-40B4-BE49-F238E27FC236}">
+                <a16:creationId xmlns:a16="http://schemas.microsoft.com/office/drawing/2014/main" id="{B140D8D6-C3FA-4525-8489-4362A089C9B6}"/>
               </a:ext>
             </a:extLst>
           </p:cNvPr>
@@ -5404,10 +7611,416 @@
           </a:p>
         </p:txBody>
       </p:sp>
+      <p:graphicFrame>
+        <p:nvGraphicFramePr>
+          <p:cNvPr id="7" name="Tableau 6">
+            <a:extLst>
+              <a:ext uri="{FF2B5EF4-FFF2-40B4-BE49-F238E27FC236}">
+                <a16:creationId xmlns:a16="http://schemas.microsoft.com/office/drawing/2014/main" id="{56EABC76-FE6E-493D-8B07-A55D5BEDB0CD}"/>
+              </a:ext>
+            </a:extLst>
+          </p:cNvPr>
+          <p:cNvGraphicFramePr>
+            <a:graphicFrameLocks noGrp="1"/>
+          </p:cNvGraphicFramePr>
+          <p:nvPr>
+            <p:extLst>
+              <p:ext uri="{D42A27DB-BD31-4B8C-83A1-F6EECF244321}">
+                <p14:modId xmlns:p14="http://schemas.microsoft.com/office/powerpoint/2010/main" val="1570740737"/>
+              </p:ext>
+            </p:extLst>
+          </p:nvPr>
+        </p:nvGraphicFramePr>
+        <p:xfrm>
+          <a:off x="1236000" y="3850145"/>
+          <a:ext cx="9720000" cy="1836000"/>
+        </p:xfrm>
+        <a:graphic>
+          <a:graphicData uri="http://schemas.openxmlformats.org/drawingml/2006/table">
+            <a:tbl>
+              <a:tblPr firstRow="1" bandRow="1">
+                <a:tableStyleId>{5C22544A-7EE6-4342-B048-85BDC9FD1C3A}</a:tableStyleId>
+              </a:tblPr>
+              <a:tblGrid>
+                <a:gridCol w="1584000">
+                  <a:extLst>
+                    <a:ext uri="{9D8B030D-6E8A-4147-A177-3AD203B41FA5}">
+                      <a16:colId xmlns:a16="http://schemas.microsoft.com/office/drawing/2014/main" val="2551679279"/>
+                    </a:ext>
+                  </a:extLst>
+                </a:gridCol>
+                <a:gridCol w="1620000">
+                  <a:extLst>
+                    <a:ext uri="{9D8B030D-6E8A-4147-A177-3AD203B41FA5}">
+                      <a16:colId xmlns:a16="http://schemas.microsoft.com/office/drawing/2014/main" val="267305162"/>
+                    </a:ext>
+                  </a:extLst>
+                </a:gridCol>
+                <a:gridCol w="1512000">
+                  <a:extLst>
+                    <a:ext uri="{9D8B030D-6E8A-4147-A177-3AD203B41FA5}">
+                      <a16:colId xmlns:a16="http://schemas.microsoft.com/office/drawing/2014/main" val="224293747"/>
+                    </a:ext>
+                  </a:extLst>
+                </a:gridCol>
+                <a:gridCol w="1800000">
+                  <a:extLst>
+                    <a:ext uri="{9D8B030D-6E8A-4147-A177-3AD203B41FA5}">
+                      <a16:colId xmlns:a16="http://schemas.microsoft.com/office/drawing/2014/main" val="1182226533"/>
+                    </a:ext>
+                  </a:extLst>
+                </a:gridCol>
+                <a:gridCol w="1692000">
+                  <a:extLst>
+                    <a:ext uri="{9D8B030D-6E8A-4147-A177-3AD203B41FA5}">
+                      <a16:colId xmlns:a16="http://schemas.microsoft.com/office/drawing/2014/main" val="1069090415"/>
+                    </a:ext>
+                  </a:extLst>
+                </a:gridCol>
+                <a:gridCol w="1512000">
+                  <a:extLst>
+                    <a:ext uri="{9D8B030D-6E8A-4147-A177-3AD203B41FA5}">
+                      <a16:colId xmlns:a16="http://schemas.microsoft.com/office/drawing/2014/main" val="2774411465"/>
+                    </a:ext>
+                  </a:extLst>
+                </a:gridCol>
+              </a:tblGrid>
+              <a:tr h="648000">
+                <a:tc>
+                  <a:txBody>
+                    <a:bodyPr/>
+                    <a:lstStyle/>
+                    <a:p>
+                      <a:pPr algn="ctr"/>
+                      <a:r>
+                        <a:rPr lang="fr-CH" dirty="0"/>
+                        <a:t>GUI</a:t>
+                      </a:r>
+                    </a:p>
+                  </a:txBody>
+                  <a:tcPr anchor="ctr"/>
+                </a:tc>
+                <a:tc>
+                  <a:txBody>
+                    <a:bodyPr/>
+                    <a:lstStyle/>
+                    <a:p>
+                      <a:pPr algn="ctr"/>
+                      <a:r>
+                        <a:rPr lang="fr-CH" dirty="0"/>
+                        <a:t>Traitement des plans</a:t>
+                      </a:r>
+                    </a:p>
+                  </a:txBody>
+                  <a:tcPr anchor="ctr"/>
+                </a:tc>
+                <a:tc>
+                  <a:txBody>
+                    <a:bodyPr/>
+                    <a:lstStyle/>
+                    <a:p>
+                      <a:pPr algn="ctr"/>
+                      <a:r>
+                        <a:rPr lang="fr-CH" dirty="0"/>
+                        <a:t>Parseur</a:t>
+                      </a:r>
+                    </a:p>
+                  </a:txBody>
+                  <a:tcPr anchor="ctr"/>
+                </a:tc>
+                <a:tc>
+                  <a:txBody>
+                    <a:bodyPr/>
+                    <a:lstStyle/>
+                    <a:p>
+                      <a:pPr algn="ctr"/>
+                      <a:r>
+                        <a:rPr lang="fr-CH" dirty="0"/>
+                        <a:t>Base de données</a:t>
+                      </a:r>
+                    </a:p>
+                  </a:txBody>
+                  <a:tcPr anchor="ctr"/>
+                </a:tc>
+                <a:tc>
+                  <a:txBody>
+                    <a:bodyPr/>
+                    <a:lstStyle/>
+                    <a:p>
+                      <a:pPr algn="ctr"/>
+                      <a:r>
+                        <a:rPr lang="fr-CH" dirty="0"/>
+                        <a:t>Communication client - serveur</a:t>
+                      </a:r>
+                    </a:p>
+                  </a:txBody>
+                  <a:tcPr anchor="ctr"/>
+                </a:tc>
+                <a:tc>
+                  <a:txBody>
+                    <a:bodyPr/>
+                    <a:lstStyle/>
+                    <a:p>
+                      <a:pPr algn="ctr"/>
+                      <a:r>
+                        <a:rPr lang="fr-CH" dirty="0"/>
+                        <a:t>Logique client</a:t>
+                      </a:r>
+                    </a:p>
+                  </a:txBody>
+                  <a:tcPr anchor="ctr"/>
+                </a:tc>
+                <a:extLst>
+                  <a:ext uri="{0D108BD9-81ED-4DB2-BD59-A6C34878D82A}">
+                    <a16:rowId xmlns:a16="http://schemas.microsoft.com/office/drawing/2014/main" val="2470071398"/>
+                  </a:ext>
+                </a:extLst>
+              </a:tr>
+              <a:tr h="396000">
+                <a:tc>
+                  <a:txBody>
+                    <a:bodyPr/>
+                    <a:lstStyle/>
+                    <a:p>
+                      <a:r>
+                        <a:rPr lang="fr-CH" dirty="0"/>
+                        <a:t>Aurélien Siu</a:t>
+                      </a:r>
+                    </a:p>
+                  </a:txBody>
+                  <a:tcPr anchor="ctr"/>
+                </a:tc>
+                <a:tc>
+                  <a:txBody>
+                    <a:bodyPr/>
+                    <a:lstStyle/>
+                    <a:p>
+                      <a:r>
+                        <a:rPr lang="fr-CH" dirty="0"/>
+                        <a:t>Aurélien Siu</a:t>
+                      </a:r>
+                    </a:p>
+                  </a:txBody>
+                  <a:tcPr anchor="ctr"/>
+                </a:tc>
+                <a:tc>
+                  <a:txBody>
+                    <a:bodyPr/>
+                    <a:lstStyle/>
+                    <a:p>
+                      <a:r>
+                        <a:rPr lang="fr-CH" dirty="0"/>
+                        <a:t>Romain Gallay</a:t>
+                      </a:r>
+                    </a:p>
+                  </a:txBody>
+                  <a:tcPr anchor="ctr"/>
+                </a:tc>
+                <a:tc>
+                  <a:txBody>
+                    <a:bodyPr/>
+                    <a:lstStyle/>
+                    <a:p>
+                      <a:r>
+                        <a:rPr lang="fr-CH" dirty="0"/>
+                        <a:t>Dejvid Muaremi</a:t>
+                      </a:r>
+                    </a:p>
+                  </a:txBody>
+                  <a:tcPr anchor="ctr"/>
+                </a:tc>
+                <a:tc>
+                  <a:txBody>
+                    <a:bodyPr/>
+                    <a:lstStyle/>
+                    <a:p>
+                      <a:r>
+                        <a:rPr lang="fr-CH" dirty="0"/>
+                        <a:t>Romain Gallay</a:t>
+                      </a:r>
+                    </a:p>
+                  </a:txBody>
+                  <a:tcPr anchor="ctr"/>
+                </a:tc>
+                <a:tc>
+                  <a:txBody>
+                    <a:bodyPr/>
+                    <a:lstStyle/>
+                    <a:p>
+                      <a:r>
+                        <a:rPr lang="fr-CH" dirty="0"/>
+                        <a:t>Romain Gallay</a:t>
+                      </a:r>
+                    </a:p>
+                  </a:txBody>
+                  <a:tcPr anchor="ctr"/>
+                </a:tc>
+                <a:extLst>
+                  <a:ext uri="{0D108BD9-81ED-4DB2-BD59-A6C34878D82A}">
+                    <a16:rowId xmlns:a16="http://schemas.microsoft.com/office/drawing/2014/main" val="1839584262"/>
+                  </a:ext>
+                </a:extLst>
+              </a:tr>
+              <a:tr h="396000">
+                <a:tc>
+                  <a:txBody>
+                    <a:bodyPr/>
+                    <a:lstStyle/>
+                    <a:p>
+                      <a:r>
+                        <a:rPr lang="fr-CH" dirty="0"/>
+                        <a:t>Labinot Rashiti</a:t>
+                      </a:r>
+                    </a:p>
+                  </a:txBody>
+                  <a:tcPr anchor="ctr"/>
+                </a:tc>
+                <a:tc>
+                  <a:txBody>
+                    <a:bodyPr/>
+                    <a:lstStyle/>
+                    <a:p>
+                      <a:r>
+                        <a:rPr lang="fr-CH" dirty="0"/>
+                        <a:t>Labinot Rashiti</a:t>
+                      </a:r>
+                    </a:p>
+                  </a:txBody>
+                  <a:tcPr anchor="ctr"/>
+                </a:tc>
+                <a:tc>
+                  <a:txBody>
+                    <a:bodyPr/>
+                    <a:lstStyle/>
+                    <a:p>
+                      <a:endParaRPr lang="fr-CH"/>
+                    </a:p>
+                  </a:txBody>
+                  <a:tcPr anchor="ctr"/>
+                </a:tc>
+                <a:tc>
+                  <a:txBody>
+                    <a:bodyPr/>
+                    <a:lstStyle/>
+                    <a:p>
+                      <a:r>
+                        <a:rPr lang="fr-CH" dirty="0"/>
+                        <a:t>Aurélien Siu</a:t>
+                      </a:r>
+                    </a:p>
+                  </a:txBody>
+                  <a:tcPr anchor="ctr"/>
+                </a:tc>
+                <a:tc>
+                  <a:txBody>
+                    <a:bodyPr/>
+                    <a:lstStyle/>
+                    <a:p>
+                      <a:r>
+                        <a:rPr lang="fr-CH" dirty="0"/>
+                        <a:t>Yohann Meyer</a:t>
+                      </a:r>
+                    </a:p>
+                  </a:txBody>
+                  <a:tcPr anchor="ctr"/>
+                </a:tc>
+                <a:tc>
+                  <a:txBody>
+                    <a:bodyPr/>
+                    <a:lstStyle/>
+                    <a:p>
+                      <a:r>
+                        <a:rPr lang="fr-CH" dirty="0"/>
+                        <a:t>Loïc Frueh</a:t>
+                      </a:r>
+                    </a:p>
+                  </a:txBody>
+                  <a:tcPr anchor="ctr"/>
+                </a:tc>
+                <a:extLst>
+                  <a:ext uri="{0D108BD9-81ED-4DB2-BD59-A6C34878D82A}">
+                    <a16:rowId xmlns:a16="http://schemas.microsoft.com/office/drawing/2014/main" val="27315211"/>
+                  </a:ext>
+                </a:extLst>
+              </a:tr>
+              <a:tr h="396000">
+                <a:tc>
+                  <a:txBody>
+                    <a:bodyPr/>
+                    <a:lstStyle/>
+                    <a:p>
+                      <a:endParaRPr lang="fr-CH" dirty="0"/>
+                    </a:p>
+                  </a:txBody>
+                  <a:tcPr anchor="ctr"/>
+                </a:tc>
+                <a:tc>
+                  <a:txBody>
+                    <a:bodyPr/>
+                    <a:lstStyle/>
+                    <a:p>
+                      <a:endParaRPr lang="fr-CH" dirty="0"/>
+                    </a:p>
+                  </a:txBody>
+                  <a:tcPr anchor="ctr"/>
+                </a:tc>
+                <a:tc>
+                  <a:txBody>
+                    <a:bodyPr/>
+                    <a:lstStyle/>
+                    <a:p>
+                      <a:endParaRPr lang="fr-CH" dirty="0"/>
+                    </a:p>
+                  </a:txBody>
+                  <a:tcPr anchor="ctr"/>
+                </a:tc>
+                <a:tc>
+                  <a:txBody>
+                    <a:bodyPr/>
+                    <a:lstStyle/>
+                    <a:p>
+                      <a:endParaRPr lang="fr-CH" dirty="0"/>
+                    </a:p>
+                  </a:txBody>
+                  <a:tcPr anchor="ctr"/>
+                </a:tc>
+                <a:tc>
+                  <a:txBody>
+                    <a:bodyPr/>
+                    <a:lstStyle/>
+                    <a:p>
+                      <a:r>
+                        <a:rPr lang="fr-CH" dirty="0"/>
+                        <a:t>Loïc Frueh</a:t>
+                      </a:r>
+                    </a:p>
+                  </a:txBody>
+                  <a:tcPr anchor="ctr"/>
+                </a:tc>
+                <a:tc>
+                  <a:txBody>
+                    <a:bodyPr/>
+                    <a:lstStyle/>
+                    <a:p>
+                      <a:endParaRPr lang="fr-CH" dirty="0"/>
+                    </a:p>
+                  </a:txBody>
+                  <a:tcPr anchor="ctr"/>
+                </a:tc>
+                <a:extLst>
+                  <a:ext uri="{0D108BD9-81ED-4DB2-BD59-A6C34878D82A}">
+                    <a16:rowId xmlns:a16="http://schemas.microsoft.com/office/drawing/2014/main" val="2686128826"/>
+                  </a:ext>
+                </a:extLst>
+              </a:tr>
+            </a:tbl>
+          </a:graphicData>
+        </a:graphic>
+      </p:graphicFrame>
     </p:spTree>
     <p:extLst>
       <p:ext uri="{BB962C8B-B14F-4D97-AF65-F5344CB8AC3E}">
-        <p14:creationId xmlns:p14="http://schemas.microsoft.com/office/powerpoint/2010/main" val="3924154569"/>
+        <p14:creationId xmlns:p14="http://schemas.microsoft.com/office/powerpoint/2010/main" val="2475020927"/>
       </p:ext>
     </p:extLst>
   </p:cSld>
@@ -5439,7 +8052,7 @@
           <p:cNvPr id="2" name="Titre 1">
             <a:extLst>
               <a:ext uri="{FF2B5EF4-FFF2-40B4-BE49-F238E27FC236}">
-                <a16:creationId xmlns:a16="http://schemas.microsoft.com/office/drawing/2014/main" id="{C4F1E3DD-2C05-480C-87C9-D31799560C74}"/>
+                <a16:creationId xmlns:a16="http://schemas.microsoft.com/office/drawing/2014/main" id="{DC5001F2-BCC1-4DF1-AFD4-3EF950E10056}"/>
               </a:ext>
             </a:extLst>
           </p:cNvPr>
@@ -5457,49 +8070,73 @@
           <a:p>
             <a:r>
               <a:rPr lang="fr-CH" dirty="0"/>
-              <a:t>Rendu final DARYLL</a:t>
-            </a:r>
-          </a:p>
-        </p:txBody>
-      </p:sp>
-      <p:pic>
-        <p:nvPicPr>
-          <p:cNvPr id="4" name="Espace réservé du contenu 5">
-            <a:extLst>
-              <a:ext uri="{FF2B5EF4-FFF2-40B4-BE49-F238E27FC236}">
-                <a16:creationId xmlns:a16="http://schemas.microsoft.com/office/drawing/2014/main" id="{DFB70535-5EA5-4FE0-8D23-D41B6F8EC377}"/>
-              </a:ext>
-            </a:extLst>
-          </p:cNvPr>
-          <p:cNvPicPr>
-            <a:picLocks noGrp="1" noChangeAspect="1"/>
-          </p:cNvPicPr>
+              <a:t>Organisation du groupe</a:t>
+            </a:r>
+          </a:p>
+        </p:txBody>
+      </p:sp>
+      <p:sp>
+        <p:nvSpPr>
+          <p:cNvPr id="3" name="Espace réservé du contenu 2">
+            <a:extLst>
+              <a:ext uri="{FF2B5EF4-FFF2-40B4-BE49-F238E27FC236}">
+                <a16:creationId xmlns:a16="http://schemas.microsoft.com/office/drawing/2014/main" id="{3A24173C-004C-4908-AC8B-D7A6727E1FE3}"/>
+              </a:ext>
+            </a:extLst>
+          </p:cNvPr>
+          <p:cNvSpPr>
+            <a:spLocks noGrp="1"/>
+          </p:cNvSpPr>
           <p:nvPr>
             <p:ph idx="1"/>
           </p:nvPr>
-        </p:nvPicPr>
-        <p:blipFill>
-          <a:blip r:embed="rId2"/>
-          <a:stretch>
-            <a:fillRect/>
-          </a:stretch>
-        </p:blipFill>
-        <p:spPr>
-          <a:xfrm>
-            <a:off x="2552860" y="1806934"/>
-            <a:ext cx="7086279" cy="4451483"/>
-          </a:xfrm>
-          <a:prstGeom prst="rect">
-            <a:avLst/>
-          </a:prstGeom>
-        </p:spPr>
-      </p:pic>
-      <p:sp>
-        <p:nvSpPr>
-          <p:cNvPr id="5" name="Espace réservé de la date 4">
-            <a:extLst>
-              <a:ext uri="{FF2B5EF4-FFF2-40B4-BE49-F238E27FC236}">
-                <a16:creationId xmlns:a16="http://schemas.microsoft.com/office/drawing/2014/main" id="{C526B54D-21D8-4234-8C8E-B7E1B6B5FD29}"/>
+        </p:nvSpPr>
+        <p:spPr/>
+        <p:txBody>
+          <a:bodyPr/>
+          <a:lstStyle/>
+          <a:p>
+            <a:pPr lvl="1"/>
+            <a:r>
+              <a:rPr lang="fr-CH" dirty="0"/>
+              <a:t>Réunion quasi-</a:t>
+            </a:r>
+            <a:r>
+              <a:rPr lang="fr-CH" dirty="0" err="1"/>
+              <a:t>hébdomadaire</a:t>
+            </a:r>
+            <a:r>
+              <a:rPr lang="fr-CH" dirty="0"/>
+              <a:t> en plus du cours</a:t>
+            </a:r>
+          </a:p>
+          <a:p>
+            <a:pPr lvl="1"/>
+            <a:endParaRPr lang="fr-CH" dirty="0"/>
+          </a:p>
+          <a:p>
+            <a:pPr lvl="1"/>
+            <a:r>
+              <a:rPr lang="fr-CH" dirty="0"/>
+              <a:t>Support de communication : </a:t>
+            </a:r>
+            <a:r>
+              <a:rPr lang="fr-CH" dirty="0" err="1"/>
+              <a:t>Telegram</a:t>
+            </a:r>
+            <a:r>
+              <a:rPr lang="fr-CH" dirty="0"/>
+              <a:t> et Git</a:t>
+            </a:r>
+          </a:p>
+        </p:txBody>
+      </p:sp>
+      <p:sp>
+        <p:nvSpPr>
+          <p:cNvPr id="4" name="Espace réservé de la date 3">
+            <a:extLst>
+              <a:ext uri="{FF2B5EF4-FFF2-40B4-BE49-F238E27FC236}">
+                <a16:creationId xmlns:a16="http://schemas.microsoft.com/office/drawing/2014/main" id="{723BBF8B-8B75-418A-A461-767E8E886849}"/>
               </a:ext>
             </a:extLst>
           </p:cNvPr>
@@ -5524,10 +8161,10 @@
       </p:sp>
       <p:sp>
         <p:nvSpPr>
-          <p:cNvPr id="6" name="Espace réservé du pied de page 5">
-            <a:extLst>
-              <a:ext uri="{FF2B5EF4-FFF2-40B4-BE49-F238E27FC236}">
-                <a16:creationId xmlns:a16="http://schemas.microsoft.com/office/drawing/2014/main" id="{A0C9F73C-B389-473D-A023-A4F31B2EAE15}"/>
+          <p:cNvPr id="5" name="Espace réservé du pied de page 4">
+            <a:extLst>
+              <a:ext uri="{FF2B5EF4-FFF2-40B4-BE49-F238E27FC236}">
+                <a16:creationId xmlns:a16="http://schemas.microsoft.com/office/drawing/2014/main" id="{69C9EB5A-C8B8-4EB2-9C33-7F7A10239067}"/>
               </a:ext>
             </a:extLst>
           </p:cNvPr>
@@ -5552,10 +8189,10 @@
       </p:sp>
       <p:sp>
         <p:nvSpPr>
-          <p:cNvPr id="7" name="Espace réservé du numéro de diapositive 6">
-            <a:extLst>
-              <a:ext uri="{FF2B5EF4-FFF2-40B4-BE49-F238E27FC236}">
-                <a16:creationId xmlns:a16="http://schemas.microsoft.com/office/drawing/2014/main" id="{35BBE508-F1B9-4A5E-B3C3-10ECDAFF414E}"/>
+          <p:cNvPr id="6" name="Espace réservé du numéro de diapositive 5">
+            <a:extLst>
+              <a:ext uri="{FF2B5EF4-FFF2-40B4-BE49-F238E27FC236}">
+                <a16:creationId xmlns:a16="http://schemas.microsoft.com/office/drawing/2014/main" id="{9063EC4B-5FF4-45AF-A261-2342CF5F452C}"/>
               </a:ext>
             </a:extLst>
           </p:cNvPr>
@@ -5582,7 +8219,7 @@
     </p:spTree>
     <p:extLst>
       <p:ext uri="{BB962C8B-B14F-4D97-AF65-F5344CB8AC3E}">
-        <p14:creationId xmlns:p14="http://schemas.microsoft.com/office/powerpoint/2010/main" val="1899525462"/>
+        <p14:creationId xmlns:p14="http://schemas.microsoft.com/office/powerpoint/2010/main" val="2118591507"/>
       </p:ext>
     </p:extLst>
   </p:cSld>
@@ -5614,7 +8251,7 @@
           <p:cNvPr id="2" name="Titre 1">
             <a:extLst>
               <a:ext uri="{FF2B5EF4-FFF2-40B4-BE49-F238E27FC236}">
-                <a16:creationId xmlns:a16="http://schemas.microsoft.com/office/drawing/2014/main" id="{32554A50-E200-4B04-B5B8-A65CA5BF495D}"/>
+                <a16:creationId xmlns:a16="http://schemas.microsoft.com/office/drawing/2014/main" id="{C14CADA8-FA59-41CE-A395-01EF0FA144E5}"/>
               </a:ext>
             </a:extLst>
           </p:cNvPr>
@@ -5632,95 +8269,103 @@
           <a:p>
             <a:r>
               <a:rPr lang="fr-CH" dirty="0"/>
-              <a:t>Difficultés principales</a:t>
-            </a:r>
-          </a:p>
-        </p:txBody>
-      </p:sp>
-      <p:sp>
-        <p:nvSpPr>
-          <p:cNvPr id="3" name="Espace réservé du contenu 2">
-            <a:extLst>
-              <a:ext uri="{FF2B5EF4-FFF2-40B4-BE49-F238E27FC236}">
-                <a16:creationId xmlns:a16="http://schemas.microsoft.com/office/drawing/2014/main" id="{6AE14D25-16AD-480E-AB9A-B208F1906725}"/>
-              </a:ext>
-            </a:extLst>
-          </p:cNvPr>
-          <p:cNvSpPr>
-            <a:spLocks noGrp="1"/>
-          </p:cNvSpPr>
+              <a:t>GUI</a:t>
+            </a:r>
+          </a:p>
+        </p:txBody>
+      </p:sp>
+      <p:graphicFrame>
+        <p:nvGraphicFramePr>
+          <p:cNvPr id="11" name="Espace réservé du contenu 10">
+            <a:extLst>
+              <a:ext uri="{FF2B5EF4-FFF2-40B4-BE49-F238E27FC236}">
+                <a16:creationId xmlns:a16="http://schemas.microsoft.com/office/drawing/2014/main" id="{7EFC3403-7847-42B8-8225-B54E81AED5E5}"/>
+              </a:ext>
+            </a:extLst>
+          </p:cNvPr>
+          <p:cNvGraphicFramePr>
+            <a:graphicFrameLocks noGrp="1"/>
+          </p:cNvGraphicFramePr>
           <p:nvPr>
             <p:ph idx="1"/>
-          </p:nvPr>
-        </p:nvSpPr>
-        <p:spPr/>
-        <p:txBody>
-          <a:bodyPr/>
-          <a:lstStyle/>
-          <a:p>
-            <a:pPr lvl="1"/>
-            <a:r>
-              <a:rPr lang="fr-CH" dirty="0"/>
-              <a:t>Récupération des données sources (fichier ICS, plans)</a:t>
-            </a:r>
-          </a:p>
-          <a:p>
-            <a:pPr lvl="1"/>
-            <a:endParaRPr lang="fr-CH" dirty="0"/>
-          </a:p>
-          <a:p>
-            <a:pPr lvl="1"/>
-            <a:r>
-              <a:rPr lang="fr-CH" dirty="0"/>
-              <a:t>Redimensionnement et coloration des plans</a:t>
-            </a:r>
-          </a:p>
-          <a:p>
-            <a:pPr lvl="1"/>
-            <a:endParaRPr lang="fr-CH" dirty="0"/>
-          </a:p>
-          <a:p>
-            <a:pPr lvl="1"/>
-            <a:r>
-              <a:rPr lang="fr-CH" dirty="0"/>
-              <a:t>Modification de tous les </a:t>
-            </a:r>
-            <a:r>
-              <a:rPr lang="fr-CH" dirty="0" err="1"/>
-              <a:t>SVGs</a:t>
-            </a:r>
-            <a:r>
-              <a:rPr lang="fr-CH" dirty="0"/>
-              <a:t> pour les adapter au code</a:t>
-            </a:r>
-          </a:p>
-          <a:p>
-            <a:pPr lvl="1"/>
-            <a:endParaRPr lang="fr-CH" dirty="0"/>
-          </a:p>
-          <a:p>
-            <a:pPr lvl="1"/>
-            <a:r>
-              <a:rPr lang="fr-CH" dirty="0"/>
-              <a:t>Utilisation de </a:t>
-            </a:r>
-            <a:r>
-              <a:rPr lang="fr-CH" dirty="0" err="1"/>
-              <a:t>Telegram</a:t>
-            </a:r>
-            <a:r>
-              <a:rPr lang="fr-CH" dirty="0"/>
-              <a:t> pour communiquer quotidiennement</a:t>
-            </a:r>
-          </a:p>
-        </p:txBody>
-      </p:sp>
+            <p:extLst>
+              <p:ext uri="{D42A27DB-BD31-4B8C-83A1-F6EECF244321}">
+                <p14:modId xmlns:p14="http://schemas.microsoft.com/office/powerpoint/2010/main" val="1457100731"/>
+              </p:ext>
+            </p:extLst>
+          </p:nvPr>
+        </p:nvGraphicFramePr>
+        <p:xfrm>
+          <a:off x="1097280" y="2187178"/>
+          <a:ext cx="10058400" cy="370840"/>
+        </p:xfrm>
+        <a:graphic>
+          <a:graphicData uri="http://schemas.openxmlformats.org/drawingml/2006/table">
+            <a:tbl>
+              <a:tblPr firstRow="1" bandRow="1">
+                <a:tableStyleId>{5C22544A-7EE6-4342-B048-85BDC9FD1C3A}</a:tableStyleId>
+              </a:tblPr>
+              <a:tblGrid>
+                <a:gridCol w="5029200">
+                  <a:extLst>
+                    <a:ext uri="{9D8B030D-6E8A-4147-A177-3AD203B41FA5}">
+                      <a16:colId xmlns:a16="http://schemas.microsoft.com/office/drawing/2014/main" val="1349658268"/>
+                    </a:ext>
+                  </a:extLst>
+                </a:gridCol>
+                <a:gridCol w="5029200">
+                  <a:extLst>
+                    <a:ext uri="{9D8B030D-6E8A-4147-A177-3AD203B41FA5}">
+                      <a16:colId xmlns:a16="http://schemas.microsoft.com/office/drawing/2014/main" val="2376365"/>
+                    </a:ext>
+                  </a:extLst>
+                </a:gridCol>
+              </a:tblGrid>
+              <a:tr h="370840">
+                <a:tc>
+                  <a:txBody>
+                    <a:bodyPr/>
+                    <a:lstStyle/>
+                    <a:p>
+                      <a:r>
+                        <a:rPr lang="fr-CH" dirty="0" err="1"/>
+                        <a:t>Mockup</a:t>
+                      </a:r>
+                      <a:endParaRPr lang="fr-CH" dirty="0"/>
+                    </a:p>
+                  </a:txBody>
+                  <a:tcPr/>
+                </a:tc>
+                <a:tc>
+                  <a:txBody>
+                    <a:bodyPr/>
+                    <a:lstStyle/>
+                    <a:p>
+                      <a:pPr algn="r"/>
+                      <a:r>
+                        <a:rPr lang="fr-CH" dirty="0"/>
+                        <a:t>Rendu final</a:t>
+                      </a:r>
+                    </a:p>
+                  </a:txBody>
+                  <a:tcPr/>
+                </a:tc>
+                <a:extLst>
+                  <a:ext uri="{0D108BD9-81ED-4DB2-BD59-A6C34878D82A}">
+                    <a16:rowId xmlns:a16="http://schemas.microsoft.com/office/drawing/2014/main" val="1426184094"/>
+                  </a:ext>
+                </a:extLst>
+              </a:tr>
+            </a:tbl>
+          </a:graphicData>
+        </a:graphic>
+      </p:graphicFrame>
       <p:sp>
         <p:nvSpPr>
           <p:cNvPr id="4" name="Espace réservé de la date 3">
             <a:extLst>
               <a:ext uri="{FF2B5EF4-FFF2-40B4-BE49-F238E27FC236}">
-                <a16:creationId xmlns:a16="http://schemas.microsoft.com/office/drawing/2014/main" id="{6CFDB79E-73B8-463C-88F5-101DFA21691B}"/>
+                <a16:creationId xmlns:a16="http://schemas.microsoft.com/office/drawing/2014/main" id="{28CB7DA7-8E51-4C78-8D9C-5CD0F0FE534D}"/>
               </a:ext>
             </a:extLst>
           </p:cNvPr>
@@ -5748,7 +8393,7 @@
           <p:cNvPr id="5" name="Espace réservé du pied de page 4">
             <a:extLst>
               <a:ext uri="{FF2B5EF4-FFF2-40B4-BE49-F238E27FC236}">
-                <a16:creationId xmlns:a16="http://schemas.microsoft.com/office/drawing/2014/main" id="{AC0B3751-DC05-4529-989F-BDE9215483E1}"/>
+                <a16:creationId xmlns:a16="http://schemas.microsoft.com/office/drawing/2014/main" id="{30C332BC-366C-4443-91B6-34BE6FDC051A}"/>
               </a:ext>
             </a:extLst>
           </p:cNvPr>
@@ -5776,7 +8421,7 @@
           <p:cNvPr id="6" name="Espace réservé du numéro de diapositive 5">
             <a:extLst>
               <a:ext uri="{FF2B5EF4-FFF2-40B4-BE49-F238E27FC236}">
-                <a16:creationId xmlns:a16="http://schemas.microsoft.com/office/drawing/2014/main" id="{F491ED25-A8B9-4F67-8F8D-143B55B13B4F}"/>
+                <a16:creationId xmlns:a16="http://schemas.microsoft.com/office/drawing/2014/main" id="{D1B2F008-A08E-4EAE-A5F1-342495D8B8BE}"/>
               </a:ext>
             </a:extLst>
           </p:cNvPr>
@@ -5800,10 +8445,69 @@
           </a:p>
         </p:txBody>
       </p:sp>
+      <p:pic>
+        <p:nvPicPr>
+          <p:cNvPr id="7" name="Espace réservé du contenu 5">
+            <a:extLst>
+              <a:ext uri="{FF2B5EF4-FFF2-40B4-BE49-F238E27FC236}">
+                <a16:creationId xmlns:a16="http://schemas.microsoft.com/office/drawing/2014/main" id="{1F3B09BC-E015-4D35-A390-3A1809A97E06}"/>
+              </a:ext>
+            </a:extLst>
+          </p:cNvPr>
+          <p:cNvPicPr>
+            <a:picLocks noChangeAspect="1"/>
+          </p:cNvPicPr>
+          <p:nvPr/>
+        </p:nvPicPr>
+        <p:blipFill rotWithShape="1">
+          <a:blip r:embed="rId2"/>
+          <a:srcRect l="2171" t="1300" r="1774" b="1665"/>
+          <a:stretch/>
+        </p:blipFill>
+        <p:spPr>
+          <a:xfrm>
+            <a:off x="1097280" y="3186325"/>
+            <a:ext cx="4929188" cy="2514600"/>
+          </a:xfrm>
+          <a:prstGeom prst="rect">
+            <a:avLst/>
+          </a:prstGeom>
+        </p:spPr>
+      </p:pic>
+      <p:pic>
+        <p:nvPicPr>
+          <p:cNvPr id="8" name="Espace réservé du contenu 5">
+            <a:extLst>
+              <a:ext uri="{FF2B5EF4-FFF2-40B4-BE49-F238E27FC236}">
+                <a16:creationId xmlns:a16="http://schemas.microsoft.com/office/drawing/2014/main" id="{12913EC5-55FB-45EF-87D4-F759D76D3DF1}"/>
+              </a:ext>
+            </a:extLst>
+          </p:cNvPr>
+          <p:cNvPicPr>
+            <a:picLocks noChangeAspect="1"/>
+          </p:cNvPicPr>
+          <p:nvPr/>
+        </p:nvPicPr>
+        <p:blipFill>
+          <a:blip r:embed="rId3"/>
+          <a:stretch>
+            <a:fillRect/>
+          </a:stretch>
+        </p:blipFill>
+        <p:spPr>
+          <a:xfrm>
+            <a:off x="6201876" y="2837796"/>
+            <a:ext cx="5118182" cy="3211659"/>
+          </a:xfrm>
+          <a:prstGeom prst="rect">
+            <a:avLst/>
+          </a:prstGeom>
+        </p:spPr>
+      </p:pic>
     </p:spTree>
     <p:extLst>
       <p:ext uri="{BB962C8B-B14F-4D97-AF65-F5344CB8AC3E}">
-        <p14:creationId xmlns:p14="http://schemas.microsoft.com/office/powerpoint/2010/main" val="2395367970"/>
+        <p14:creationId xmlns:p14="http://schemas.microsoft.com/office/powerpoint/2010/main" val="3845377850"/>
       </p:ext>
     </p:extLst>
   </p:cSld>
@@ -5835,7 +8539,7 @@
           <p:cNvPr id="2" name="Titre 1">
             <a:extLst>
               <a:ext uri="{FF2B5EF4-FFF2-40B4-BE49-F238E27FC236}">
-                <a16:creationId xmlns:a16="http://schemas.microsoft.com/office/drawing/2014/main" id="{CA567308-03F1-48FD-9AB1-1F190B9524BF}"/>
+                <a16:creationId xmlns:a16="http://schemas.microsoft.com/office/drawing/2014/main" id="{78F24D16-E6DA-4A7A-93F1-08ED9B87DD09}"/>
               </a:ext>
             </a:extLst>
           </p:cNvPr>
@@ -5848,14 +8552,12 @@
         </p:nvSpPr>
         <p:spPr/>
         <p:txBody>
-          <a:bodyPr>
-            <a:noAutofit/>
-          </a:bodyPr>
-          <a:lstStyle/>
-          <a:p>
-            <a:r>
-              <a:rPr lang="fr-CH" sz="4800" dirty="0"/>
-              <a:t>Bugs connus et améliorations possibles</a:t>
+          <a:bodyPr/>
+          <a:lstStyle/>
+          <a:p>
+            <a:r>
+              <a:rPr lang="fr-CH" dirty="0"/>
+              <a:t>Traitement des plans</a:t>
             </a:r>
           </a:p>
         </p:txBody>
@@ -5865,7 +8567,7 @@
           <p:cNvPr id="3" name="Espace réservé du contenu 2">
             <a:extLst>
               <a:ext uri="{FF2B5EF4-FFF2-40B4-BE49-F238E27FC236}">
-                <a16:creationId xmlns:a16="http://schemas.microsoft.com/office/drawing/2014/main" id="{360DBB8D-6C8A-4677-8912-756516603B6B}"/>
+                <a16:creationId xmlns:a16="http://schemas.microsoft.com/office/drawing/2014/main" id="{690B9803-98EE-4709-86AD-4A3FBFD71A6A}"/>
               </a:ext>
             </a:extLst>
           </p:cNvPr>
@@ -5881,42 +8583,41 @@
           <a:bodyPr/>
           <a:lstStyle/>
           <a:p>
+            <a:pPr marL="201168" lvl="1" indent="0">
+              <a:buNone/>
+            </a:pPr>
+            <a:r>
+              <a:rPr lang="fr-FR" dirty="0"/>
+              <a:t>Transformation PDF → SVG</a:t>
+            </a:r>
+          </a:p>
+          <a:p>
             <a:pPr lvl="1"/>
-            <a:r>
-              <a:rPr lang="fr-CH" dirty="0"/>
-              <a:t>Améliorer l’allocation mémoire pour l’affichage</a:t>
+            <a:endParaRPr lang="fr-FR" dirty="0"/>
+          </a:p>
+          <a:p>
+            <a:pPr marL="201168" lvl="1" indent="0">
+              <a:buNone/>
+            </a:pPr>
+            <a:r>
+              <a:rPr lang="fr-FR" dirty="0"/>
+              <a:t>Traitement des fichiers SVG</a:t>
             </a:r>
           </a:p>
           <a:p>
             <a:pPr lvl="1"/>
+            <a:endParaRPr lang="fr-FR" dirty="0"/>
+          </a:p>
+          <a:p>
+            <a:pPr marL="201168" lvl="1" indent="0">
+              <a:buNone/>
+            </a:pPr>
+            <a:r>
+              <a:rPr lang="fr-FR" dirty="0"/>
+              <a:t>Modification dynamiques des plans</a:t>
+            </a:r>
             <a:endParaRPr lang="fr-CH" dirty="0"/>
           </a:p>
-          <a:p>
-            <a:pPr lvl="1"/>
-            <a:r>
-              <a:rPr lang="fr-CH" dirty="0"/>
-              <a:t>Une partie du plan de l’étage B n’est pas affichable car PDF source mal généré</a:t>
-            </a:r>
-          </a:p>
-          <a:p>
-            <a:pPr lvl="1"/>
-            <a:endParaRPr lang="fr-CH" dirty="0"/>
-          </a:p>
-          <a:p>
-            <a:pPr lvl="1"/>
-            <a:r>
-              <a:rPr lang="fr-CH" dirty="0"/>
-              <a:t>Améliorer la partie «</a:t>
-            </a:r>
-            <a:r>
-              <a:rPr lang="fr-CH" dirty="0" err="1"/>
-              <a:t>remote</a:t>
-            </a:r>
-            <a:r>
-              <a:rPr lang="fr-CH" dirty="0"/>
-              <a:t> server»</a:t>
-            </a:r>
-          </a:p>
         </p:txBody>
       </p:sp>
       <p:sp>
@@ -5924,7 +8625,7 @@
           <p:cNvPr id="4" name="Espace réservé de la date 3">
             <a:extLst>
               <a:ext uri="{FF2B5EF4-FFF2-40B4-BE49-F238E27FC236}">
-                <a16:creationId xmlns:a16="http://schemas.microsoft.com/office/drawing/2014/main" id="{DFF99ED2-8FA1-4495-91A1-E752AB6D0EB0}"/>
+                <a16:creationId xmlns:a16="http://schemas.microsoft.com/office/drawing/2014/main" id="{25BFB982-49F9-4677-82CB-81D562B37745}"/>
               </a:ext>
             </a:extLst>
           </p:cNvPr>
@@ -5952,7 +8653,7 @@
           <p:cNvPr id="5" name="Espace réservé du pied de page 4">
             <a:extLst>
               <a:ext uri="{FF2B5EF4-FFF2-40B4-BE49-F238E27FC236}">
-                <a16:creationId xmlns:a16="http://schemas.microsoft.com/office/drawing/2014/main" id="{F150EEB8-BF9B-4E8B-90C2-DF77398CE336}"/>
+                <a16:creationId xmlns:a16="http://schemas.microsoft.com/office/drawing/2014/main" id="{8D4C754C-4A3A-4A53-B736-03B39BBB6DA2}"/>
               </a:ext>
             </a:extLst>
           </p:cNvPr>
@@ -5980,7 +8681,7 @@
           <p:cNvPr id="6" name="Espace réservé du numéro de diapositive 5">
             <a:extLst>
               <a:ext uri="{FF2B5EF4-FFF2-40B4-BE49-F238E27FC236}">
-                <a16:creationId xmlns:a16="http://schemas.microsoft.com/office/drawing/2014/main" id="{17E4DD8A-1456-4B25-88D1-2E181F45A5B5}"/>
+                <a16:creationId xmlns:a16="http://schemas.microsoft.com/office/drawing/2014/main" id="{6898A17F-FF49-48ED-A35E-8A7C60464E85}"/>
               </a:ext>
             </a:extLst>
           </p:cNvPr>
@@ -6007,7 +8708,7 @@
     </p:spTree>
     <p:extLst>
       <p:ext uri="{BB962C8B-B14F-4D97-AF65-F5344CB8AC3E}">
-        <p14:creationId xmlns:p14="http://schemas.microsoft.com/office/powerpoint/2010/main" val="1569092292"/>
+        <p14:creationId xmlns:p14="http://schemas.microsoft.com/office/powerpoint/2010/main" val="2662022657"/>
       </p:ext>
     </p:extLst>
   </p:cSld>
@@ -6039,7 +8740,7 @@
           <p:cNvPr id="2" name="Titre 1">
             <a:extLst>
               <a:ext uri="{FF2B5EF4-FFF2-40B4-BE49-F238E27FC236}">
-                <a16:creationId xmlns:a16="http://schemas.microsoft.com/office/drawing/2014/main" id="{927E7D25-FBD0-4870-878C-58EDE852B544}"/>
+                <a16:creationId xmlns:a16="http://schemas.microsoft.com/office/drawing/2014/main" id="{D6D5493A-1B35-407E-A6A5-F0E3943EED45}"/>
               </a:ext>
             </a:extLst>
           </p:cNvPr>
@@ -6057,7 +8758,7 @@
           <a:p>
             <a:r>
               <a:rPr lang="fr-CH" dirty="0"/>
-              <a:t>Conclusion</a:t>
+              <a:t>Parseur</a:t>
             </a:r>
           </a:p>
         </p:txBody>
@@ -6067,7 +8768,7 @@
           <p:cNvPr id="3" name="Espace réservé du contenu 2">
             <a:extLst>
               <a:ext uri="{FF2B5EF4-FFF2-40B4-BE49-F238E27FC236}">
-                <a16:creationId xmlns:a16="http://schemas.microsoft.com/office/drawing/2014/main" id="{4D5EBF0C-24A5-4056-8B92-719E58C28D07}"/>
+                <a16:creationId xmlns:a16="http://schemas.microsoft.com/office/drawing/2014/main" id="{9455FE1B-8250-4B1B-AE09-DEF09E2C1AC4}"/>
               </a:ext>
             </a:extLst>
           </p:cNvPr>
@@ -6083,32 +8784,8 @@
           <a:bodyPr/>
           <a:lstStyle/>
           <a:p>
-            <a:pPr marL="201168" lvl="1" indent="0">
-              <a:buNone/>
-            </a:pPr>
             <a:endParaRPr lang="fr-CH" dirty="0"/>
           </a:p>
-          <a:p>
-            <a:pPr lvl="1"/>
-            <a:r>
-              <a:rPr lang="fr-CH" dirty="0"/>
-              <a:t>Nos impressions sur le groupe et le travail effectué</a:t>
-            </a:r>
-          </a:p>
-          <a:p>
-            <a:pPr lvl="1"/>
-            <a:endParaRPr lang="fr-CH" dirty="0"/>
-          </a:p>
-          <a:p>
-            <a:pPr lvl="1"/>
-            <a:r>
-              <a:rPr lang="fr-CH" dirty="0"/>
-              <a:t>Projet réalisé selon le cahier des charges</a:t>
-            </a:r>
-          </a:p>
-          <a:p>
-            <a:endParaRPr lang="fr-CH" dirty="0"/>
-          </a:p>
         </p:txBody>
       </p:sp>
       <p:sp>
@@ -6116,7 +8793,7 @@
           <p:cNvPr id="4" name="Espace réservé de la date 3">
             <a:extLst>
               <a:ext uri="{FF2B5EF4-FFF2-40B4-BE49-F238E27FC236}">
-                <a16:creationId xmlns:a16="http://schemas.microsoft.com/office/drawing/2014/main" id="{F7E97056-82FE-495B-B5A4-DC3D8C6B6E02}"/>
+                <a16:creationId xmlns:a16="http://schemas.microsoft.com/office/drawing/2014/main" id="{0439BDD7-86FA-47FD-BDA9-210BD41714D0}"/>
               </a:ext>
             </a:extLst>
           </p:cNvPr>
@@ -6144,7 +8821,7 @@
           <p:cNvPr id="5" name="Espace réservé du pied de page 4">
             <a:extLst>
               <a:ext uri="{FF2B5EF4-FFF2-40B4-BE49-F238E27FC236}">
-                <a16:creationId xmlns:a16="http://schemas.microsoft.com/office/drawing/2014/main" id="{4D933D85-39A5-4694-936C-DD4B170C0873}"/>
+                <a16:creationId xmlns:a16="http://schemas.microsoft.com/office/drawing/2014/main" id="{32C91326-50FB-409F-B8D9-6F5B4AE90D89}"/>
               </a:ext>
             </a:extLst>
           </p:cNvPr>
@@ -6172,7 +8849,7 @@
           <p:cNvPr id="6" name="Espace réservé du numéro de diapositive 5">
             <a:extLst>
               <a:ext uri="{FF2B5EF4-FFF2-40B4-BE49-F238E27FC236}">
-                <a16:creationId xmlns:a16="http://schemas.microsoft.com/office/drawing/2014/main" id="{77B6DC7B-0364-40EC-B622-BBFC3B322974}"/>
+                <a16:creationId xmlns:a16="http://schemas.microsoft.com/office/drawing/2014/main" id="{87DD356D-3A8E-46A8-B192-086C8F25E043}"/>
               </a:ext>
             </a:extLst>
           </p:cNvPr>
@@ -6199,7 +8876,7 @@
     </p:spTree>
     <p:extLst>
       <p:ext uri="{BB962C8B-B14F-4D97-AF65-F5344CB8AC3E}">
-        <p14:creationId xmlns:p14="http://schemas.microsoft.com/office/powerpoint/2010/main" val="1195940858"/>
+        <p14:creationId xmlns:p14="http://schemas.microsoft.com/office/powerpoint/2010/main" val="1644767785"/>
       </p:ext>
     </p:extLst>
   </p:cSld>

--- a/presentation/DaryllFinal.pptx
+++ b/presentation/DaryllFinal.pptx
@@ -28,8 +28,8 @@
     <p:sldId id="263" r:id="rId16"/>
     <p:sldId id="276" r:id="rId17"/>
     <p:sldId id="264" r:id="rId18"/>
-    <p:sldId id="274" r:id="rId19"/>
-    <p:sldId id="275" r:id="rId20"/>
+    <p:sldId id="279" r:id="rId19"/>
+    <p:sldId id="280" r:id="rId20"/>
   </p:sldIdLst>
   <p:sldSz cx="12192000" cy="6858000"/>
   <p:notesSz cx="6858000" cy="9144000"/>
@@ -245,7 +245,7 @@
           <a:p>
             <a:fld id="{90430B4F-48E6-427D-BDAF-25B747377F51}" type="datetimeFigureOut">
               <a:rPr lang="fr-CH" smtClean="0"/>
-              <a:t>30.05.2018</a:t>
+              <a:t>31.05.2018</a:t>
             </a:fld>
             <a:endParaRPr lang="fr-CH"/>
           </a:p>
@@ -423,7 +423,7 @@
           <a:p>
             <a:fld id="{32D6859A-3316-4D27-BE52-7FDA929EF13A}" type="datetimeFigureOut">
               <a:rPr lang="fr-CH" smtClean="0"/>
-              <a:t>30.05.2018</a:t>
+              <a:t>31.05.2018</a:t>
             </a:fld>
             <a:endParaRPr lang="fr-CH"/>
           </a:p>
@@ -4704,31 +4704,41 @@
           </a:p>
         </p:txBody>
       </p:sp>
-      <p:sp>
-        <p:nvSpPr>
-          <p:cNvPr id="3" name="Espace réservé du contenu 2">
-            <a:extLst>
-              <a:ext uri="{FF2B5EF4-FFF2-40B4-BE49-F238E27FC236}">
-                <a16:creationId xmlns:a16="http://schemas.microsoft.com/office/drawing/2014/main" id="{65E296A9-BA45-4DD2-8079-C9D26E5017FB}"/>
-              </a:ext>
-            </a:extLst>
-          </p:cNvPr>
-          <p:cNvSpPr>
-            <a:spLocks noGrp="1"/>
-          </p:cNvSpPr>
+      <p:pic>
+        <p:nvPicPr>
+          <p:cNvPr id="8" name="Espace réservé du contenu 7">
+            <a:extLst>
+              <a:ext uri="{FF2B5EF4-FFF2-40B4-BE49-F238E27FC236}">
+                <a16:creationId xmlns:a16="http://schemas.microsoft.com/office/drawing/2014/main" id="{9234E466-4515-41C5-AC05-F2D76548A086}"/>
+              </a:ext>
+            </a:extLst>
+          </p:cNvPr>
+          <p:cNvPicPr>
+            <a:picLocks noGrp="1" noChangeAspect="1"/>
+          </p:cNvPicPr>
           <p:nvPr>
             <p:ph idx="1"/>
           </p:nvPr>
-        </p:nvSpPr>
-        <p:spPr/>
-        <p:txBody>
-          <a:bodyPr/>
-          <a:lstStyle/>
-          <a:p>
-            <a:endParaRPr lang="fr-CH"/>
-          </a:p>
-        </p:txBody>
-      </p:sp>
+        </p:nvPicPr>
+        <p:blipFill>
+          <a:blip r:embed="rId2">
+            <a:extLst>
+              <a:ext uri="{28A0092B-C50C-407E-A947-70E740481C1C}">
+                <a14:useLocalDpi xmlns:a14="http://schemas.microsoft.com/office/drawing/2010/main" val="0"/>
+              </a:ext>
+            </a:extLst>
+          </a:blip>
+          <a:stretch>
+            <a:fillRect/>
+          </a:stretch>
+        </p:blipFill>
+        <p:spPr>
+          <a:xfrm>
+            <a:off x="3246812" y="1846263"/>
+            <a:ext cx="5758701" cy="4022725"/>
+          </a:xfrm>
+        </p:spPr>
+      </p:pic>
       <p:sp>
         <p:nvSpPr>
           <p:cNvPr id="4" name="Espace réservé de la date 3">
@@ -5062,10 +5072,48 @@
         </p:nvSpPr>
         <p:spPr/>
         <p:txBody>
-          <a:bodyPr/>
-          <a:lstStyle/>
-          <a:p>
-            <a:endParaRPr lang="fr-CH"/>
+          <a:bodyPr>
+            <a:normAutofit/>
+          </a:bodyPr>
+          <a:lstStyle/>
+          <a:p>
+            <a:r>
+              <a:rPr lang="fr-FR" dirty="0"/>
+              <a:t>Récupérer les infos enregistrées par le GUI</a:t>
+            </a:r>
+          </a:p>
+          <a:p>
+            <a:r>
+              <a:rPr lang="fr-FR" dirty="0"/>
+              <a:t>Traitement et transfère à la partie réseau        </a:t>
+            </a:r>
+          </a:p>
+          <a:p>
+            <a:r>
+              <a:rPr lang="fr-FR" dirty="0"/>
+              <a:t>Récupération du résultat renvoyé par le serveur</a:t>
+            </a:r>
+          </a:p>
+          <a:p>
+            <a:r>
+              <a:rPr lang="fr-FR" dirty="0"/>
+              <a:t>Traitement et décision en fonction du type de requête utilisateur</a:t>
+            </a:r>
+          </a:p>
+          <a:p>
+            <a:pPr lvl="1"/>
+            <a:r>
+              <a:rPr lang="fr-FR" dirty="0"/>
+              <a:t>Transformations des infos pour la transmissions au GUI</a:t>
+            </a:r>
+          </a:p>
+          <a:p>
+            <a:pPr lvl="1"/>
+            <a:r>
+              <a:rPr lang="fr-FR" dirty="0"/>
+              <a:t>Création et ouverture d'un fichier contenant les résultats</a:t>
+            </a:r>
+            <a:endParaRPr lang="fr-CH" dirty="0"/>
           </a:p>
         </p:txBody>
       </p:sp>
@@ -5268,7 +5316,7 @@
             </a:pPr>
             <a:r>
               <a:rPr lang="fr-CH" dirty="0"/>
-              <a:t>Redimensionnement et coloration des plans</a:t>
+              <a:t>Affichage des plans</a:t>
             </a:r>
           </a:p>
           <a:p>
@@ -5283,15 +5331,7 @@
             </a:pPr>
             <a:r>
               <a:rPr lang="fr-CH" dirty="0"/>
-              <a:t>Modification de tous les </a:t>
-            </a:r>
-            <a:r>
-              <a:rPr lang="fr-CH" dirty="0" err="1"/>
-              <a:t>SVGs</a:t>
-            </a:r>
-            <a:r>
-              <a:rPr lang="fr-CH" dirty="0"/>
-              <a:t> pour les adapter au code</a:t>
+              <a:t>Traitement des fichier SVG</a:t>
             </a:r>
           </a:p>
           <a:p>
@@ -6245,7 +6285,7 @@
           <p:cNvPr id="2" name="Titre 1">
             <a:extLst>
               <a:ext uri="{FF2B5EF4-FFF2-40B4-BE49-F238E27FC236}">
-                <a16:creationId xmlns:a16="http://schemas.microsoft.com/office/drawing/2014/main" id="{09E308EE-42D5-47BB-B3A6-1C5DB77EC5E8}"/>
+                <a16:creationId xmlns:a16="http://schemas.microsoft.com/office/drawing/2014/main" id="{B2B8E4E9-E17E-45A2-962B-D22F495A8E98}"/>
               </a:ext>
             </a:extLst>
           </p:cNvPr>
@@ -6270,18 +6310,18 @@
       </p:sp>
       <p:sp>
         <p:nvSpPr>
-          <p:cNvPr id="3" name="Espace réservé du contenu 2">
-            <a:extLst>
-              <a:ext uri="{FF2B5EF4-FFF2-40B4-BE49-F238E27FC236}">
-                <a16:creationId xmlns:a16="http://schemas.microsoft.com/office/drawing/2014/main" id="{CD440005-2EF4-439C-B7DB-CAD81E4EF2C5}"/>
-              </a:ext>
-            </a:extLst>
-          </p:cNvPr>
-          <p:cNvSpPr>
-            <a:spLocks noGrp="1"/>
-          </p:cNvSpPr>
-          <p:nvPr>
-            <p:ph idx="1"/>
+          <p:cNvPr id="3" name="Espace réservé du texte 2">
+            <a:extLst>
+              <a:ext uri="{FF2B5EF4-FFF2-40B4-BE49-F238E27FC236}">
+                <a16:creationId xmlns:a16="http://schemas.microsoft.com/office/drawing/2014/main" id="{A4575B98-7929-4274-83B2-D7447CB49B40}"/>
+              </a:ext>
+            </a:extLst>
+          </p:cNvPr>
+          <p:cNvSpPr>
+            <a:spLocks noGrp="1"/>
+          </p:cNvSpPr>
+          <p:nvPr>
+            <p:ph type="body" idx="1"/>
           </p:nvPr>
         </p:nvSpPr>
         <p:spPr/>
@@ -6298,7 +6338,7 @@
           <p:cNvPr id="4" name="Espace réservé de la date 3">
             <a:extLst>
               <a:ext uri="{FF2B5EF4-FFF2-40B4-BE49-F238E27FC236}">
-                <a16:creationId xmlns:a16="http://schemas.microsoft.com/office/drawing/2014/main" id="{E9A39E78-7FC2-4EB9-AB32-343E93833686}"/>
+                <a16:creationId xmlns:a16="http://schemas.microsoft.com/office/drawing/2014/main" id="{34D1F7A2-8412-41E2-9C96-9A71ACFB2009}"/>
               </a:ext>
             </a:extLst>
           </p:cNvPr>
@@ -6326,7 +6366,7 @@
           <p:cNvPr id="5" name="Espace réservé du pied de page 4">
             <a:extLst>
               <a:ext uri="{FF2B5EF4-FFF2-40B4-BE49-F238E27FC236}">
-                <a16:creationId xmlns:a16="http://schemas.microsoft.com/office/drawing/2014/main" id="{F1F21B61-D281-4FD5-9CBF-AF154BC33D74}"/>
+                <a16:creationId xmlns:a16="http://schemas.microsoft.com/office/drawing/2014/main" id="{CA7FA3CB-2CEC-4507-B526-0D436CEFD053}"/>
               </a:ext>
             </a:extLst>
           </p:cNvPr>
@@ -6354,7 +6394,7 @@
           <p:cNvPr id="6" name="Espace réservé du numéro de diapositive 5">
             <a:extLst>
               <a:ext uri="{FF2B5EF4-FFF2-40B4-BE49-F238E27FC236}">
-                <a16:creationId xmlns:a16="http://schemas.microsoft.com/office/drawing/2014/main" id="{78443427-909F-4904-8C18-D1F027AA05E3}"/>
+                <a16:creationId xmlns:a16="http://schemas.microsoft.com/office/drawing/2014/main" id="{12AD4057-6EEB-42E7-8AE9-58ACD1F16443}"/>
               </a:ext>
             </a:extLst>
           </p:cNvPr>
@@ -6381,7 +6421,7 @@
     </p:spTree>
     <p:extLst>
       <p:ext uri="{BB962C8B-B14F-4D97-AF65-F5344CB8AC3E}">
-        <p14:creationId xmlns:p14="http://schemas.microsoft.com/office/powerpoint/2010/main" val="216764687"/>
+        <p14:creationId xmlns:p14="http://schemas.microsoft.com/office/powerpoint/2010/main" val="2800174220"/>
       </p:ext>
     </p:extLst>
   </p:cSld>
@@ -6413,7 +6453,7 @@
           <p:cNvPr id="2" name="Titre 1">
             <a:extLst>
               <a:ext uri="{FF2B5EF4-FFF2-40B4-BE49-F238E27FC236}">
-                <a16:creationId xmlns:a16="http://schemas.microsoft.com/office/drawing/2014/main" id="{D661229E-6C73-4583-82DE-0BB4F63010AD}"/>
+                <a16:creationId xmlns:a16="http://schemas.microsoft.com/office/drawing/2014/main" id="{9259A77F-E861-423A-9138-48E34F05B3AD}"/>
               </a:ext>
             </a:extLst>
           </p:cNvPr>
@@ -6438,18 +6478,18 @@
       </p:sp>
       <p:sp>
         <p:nvSpPr>
-          <p:cNvPr id="3" name="Espace réservé du contenu 2">
-            <a:extLst>
-              <a:ext uri="{FF2B5EF4-FFF2-40B4-BE49-F238E27FC236}">
-                <a16:creationId xmlns:a16="http://schemas.microsoft.com/office/drawing/2014/main" id="{D4A75198-DBAF-4B1C-A5D3-507B8180D3F0}"/>
-              </a:ext>
-            </a:extLst>
-          </p:cNvPr>
-          <p:cNvSpPr>
-            <a:spLocks noGrp="1"/>
-          </p:cNvSpPr>
-          <p:nvPr>
-            <p:ph idx="1"/>
+          <p:cNvPr id="3" name="Espace réservé du texte 2">
+            <a:extLst>
+              <a:ext uri="{FF2B5EF4-FFF2-40B4-BE49-F238E27FC236}">
+                <a16:creationId xmlns:a16="http://schemas.microsoft.com/office/drawing/2014/main" id="{3E88B9AD-5C8B-4D57-AD67-4E2A8F6A2006}"/>
+              </a:ext>
+            </a:extLst>
+          </p:cNvPr>
+          <p:cNvSpPr>
+            <a:spLocks noGrp="1"/>
+          </p:cNvSpPr>
+          <p:nvPr>
+            <p:ph type="body" idx="1"/>
           </p:nvPr>
         </p:nvSpPr>
         <p:spPr/>
@@ -6466,7 +6506,7 @@
           <p:cNvPr id="4" name="Espace réservé de la date 3">
             <a:extLst>
               <a:ext uri="{FF2B5EF4-FFF2-40B4-BE49-F238E27FC236}">
-                <a16:creationId xmlns:a16="http://schemas.microsoft.com/office/drawing/2014/main" id="{9C4B8AC9-15B4-46BC-A499-3FD30956427E}"/>
+                <a16:creationId xmlns:a16="http://schemas.microsoft.com/office/drawing/2014/main" id="{F23261DE-DEED-4CCB-987D-B3374193F18A}"/>
               </a:ext>
             </a:extLst>
           </p:cNvPr>
@@ -6494,7 +6534,7 @@
           <p:cNvPr id="5" name="Espace réservé du pied de page 4">
             <a:extLst>
               <a:ext uri="{FF2B5EF4-FFF2-40B4-BE49-F238E27FC236}">
-                <a16:creationId xmlns:a16="http://schemas.microsoft.com/office/drawing/2014/main" id="{CB0E7DA5-25A4-4C08-8BE5-E24B05DDFA8E}"/>
+                <a16:creationId xmlns:a16="http://schemas.microsoft.com/office/drawing/2014/main" id="{F25A12E6-CC9E-4029-8558-90C7C3EFD1EA}"/>
               </a:ext>
             </a:extLst>
           </p:cNvPr>
@@ -6522,7 +6562,7 @@
           <p:cNvPr id="6" name="Espace réservé du numéro de diapositive 5">
             <a:extLst>
               <a:ext uri="{FF2B5EF4-FFF2-40B4-BE49-F238E27FC236}">
-                <a16:creationId xmlns:a16="http://schemas.microsoft.com/office/drawing/2014/main" id="{E0EE6001-2B46-451E-B7B0-13FA4F126BB2}"/>
+                <a16:creationId xmlns:a16="http://schemas.microsoft.com/office/drawing/2014/main" id="{707D4720-4D9F-4502-9160-EEBB63555D08}"/>
               </a:ext>
             </a:extLst>
           </p:cNvPr>
@@ -6549,7 +6589,7 @@
     </p:spTree>
     <p:extLst>
       <p:ext uri="{BB962C8B-B14F-4D97-AF65-F5344CB8AC3E}">
-        <p14:creationId xmlns:p14="http://schemas.microsoft.com/office/powerpoint/2010/main" val="1476048586"/>
+        <p14:creationId xmlns:p14="http://schemas.microsoft.com/office/powerpoint/2010/main" val="253949738"/>
       </p:ext>
     </p:extLst>
   </p:cSld>
@@ -7626,7 +7666,7 @@
           <p:nvPr>
             <p:extLst>
               <p:ext uri="{D42A27DB-BD31-4B8C-83A1-F6EECF244321}">
-                <p14:modId xmlns:p14="http://schemas.microsoft.com/office/powerpoint/2010/main" val="1570740737"/>
+                <p14:modId xmlns:p14="http://schemas.microsoft.com/office/powerpoint/2010/main" val="203036042"/>
               </p:ext>
             </p:extLst>
           </p:nvPr>
@@ -7750,7 +7790,7 @@
                       <a:pPr algn="ctr"/>
                       <a:r>
                         <a:rPr lang="fr-CH" dirty="0"/>
-                        <a:t>Communication client - serveur</a:t>
+                        <a:t>Communication client – serveur</a:t>
                       </a:r>
                     </a:p>
                   </a:txBody>
@@ -7795,9 +7835,26 @@
                     <a:bodyPr/>
                     <a:lstStyle/>
                     <a:p>
+                      <a:pPr marL="0" marR="0" lvl="0" indent="0" algn="l" defTabSz="914400" rtl="0" eaLnBrk="1" fontAlgn="auto" latinLnBrk="0" hangingPunct="1">
+                        <a:lnSpc>
+                          <a:spcPct val="100000"/>
+                        </a:lnSpc>
+                        <a:spcBef>
+                          <a:spcPts val="0"/>
+                        </a:spcBef>
+                        <a:spcAft>
+                          <a:spcPts val="0"/>
+                        </a:spcAft>
+                        <a:buClrTx/>
+                        <a:buSzTx/>
+                        <a:buFontTx/>
+                        <a:buNone/>
+                        <a:tabLst/>
+                        <a:defRPr/>
+                      </a:pPr>
                       <a:r>
                         <a:rPr lang="fr-CH" dirty="0"/>
-                        <a:t>Aurélien Siu</a:t>
+                        <a:t>Labinot Rashiti</a:t>
                       </a:r>
                     </a:p>
                   </a:txBody>
@@ -7836,7 +7893,7 @@
                     <a:p>
                       <a:r>
                         <a:rPr lang="fr-CH" dirty="0"/>
-                        <a:t>Romain Gallay</a:t>
+                        <a:t>Yohann Meyer</a:t>
                       </a:r>
                     </a:p>
                   </a:txBody>
@@ -7849,7 +7906,7 @@
                     <a:p>
                       <a:r>
                         <a:rPr lang="fr-CH" dirty="0"/>
-                        <a:t>Romain Gallay</a:t>
+                        <a:t>Loïc Frueh</a:t>
                       </a:r>
                     </a:p>
                   </a:txBody>
@@ -7882,7 +7939,7 @@
                     <a:p>
                       <a:r>
                         <a:rPr lang="fr-CH" dirty="0"/>
-                        <a:t>Labinot Rashiti</a:t>
+                        <a:t>Aurélien Siu</a:t>
                       </a:r>
                     </a:p>
                   </a:txBody>
@@ -7918,7 +7975,7 @@
                     <a:p>
                       <a:r>
                         <a:rPr lang="fr-CH" dirty="0"/>
-                        <a:t>Yohann Meyer</a:t>
+                        <a:t>Romain Gallay</a:t>
                       </a:r>
                     </a:p>
                   </a:txBody>
@@ -7931,7 +7988,7 @@
                     <a:p>
                       <a:r>
                         <a:rPr lang="fr-CH" dirty="0"/>
-                        <a:t>Loïc Frueh</a:t>
+                        <a:t>Romain Gallay</a:t>
                       </a:r>
                     </a:p>
                   </a:txBody>
@@ -8099,15 +8156,7 @@
             <a:pPr lvl="1"/>
             <a:r>
               <a:rPr lang="fr-CH" dirty="0"/>
-              <a:t>Réunion quasi-</a:t>
-            </a:r>
-            <a:r>
-              <a:rPr lang="fr-CH" dirty="0" err="1"/>
-              <a:t>hébdomadaire</a:t>
-            </a:r>
-            <a:r>
-              <a:rPr lang="fr-CH" dirty="0"/>
-              <a:t> en plus du cours</a:t>
+              <a:t>Réunion quasi-hebdomadaire en plus du cours</a:t>
             </a:r>
           </a:p>
           <a:p>
@@ -8262,7 +8311,12 @@
             <p:ph type="title"/>
           </p:nvPr>
         </p:nvSpPr>
-        <p:spPr/>
+        <p:spPr>
+          <a:xfrm>
+            <a:off x="1097280" y="286603"/>
+            <a:ext cx="10220008" cy="1450757"/>
+          </a:xfrm>
+        </p:spPr>
         <p:txBody>
           <a:bodyPr/>
           <a:lstStyle/>
@@ -8290,14 +8344,14 @@
             <p:ph idx="1"/>
             <p:extLst>
               <p:ext uri="{D42A27DB-BD31-4B8C-83A1-F6EECF244321}">
-                <p14:modId xmlns:p14="http://schemas.microsoft.com/office/powerpoint/2010/main" val="1457100731"/>
+                <p14:modId xmlns:p14="http://schemas.microsoft.com/office/powerpoint/2010/main" val="1852600930"/>
               </p:ext>
             </p:extLst>
           </p:nvPr>
         </p:nvGraphicFramePr>
         <p:xfrm>
           <a:off x="1097280" y="2187178"/>
-          <a:ext cx="10058400" cy="370840"/>
+          <a:ext cx="10220008" cy="370840"/>
         </p:xfrm>
         <a:graphic>
           <a:graphicData uri="http://schemas.openxmlformats.org/drawingml/2006/table">
@@ -8306,14 +8360,14 @@
                 <a:tableStyleId>{5C22544A-7EE6-4342-B048-85BDC9FD1C3A}</a:tableStyleId>
               </a:tblPr>
               <a:tblGrid>
-                <a:gridCol w="5029200">
+                <a:gridCol w="5110004">
                   <a:extLst>
                     <a:ext uri="{9D8B030D-6E8A-4147-A177-3AD203B41FA5}">
                       <a16:colId xmlns:a16="http://schemas.microsoft.com/office/drawing/2014/main" val="1349658268"/>
                     </a:ext>
                   </a:extLst>
                 </a:gridCol>
-                <a:gridCol w="5029200">
+                <a:gridCol w="5110004">
                   <a:extLst>
                     <a:ext uri="{9D8B030D-6E8A-4147-A177-3AD203B41FA5}">
                       <a16:colId xmlns:a16="http://schemas.microsoft.com/office/drawing/2014/main" val="2376365"/>
@@ -8588,7 +8642,7 @@
             </a:pPr>
             <a:r>
               <a:rPr lang="fr-FR" dirty="0"/>
-              <a:t>Transformation PDF → SVG</a:t>
+              <a:t>Transformation       →</a:t>
             </a:r>
           </a:p>
           <a:p>
@@ -8614,7 +8668,7 @@
             </a:pPr>
             <a:r>
               <a:rPr lang="fr-FR" dirty="0"/>
-              <a:t>Modification dynamiques des plans</a:t>
+              <a:t>Modifications dynamique des plans</a:t>
             </a:r>
             <a:endParaRPr lang="fr-CH" dirty="0"/>
           </a:p>
@@ -8705,6 +8759,78 @@
           </a:p>
         </p:txBody>
       </p:sp>
+      <p:pic>
+        <p:nvPicPr>
+          <p:cNvPr id="8" name="Image 7">
+            <a:extLst>
+              <a:ext uri="{FF2B5EF4-FFF2-40B4-BE49-F238E27FC236}">
+                <a16:creationId xmlns:a16="http://schemas.microsoft.com/office/drawing/2014/main" id="{D93BB91E-F4F7-4D55-94E1-B8A0C9A3E962}"/>
+              </a:ext>
+            </a:extLst>
+          </p:cNvPr>
+          <p:cNvPicPr>
+            <a:picLocks noChangeAspect="1"/>
+          </p:cNvPicPr>
+          <p:nvPr/>
+        </p:nvPicPr>
+        <p:blipFill>
+          <a:blip r:embed="rId2">
+            <a:extLst>
+              <a:ext uri="{28A0092B-C50C-407E-A947-70E740481C1C}">
+                <a14:useLocalDpi xmlns:a14="http://schemas.microsoft.com/office/drawing/2010/main" val="0"/>
+              </a:ext>
+            </a:extLst>
+          </a:blip>
+          <a:stretch>
+            <a:fillRect/>
+          </a:stretch>
+        </p:blipFill>
+        <p:spPr>
+          <a:xfrm>
+            <a:off x="3569551" y="2651760"/>
+            <a:ext cx="432000" cy="432000"/>
+          </a:xfrm>
+          <a:prstGeom prst="rect">
+            <a:avLst/>
+          </a:prstGeom>
+        </p:spPr>
+      </p:pic>
+      <p:pic>
+        <p:nvPicPr>
+          <p:cNvPr id="10" name="Image 9">
+            <a:extLst>
+              <a:ext uri="{FF2B5EF4-FFF2-40B4-BE49-F238E27FC236}">
+                <a16:creationId xmlns:a16="http://schemas.microsoft.com/office/drawing/2014/main" id="{5C86A1E6-3877-4992-BEE3-85D8CB07C894}"/>
+              </a:ext>
+            </a:extLst>
+          </p:cNvPr>
+          <p:cNvPicPr>
+            <a:picLocks noChangeAspect="1"/>
+          </p:cNvPicPr>
+          <p:nvPr/>
+        </p:nvPicPr>
+        <p:blipFill>
+          <a:blip r:embed="rId3">
+            <a:extLst>
+              <a:ext uri="{28A0092B-C50C-407E-A947-70E740481C1C}">
+                <a14:useLocalDpi xmlns:a14="http://schemas.microsoft.com/office/drawing/2010/main" val="0"/>
+              </a:ext>
+            </a:extLst>
+          </a:blip>
+          <a:stretch>
+            <a:fillRect/>
+          </a:stretch>
+        </p:blipFill>
+        <p:spPr>
+          <a:xfrm>
+            <a:off x="4503420" y="2651760"/>
+            <a:ext cx="432000" cy="432000"/>
+          </a:xfrm>
+          <a:prstGeom prst="rect">
+            <a:avLst/>
+          </a:prstGeom>
+        </p:spPr>
+      </p:pic>
     </p:spTree>
     <p:extLst>
       <p:ext uri="{BB962C8B-B14F-4D97-AF65-F5344CB8AC3E}">
@@ -8784,7 +8910,19 @@
           <a:bodyPr/>
           <a:lstStyle/>
           <a:p>
+            <a:r>
+              <a:rPr lang="fr-CH" dirty="0"/>
+              <a:t>Fichier ICS de GAPS</a:t>
+            </a:r>
+          </a:p>
+          <a:p>
             <a:endParaRPr lang="fr-CH" dirty="0"/>
+          </a:p>
+          <a:p>
+            <a:r>
+              <a:rPr lang="fr-CH" dirty="0"/>
+              <a:t>Informations pour la base de données</a:t>
+            </a:r>
           </a:p>
         </p:txBody>
       </p:sp>

--- a/presentation/DaryllFinal.pptx
+++ b/presentation/DaryllFinal.pptx
@@ -26,9 +26,9 @@
     <p:sldId id="262" r:id="rId14"/>
     <p:sldId id="273" r:id="rId15"/>
     <p:sldId id="263" r:id="rId16"/>
-    <p:sldId id="276" r:id="rId17"/>
+    <p:sldId id="279" r:id="rId17"/>
     <p:sldId id="264" r:id="rId18"/>
-    <p:sldId id="279" r:id="rId19"/>
+    <p:sldId id="276" r:id="rId19"/>
     <p:sldId id="280" r:id="rId20"/>
   </p:sldIdLst>
   <p:sldSz cx="12192000" cy="6858000"/>
@@ -131,12 +131,12 @@
   <p:extLst>
     <p:ext uri="{EFAFB233-063F-42B5-8137-9DF3F51BA10A}">
       <p15:sldGuideLst xmlns:p15="http://schemas.microsoft.com/office/powerpoint/2012/main">
-        <p15:guide id="1" orient="horz" pos="2160" userDrawn="1">
+        <p15:guide id="1" orient="horz" pos="2137" userDrawn="1">
           <p15:clr>
             <a:srgbClr val="A4A3A4"/>
           </p15:clr>
         </p15:guide>
-        <p15:guide id="2" pos="7129" userDrawn="1">
+        <p15:guide id="2" pos="3840" userDrawn="1">
           <p15:clr>
             <a:srgbClr val="A4A3A4"/>
           </p15:clr>
@@ -690,6 +690,1518 @@
     </a:lvl9pPr>
   </p:notesStyle>
 </p:notesMaster>
+</file>
+
+<file path=ppt/notesSlides/notesSlide1.xml><?xml version="1.0" encoding="utf-8"?>
+<p:notes xmlns:a="http://schemas.openxmlformats.org/drawingml/2006/main" xmlns:r="http://schemas.openxmlformats.org/officeDocument/2006/relationships" xmlns:p="http://schemas.openxmlformats.org/presentationml/2006/main">
+  <p:cSld>
+    <p:spTree>
+      <p:nvGrpSpPr>
+        <p:cNvPr id="1" name=""/>
+        <p:cNvGrpSpPr/>
+        <p:nvPr/>
+      </p:nvGrpSpPr>
+      <p:grpSpPr>
+        <a:xfrm>
+          <a:off x="0" y="0"/>
+          <a:ext cx="0" cy="0"/>
+          <a:chOff x="0" y="0"/>
+          <a:chExt cx="0" cy="0"/>
+        </a:xfrm>
+      </p:grpSpPr>
+      <p:sp>
+        <p:nvSpPr>
+          <p:cNvPr id="2" name="Espace réservé de l'image des diapositives 1"/>
+          <p:cNvSpPr>
+            <a:spLocks noGrp="1" noRot="1" noChangeAspect="1"/>
+          </p:cNvSpPr>
+          <p:nvPr>
+            <p:ph type="sldImg"/>
+          </p:nvPr>
+        </p:nvSpPr>
+        <p:spPr/>
+      </p:sp>
+      <p:sp>
+        <p:nvSpPr>
+          <p:cNvPr id="3" name="Espace réservé des notes 2"/>
+          <p:cNvSpPr>
+            <a:spLocks noGrp="1"/>
+          </p:cNvSpPr>
+          <p:nvPr>
+            <p:ph type="body" idx="1"/>
+          </p:nvPr>
+        </p:nvSpPr>
+        <p:spPr/>
+        <p:txBody>
+          <a:bodyPr/>
+          <a:lstStyle/>
+          <a:p>
+            <a:endParaRPr lang="fr-CH" dirty="0"/>
+          </a:p>
+        </p:txBody>
+      </p:sp>
+      <p:sp>
+        <p:nvSpPr>
+          <p:cNvPr id="4" name="Espace réservé du numéro de diapositive 3"/>
+          <p:cNvSpPr>
+            <a:spLocks noGrp="1"/>
+          </p:cNvSpPr>
+          <p:nvPr>
+            <p:ph type="sldNum" sz="quarter" idx="10"/>
+          </p:nvPr>
+        </p:nvSpPr>
+        <p:spPr/>
+        <p:txBody>
+          <a:bodyPr/>
+          <a:lstStyle/>
+          <a:p>
+            <a:fld id="{3065D891-70D4-4D9A-B44B-CB5014DB94A4}" type="slidenum">
+              <a:rPr lang="fr-CH" smtClean="0"/>
+              <a:t>1</a:t>
+            </a:fld>
+            <a:endParaRPr lang="fr-CH"/>
+          </a:p>
+        </p:txBody>
+      </p:sp>
+    </p:spTree>
+    <p:extLst>
+      <p:ext uri="{BB962C8B-B14F-4D97-AF65-F5344CB8AC3E}">
+        <p14:creationId xmlns:p14="http://schemas.microsoft.com/office/powerpoint/2010/main" val="4061334584"/>
+      </p:ext>
+    </p:extLst>
+  </p:cSld>
+  <p:clrMapOvr>
+    <a:masterClrMapping/>
+  </p:clrMapOvr>
+</p:notes>
+</file>
+
+<file path=ppt/notesSlides/notesSlide10.xml><?xml version="1.0" encoding="utf-8"?>
+<p:notes xmlns:a="http://schemas.openxmlformats.org/drawingml/2006/main" xmlns:r="http://schemas.openxmlformats.org/officeDocument/2006/relationships" xmlns:p="http://schemas.openxmlformats.org/presentationml/2006/main">
+  <p:cSld>
+    <p:spTree>
+      <p:nvGrpSpPr>
+        <p:cNvPr id="1" name=""/>
+        <p:cNvGrpSpPr/>
+        <p:nvPr/>
+      </p:nvGrpSpPr>
+      <p:grpSpPr>
+        <a:xfrm>
+          <a:off x="0" y="0"/>
+          <a:ext cx="0" cy="0"/>
+          <a:chOff x="0" y="0"/>
+          <a:chExt cx="0" cy="0"/>
+        </a:xfrm>
+      </p:grpSpPr>
+      <p:sp>
+        <p:nvSpPr>
+          <p:cNvPr id="2" name="Espace réservé de l'image des diapositives 1"/>
+          <p:cNvSpPr>
+            <a:spLocks noGrp="1" noRot="1" noChangeAspect="1"/>
+          </p:cNvSpPr>
+          <p:nvPr>
+            <p:ph type="sldImg"/>
+          </p:nvPr>
+        </p:nvSpPr>
+        <p:spPr/>
+      </p:sp>
+      <p:sp>
+        <p:nvSpPr>
+          <p:cNvPr id="3" name="Espace réservé des notes 2"/>
+          <p:cNvSpPr>
+            <a:spLocks noGrp="1"/>
+          </p:cNvSpPr>
+          <p:nvPr>
+            <p:ph type="body" idx="1"/>
+          </p:nvPr>
+        </p:nvSpPr>
+        <p:spPr/>
+        <p:txBody>
+          <a:bodyPr/>
+          <a:lstStyle/>
+          <a:p>
+            <a:endParaRPr lang="fr-CH" dirty="0"/>
+          </a:p>
+        </p:txBody>
+      </p:sp>
+      <p:sp>
+        <p:nvSpPr>
+          <p:cNvPr id="4" name="Espace réservé du numéro de diapositive 3"/>
+          <p:cNvSpPr>
+            <a:spLocks noGrp="1"/>
+          </p:cNvSpPr>
+          <p:nvPr>
+            <p:ph type="sldNum" sz="quarter" idx="10"/>
+          </p:nvPr>
+        </p:nvSpPr>
+        <p:spPr/>
+        <p:txBody>
+          <a:bodyPr/>
+          <a:lstStyle/>
+          <a:p>
+            <a:fld id="{3065D891-70D4-4D9A-B44B-CB5014DB94A4}" type="slidenum">
+              <a:rPr lang="fr-CH" smtClean="0"/>
+              <a:t>10</a:t>
+            </a:fld>
+            <a:endParaRPr lang="fr-CH"/>
+          </a:p>
+        </p:txBody>
+      </p:sp>
+    </p:spTree>
+    <p:extLst>
+      <p:ext uri="{BB962C8B-B14F-4D97-AF65-F5344CB8AC3E}">
+        <p14:creationId xmlns:p14="http://schemas.microsoft.com/office/powerpoint/2010/main" val="4229758959"/>
+      </p:ext>
+    </p:extLst>
+  </p:cSld>
+  <p:clrMapOvr>
+    <a:masterClrMapping/>
+  </p:clrMapOvr>
+</p:notes>
+</file>
+
+<file path=ppt/notesSlides/notesSlide11.xml><?xml version="1.0" encoding="utf-8"?>
+<p:notes xmlns:a="http://schemas.openxmlformats.org/drawingml/2006/main" xmlns:r="http://schemas.openxmlformats.org/officeDocument/2006/relationships" xmlns:p="http://schemas.openxmlformats.org/presentationml/2006/main">
+  <p:cSld>
+    <p:spTree>
+      <p:nvGrpSpPr>
+        <p:cNvPr id="1" name=""/>
+        <p:cNvGrpSpPr/>
+        <p:nvPr/>
+      </p:nvGrpSpPr>
+      <p:grpSpPr>
+        <a:xfrm>
+          <a:off x="0" y="0"/>
+          <a:ext cx="0" cy="0"/>
+          <a:chOff x="0" y="0"/>
+          <a:chExt cx="0" cy="0"/>
+        </a:xfrm>
+      </p:grpSpPr>
+      <p:sp>
+        <p:nvSpPr>
+          <p:cNvPr id="2" name="Espace réservé de l'image des diapositives 1"/>
+          <p:cNvSpPr>
+            <a:spLocks noGrp="1" noRot="1" noChangeAspect="1"/>
+          </p:cNvSpPr>
+          <p:nvPr>
+            <p:ph type="sldImg"/>
+          </p:nvPr>
+        </p:nvSpPr>
+        <p:spPr/>
+      </p:sp>
+      <p:sp>
+        <p:nvSpPr>
+          <p:cNvPr id="3" name="Espace réservé des notes 2"/>
+          <p:cNvSpPr>
+            <a:spLocks noGrp="1"/>
+          </p:cNvSpPr>
+          <p:nvPr>
+            <p:ph type="body" idx="1"/>
+          </p:nvPr>
+        </p:nvSpPr>
+        <p:spPr/>
+        <p:txBody>
+          <a:bodyPr/>
+          <a:lstStyle/>
+          <a:p>
+            <a:endParaRPr lang="fr-CH" dirty="0"/>
+          </a:p>
+        </p:txBody>
+      </p:sp>
+      <p:sp>
+        <p:nvSpPr>
+          <p:cNvPr id="4" name="Espace réservé du numéro de diapositive 3"/>
+          <p:cNvSpPr>
+            <a:spLocks noGrp="1"/>
+          </p:cNvSpPr>
+          <p:nvPr>
+            <p:ph type="sldNum" sz="quarter" idx="10"/>
+          </p:nvPr>
+        </p:nvSpPr>
+        <p:spPr/>
+        <p:txBody>
+          <a:bodyPr/>
+          <a:lstStyle/>
+          <a:p>
+            <a:fld id="{3065D891-70D4-4D9A-B44B-CB5014DB94A4}" type="slidenum">
+              <a:rPr lang="fr-CH" smtClean="0"/>
+              <a:t>11</a:t>
+            </a:fld>
+            <a:endParaRPr lang="fr-CH"/>
+          </a:p>
+        </p:txBody>
+      </p:sp>
+    </p:spTree>
+    <p:extLst>
+      <p:ext uri="{BB962C8B-B14F-4D97-AF65-F5344CB8AC3E}">
+        <p14:creationId xmlns:p14="http://schemas.microsoft.com/office/powerpoint/2010/main" val="535148264"/>
+      </p:ext>
+    </p:extLst>
+  </p:cSld>
+  <p:clrMapOvr>
+    <a:masterClrMapping/>
+  </p:clrMapOvr>
+</p:notes>
+</file>
+
+<file path=ppt/notesSlides/notesSlide12.xml><?xml version="1.0" encoding="utf-8"?>
+<p:notes xmlns:a="http://schemas.openxmlformats.org/drawingml/2006/main" xmlns:r="http://schemas.openxmlformats.org/officeDocument/2006/relationships" xmlns:p="http://schemas.openxmlformats.org/presentationml/2006/main">
+  <p:cSld>
+    <p:spTree>
+      <p:nvGrpSpPr>
+        <p:cNvPr id="1" name=""/>
+        <p:cNvGrpSpPr/>
+        <p:nvPr/>
+      </p:nvGrpSpPr>
+      <p:grpSpPr>
+        <a:xfrm>
+          <a:off x="0" y="0"/>
+          <a:ext cx="0" cy="0"/>
+          <a:chOff x="0" y="0"/>
+          <a:chExt cx="0" cy="0"/>
+        </a:xfrm>
+      </p:grpSpPr>
+      <p:sp>
+        <p:nvSpPr>
+          <p:cNvPr id="2" name="Espace réservé de l'image des diapositives 1"/>
+          <p:cNvSpPr>
+            <a:spLocks noGrp="1" noRot="1" noChangeAspect="1"/>
+          </p:cNvSpPr>
+          <p:nvPr>
+            <p:ph type="sldImg"/>
+          </p:nvPr>
+        </p:nvSpPr>
+        <p:spPr/>
+      </p:sp>
+      <p:sp>
+        <p:nvSpPr>
+          <p:cNvPr id="3" name="Espace réservé des notes 2"/>
+          <p:cNvSpPr>
+            <a:spLocks noGrp="1"/>
+          </p:cNvSpPr>
+          <p:nvPr>
+            <p:ph type="body" idx="1"/>
+          </p:nvPr>
+        </p:nvSpPr>
+        <p:spPr/>
+        <p:txBody>
+          <a:bodyPr/>
+          <a:lstStyle/>
+          <a:p>
+            <a:endParaRPr lang="fr-CH" dirty="0"/>
+          </a:p>
+        </p:txBody>
+      </p:sp>
+      <p:sp>
+        <p:nvSpPr>
+          <p:cNvPr id="4" name="Espace réservé du numéro de diapositive 3"/>
+          <p:cNvSpPr>
+            <a:spLocks noGrp="1"/>
+          </p:cNvSpPr>
+          <p:nvPr>
+            <p:ph type="sldNum" sz="quarter" idx="10"/>
+          </p:nvPr>
+        </p:nvSpPr>
+        <p:spPr/>
+        <p:txBody>
+          <a:bodyPr/>
+          <a:lstStyle/>
+          <a:p>
+            <a:fld id="{3065D891-70D4-4D9A-B44B-CB5014DB94A4}" type="slidenum">
+              <a:rPr lang="fr-CH" smtClean="0"/>
+              <a:t>12</a:t>
+            </a:fld>
+            <a:endParaRPr lang="fr-CH"/>
+          </a:p>
+        </p:txBody>
+      </p:sp>
+    </p:spTree>
+    <p:extLst>
+      <p:ext uri="{BB962C8B-B14F-4D97-AF65-F5344CB8AC3E}">
+        <p14:creationId xmlns:p14="http://schemas.microsoft.com/office/powerpoint/2010/main" val="1028601230"/>
+      </p:ext>
+    </p:extLst>
+  </p:cSld>
+  <p:clrMapOvr>
+    <a:masterClrMapping/>
+  </p:clrMapOvr>
+</p:notes>
+</file>
+
+<file path=ppt/notesSlides/notesSlide13.xml><?xml version="1.0" encoding="utf-8"?>
+<p:notes xmlns:a="http://schemas.openxmlformats.org/drawingml/2006/main" xmlns:r="http://schemas.openxmlformats.org/officeDocument/2006/relationships" xmlns:p="http://schemas.openxmlformats.org/presentationml/2006/main">
+  <p:cSld>
+    <p:spTree>
+      <p:nvGrpSpPr>
+        <p:cNvPr id="1" name=""/>
+        <p:cNvGrpSpPr/>
+        <p:nvPr/>
+      </p:nvGrpSpPr>
+      <p:grpSpPr>
+        <a:xfrm>
+          <a:off x="0" y="0"/>
+          <a:ext cx="0" cy="0"/>
+          <a:chOff x="0" y="0"/>
+          <a:chExt cx="0" cy="0"/>
+        </a:xfrm>
+      </p:grpSpPr>
+      <p:sp>
+        <p:nvSpPr>
+          <p:cNvPr id="2" name="Espace réservé de l'image des diapositives 1"/>
+          <p:cNvSpPr>
+            <a:spLocks noGrp="1" noRot="1" noChangeAspect="1"/>
+          </p:cNvSpPr>
+          <p:nvPr>
+            <p:ph type="sldImg"/>
+          </p:nvPr>
+        </p:nvSpPr>
+        <p:spPr/>
+      </p:sp>
+      <p:sp>
+        <p:nvSpPr>
+          <p:cNvPr id="3" name="Espace réservé des notes 2"/>
+          <p:cNvSpPr>
+            <a:spLocks noGrp="1"/>
+          </p:cNvSpPr>
+          <p:nvPr>
+            <p:ph type="body" idx="1"/>
+          </p:nvPr>
+        </p:nvSpPr>
+        <p:spPr/>
+        <p:txBody>
+          <a:bodyPr/>
+          <a:lstStyle/>
+          <a:p>
+            <a:endParaRPr lang="fr-CH" dirty="0"/>
+          </a:p>
+        </p:txBody>
+      </p:sp>
+      <p:sp>
+        <p:nvSpPr>
+          <p:cNvPr id="4" name="Espace réservé du numéro de diapositive 3"/>
+          <p:cNvSpPr>
+            <a:spLocks noGrp="1"/>
+          </p:cNvSpPr>
+          <p:nvPr>
+            <p:ph type="sldNum" sz="quarter" idx="10"/>
+          </p:nvPr>
+        </p:nvSpPr>
+        <p:spPr/>
+        <p:txBody>
+          <a:bodyPr/>
+          <a:lstStyle/>
+          <a:p>
+            <a:fld id="{3065D891-70D4-4D9A-B44B-CB5014DB94A4}" type="slidenum">
+              <a:rPr lang="fr-CH" smtClean="0"/>
+              <a:t>13</a:t>
+            </a:fld>
+            <a:endParaRPr lang="fr-CH"/>
+          </a:p>
+        </p:txBody>
+      </p:sp>
+    </p:spTree>
+    <p:extLst>
+      <p:ext uri="{BB962C8B-B14F-4D97-AF65-F5344CB8AC3E}">
+        <p14:creationId xmlns:p14="http://schemas.microsoft.com/office/powerpoint/2010/main" val="2437523731"/>
+      </p:ext>
+    </p:extLst>
+  </p:cSld>
+  <p:clrMapOvr>
+    <a:masterClrMapping/>
+  </p:clrMapOvr>
+</p:notes>
+</file>
+
+<file path=ppt/notesSlides/notesSlide14.xml><?xml version="1.0" encoding="utf-8"?>
+<p:notes xmlns:a="http://schemas.openxmlformats.org/drawingml/2006/main" xmlns:r="http://schemas.openxmlformats.org/officeDocument/2006/relationships" xmlns:p="http://schemas.openxmlformats.org/presentationml/2006/main">
+  <p:cSld>
+    <p:spTree>
+      <p:nvGrpSpPr>
+        <p:cNvPr id="1" name=""/>
+        <p:cNvGrpSpPr/>
+        <p:nvPr/>
+      </p:nvGrpSpPr>
+      <p:grpSpPr>
+        <a:xfrm>
+          <a:off x="0" y="0"/>
+          <a:ext cx="0" cy="0"/>
+          <a:chOff x="0" y="0"/>
+          <a:chExt cx="0" cy="0"/>
+        </a:xfrm>
+      </p:grpSpPr>
+      <p:sp>
+        <p:nvSpPr>
+          <p:cNvPr id="2" name="Espace réservé de l'image des diapositives 1"/>
+          <p:cNvSpPr>
+            <a:spLocks noGrp="1" noRot="1" noChangeAspect="1"/>
+          </p:cNvSpPr>
+          <p:nvPr>
+            <p:ph type="sldImg"/>
+          </p:nvPr>
+        </p:nvSpPr>
+        <p:spPr/>
+      </p:sp>
+      <p:sp>
+        <p:nvSpPr>
+          <p:cNvPr id="3" name="Espace réservé des notes 2"/>
+          <p:cNvSpPr>
+            <a:spLocks noGrp="1"/>
+          </p:cNvSpPr>
+          <p:nvPr>
+            <p:ph type="body" idx="1"/>
+          </p:nvPr>
+        </p:nvSpPr>
+        <p:spPr/>
+        <p:txBody>
+          <a:bodyPr/>
+          <a:lstStyle/>
+          <a:p>
+            <a:endParaRPr lang="fr-CH" dirty="0"/>
+          </a:p>
+        </p:txBody>
+      </p:sp>
+      <p:sp>
+        <p:nvSpPr>
+          <p:cNvPr id="4" name="Espace réservé du numéro de diapositive 3"/>
+          <p:cNvSpPr>
+            <a:spLocks noGrp="1"/>
+          </p:cNvSpPr>
+          <p:nvPr>
+            <p:ph type="sldNum" sz="quarter" idx="10"/>
+          </p:nvPr>
+        </p:nvSpPr>
+        <p:spPr/>
+        <p:txBody>
+          <a:bodyPr/>
+          <a:lstStyle/>
+          <a:p>
+            <a:fld id="{3065D891-70D4-4D9A-B44B-CB5014DB94A4}" type="slidenum">
+              <a:rPr lang="fr-CH" smtClean="0"/>
+              <a:t>14</a:t>
+            </a:fld>
+            <a:endParaRPr lang="fr-CH"/>
+          </a:p>
+        </p:txBody>
+      </p:sp>
+    </p:spTree>
+    <p:extLst>
+      <p:ext uri="{BB962C8B-B14F-4D97-AF65-F5344CB8AC3E}">
+        <p14:creationId xmlns:p14="http://schemas.microsoft.com/office/powerpoint/2010/main" val="1062082113"/>
+      </p:ext>
+    </p:extLst>
+  </p:cSld>
+  <p:clrMapOvr>
+    <a:masterClrMapping/>
+  </p:clrMapOvr>
+</p:notes>
+</file>
+
+<file path=ppt/notesSlides/notesSlide15.xml><?xml version="1.0" encoding="utf-8"?>
+<p:notes xmlns:a="http://schemas.openxmlformats.org/drawingml/2006/main" xmlns:r="http://schemas.openxmlformats.org/officeDocument/2006/relationships" xmlns:p="http://schemas.openxmlformats.org/presentationml/2006/main">
+  <p:cSld>
+    <p:spTree>
+      <p:nvGrpSpPr>
+        <p:cNvPr id="1" name=""/>
+        <p:cNvGrpSpPr/>
+        <p:nvPr/>
+      </p:nvGrpSpPr>
+      <p:grpSpPr>
+        <a:xfrm>
+          <a:off x="0" y="0"/>
+          <a:ext cx="0" cy="0"/>
+          <a:chOff x="0" y="0"/>
+          <a:chExt cx="0" cy="0"/>
+        </a:xfrm>
+      </p:grpSpPr>
+      <p:sp>
+        <p:nvSpPr>
+          <p:cNvPr id="2" name="Espace réservé de l'image des diapositives 1"/>
+          <p:cNvSpPr>
+            <a:spLocks noGrp="1" noRot="1" noChangeAspect="1"/>
+          </p:cNvSpPr>
+          <p:nvPr>
+            <p:ph type="sldImg"/>
+          </p:nvPr>
+        </p:nvSpPr>
+        <p:spPr/>
+      </p:sp>
+      <p:sp>
+        <p:nvSpPr>
+          <p:cNvPr id="3" name="Espace réservé des notes 2"/>
+          <p:cNvSpPr>
+            <a:spLocks noGrp="1"/>
+          </p:cNvSpPr>
+          <p:nvPr>
+            <p:ph type="body" idx="1"/>
+          </p:nvPr>
+        </p:nvSpPr>
+        <p:spPr/>
+        <p:txBody>
+          <a:bodyPr/>
+          <a:lstStyle/>
+          <a:p>
+            <a:endParaRPr lang="fr-CH" dirty="0"/>
+          </a:p>
+        </p:txBody>
+      </p:sp>
+      <p:sp>
+        <p:nvSpPr>
+          <p:cNvPr id="4" name="Espace réservé du numéro de diapositive 3"/>
+          <p:cNvSpPr>
+            <a:spLocks noGrp="1"/>
+          </p:cNvSpPr>
+          <p:nvPr>
+            <p:ph type="sldNum" sz="quarter" idx="10"/>
+          </p:nvPr>
+        </p:nvSpPr>
+        <p:spPr/>
+        <p:txBody>
+          <a:bodyPr/>
+          <a:lstStyle/>
+          <a:p>
+            <a:fld id="{3065D891-70D4-4D9A-B44B-CB5014DB94A4}" type="slidenum">
+              <a:rPr lang="fr-CH" smtClean="0"/>
+              <a:t>15</a:t>
+            </a:fld>
+            <a:endParaRPr lang="fr-CH"/>
+          </a:p>
+        </p:txBody>
+      </p:sp>
+    </p:spTree>
+    <p:extLst>
+      <p:ext uri="{BB962C8B-B14F-4D97-AF65-F5344CB8AC3E}">
+        <p14:creationId xmlns:p14="http://schemas.microsoft.com/office/powerpoint/2010/main" val="4153499293"/>
+      </p:ext>
+    </p:extLst>
+  </p:cSld>
+  <p:clrMapOvr>
+    <a:masterClrMapping/>
+  </p:clrMapOvr>
+</p:notes>
+</file>
+
+<file path=ppt/notesSlides/notesSlide16.xml><?xml version="1.0" encoding="utf-8"?>
+<p:notes xmlns:a="http://schemas.openxmlformats.org/drawingml/2006/main" xmlns:r="http://schemas.openxmlformats.org/officeDocument/2006/relationships" xmlns:p="http://schemas.openxmlformats.org/presentationml/2006/main">
+  <p:cSld>
+    <p:spTree>
+      <p:nvGrpSpPr>
+        <p:cNvPr id="1" name=""/>
+        <p:cNvGrpSpPr/>
+        <p:nvPr/>
+      </p:nvGrpSpPr>
+      <p:grpSpPr>
+        <a:xfrm>
+          <a:off x="0" y="0"/>
+          <a:ext cx="0" cy="0"/>
+          <a:chOff x="0" y="0"/>
+          <a:chExt cx="0" cy="0"/>
+        </a:xfrm>
+      </p:grpSpPr>
+      <p:sp>
+        <p:nvSpPr>
+          <p:cNvPr id="2" name="Espace réservé de l'image des diapositives 1"/>
+          <p:cNvSpPr>
+            <a:spLocks noGrp="1" noRot="1" noChangeAspect="1"/>
+          </p:cNvSpPr>
+          <p:nvPr>
+            <p:ph type="sldImg"/>
+          </p:nvPr>
+        </p:nvSpPr>
+        <p:spPr/>
+      </p:sp>
+      <p:sp>
+        <p:nvSpPr>
+          <p:cNvPr id="3" name="Espace réservé des notes 2"/>
+          <p:cNvSpPr>
+            <a:spLocks noGrp="1"/>
+          </p:cNvSpPr>
+          <p:nvPr>
+            <p:ph type="body" idx="1"/>
+          </p:nvPr>
+        </p:nvSpPr>
+        <p:spPr/>
+        <p:txBody>
+          <a:bodyPr/>
+          <a:lstStyle/>
+          <a:p>
+            <a:endParaRPr lang="fr-CH" dirty="0"/>
+          </a:p>
+        </p:txBody>
+      </p:sp>
+      <p:sp>
+        <p:nvSpPr>
+          <p:cNvPr id="4" name="Espace réservé du numéro de diapositive 3"/>
+          <p:cNvSpPr>
+            <a:spLocks noGrp="1"/>
+          </p:cNvSpPr>
+          <p:nvPr>
+            <p:ph type="sldNum" sz="quarter" idx="10"/>
+          </p:nvPr>
+        </p:nvSpPr>
+        <p:spPr/>
+        <p:txBody>
+          <a:bodyPr/>
+          <a:lstStyle/>
+          <a:p>
+            <a:fld id="{3065D891-70D4-4D9A-B44B-CB5014DB94A4}" type="slidenum">
+              <a:rPr lang="fr-CH" smtClean="0"/>
+              <a:t>16</a:t>
+            </a:fld>
+            <a:endParaRPr lang="fr-CH"/>
+          </a:p>
+        </p:txBody>
+      </p:sp>
+    </p:spTree>
+    <p:extLst>
+      <p:ext uri="{BB962C8B-B14F-4D97-AF65-F5344CB8AC3E}">
+        <p14:creationId xmlns:p14="http://schemas.microsoft.com/office/powerpoint/2010/main" val="1290861015"/>
+      </p:ext>
+    </p:extLst>
+  </p:cSld>
+  <p:clrMapOvr>
+    <a:masterClrMapping/>
+  </p:clrMapOvr>
+</p:notes>
+</file>
+
+<file path=ppt/notesSlides/notesSlide17.xml><?xml version="1.0" encoding="utf-8"?>
+<p:notes xmlns:a="http://schemas.openxmlformats.org/drawingml/2006/main" xmlns:r="http://schemas.openxmlformats.org/officeDocument/2006/relationships" xmlns:p="http://schemas.openxmlformats.org/presentationml/2006/main">
+  <p:cSld>
+    <p:spTree>
+      <p:nvGrpSpPr>
+        <p:cNvPr id="1" name=""/>
+        <p:cNvGrpSpPr/>
+        <p:nvPr/>
+      </p:nvGrpSpPr>
+      <p:grpSpPr>
+        <a:xfrm>
+          <a:off x="0" y="0"/>
+          <a:ext cx="0" cy="0"/>
+          <a:chOff x="0" y="0"/>
+          <a:chExt cx="0" cy="0"/>
+        </a:xfrm>
+      </p:grpSpPr>
+      <p:sp>
+        <p:nvSpPr>
+          <p:cNvPr id="2" name="Espace réservé de l'image des diapositives 1"/>
+          <p:cNvSpPr>
+            <a:spLocks noGrp="1" noRot="1" noChangeAspect="1"/>
+          </p:cNvSpPr>
+          <p:nvPr>
+            <p:ph type="sldImg"/>
+          </p:nvPr>
+        </p:nvSpPr>
+        <p:spPr/>
+      </p:sp>
+      <p:sp>
+        <p:nvSpPr>
+          <p:cNvPr id="3" name="Espace réservé des notes 2"/>
+          <p:cNvSpPr>
+            <a:spLocks noGrp="1"/>
+          </p:cNvSpPr>
+          <p:nvPr>
+            <p:ph type="body" idx="1"/>
+          </p:nvPr>
+        </p:nvSpPr>
+        <p:spPr/>
+        <p:txBody>
+          <a:bodyPr/>
+          <a:lstStyle/>
+          <a:p>
+            <a:endParaRPr lang="fr-CH" dirty="0"/>
+          </a:p>
+        </p:txBody>
+      </p:sp>
+      <p:sp>
+        <p:nvSpPr>
+          <p:cNvPr id="4" name="Espace réservé du numéro de diapositive 3"/>
+          <p:cNvSpPr>
+            <a:spLocks noGrp="1"/>
+          </p:cNvSpPr>
+          <p:nvPr>
+            <p:ph type="sldNum" sz="quarter" idx="10"/>
+          </p:nvPr>
+        </p:nvSpPr>
+        <p:spPr/>
+        <p:txBody>
+          <a:bodyPr/>
+          <a:lstStyle/>
+          <a:p>
+            <a:fld id="{3065D891-70D4-4D9A-B44B-CB5014DB94A4}" type="slidenum">
+              <a:rPr lang="fr-CH" smtClean="0"/>
+              <a:t>17</a:t>
+            </a:fld>
+            <a:endParaRPr lang="fr-CH"/>
+          </a:p>
+        </p:txBody>
+      </p:sp>
+    </p:spTree>
+    <p:extLst>
+      <p:ext uri="{BB962C8B-B14F-4D97-AF65-F5344CB8AC3E}">
+        <p14:creationId xmlns:p14="http://schemas.microsoft.com/office/powerpoint/2010/main" val="117430594"/>
+      </p:ext>
+    </p:extLst>
+  </p:cSld>
+  <p:clrMapOvr>
+    <a:masterClrMapping/>
+  </p:clrMapOvr>
+</p:notes>
+</file>
+
+<file path=ppt/notesSlides/notesSlide18.xml><?xml version="1.0" encoding="utf-8"?>
+<p:notes xmlns:a="http://schemas.openxmlformats.org/drawingml/2006/main" xmlns:r="http://schemas.openxmlformats.org/officeDocument/2006/relationships" xmlns:p="http://schemas.openxmlformats.org/presentationml/2006/main">
+  <p:cSld>
+    <p:spTree>
+      <p:nvGrpSpPr>
+        <p:cNvPr id="1" name=""/>
+        <p:cNvGrpSpPr/>
+        <p:nvPr/>
+      </p:nvGrpSpPr>
+      <p:grpSpPr>
+        <a:xfrm>
+          <a:off x="0" y="0"/>
+          <a:ext cx="0" cy="0"/>
+          <a:chOff x="0" y="0"/>
+          <a:chExt cx="0" cy="0"/>
+        </a:xfrm>
+      </p:grpSpPr>
+      <p:sp>
+        <p:nvSpPr>
+          <p:cNvPr id="2" name="Espace réservé de l'image des diapositives 1"/>
+          <p:cNvSpPr>
+            <a:spLocks noGrp="1" noRot="1" noChangeAspect="1"/>
+          </p:cNvSpPr>
+          <p:nvPr>
+            <p:ph type="sldImg"/>
+          </p:nvPr>
+        </p:nvSpPr>
+        <p:spPr/>
+      </p:sp>
+      <p:sp>
+        <p:nvSpPr>
+          <p:cNvPr id="3" name="Espace réservé des notes 2"/>
+          <p:cNvSpPr>
+            <a:spLocks noGrp="1"/>
+          </p:cNvSpPr>
+          <p:nvPr>
+            <p:ph type="body" idx="1"/>
+          </p:nvPr>
+        </p:nvSpPr>
+        <p:spPr/>
+        <p:txBody>
+          <a:bodyPr/>
+          <a:lstStyle/>
+          <a:p>
+            <a:endParaRPr lang="fr-CH" dirty="0"/>
+          </a:p>
+        </p:txBody>
+      </p:sp>
+      <p:sp>
+        <p:nvSpPr>
+          <p:cNvPr id="4" name="Espace réservé du numéro de diapositive 3"/>
+          <p:cNvSpPr>
+            <a:spLocks noGrp="1"/>
+          </p:cNvSpPr>
+          <p:nvPr>
+            <p:ph type="sldNum" sz="quarter" idx="10"/>
+          </p:nvPr>
+        </p:nvSpPr>
+        <p:spPr/>
+        <p:txBody>
+          <a:bodyPr/>
+          <a:lstStyle/>
+          <a:p>
+            <a:fld id="{3065D891-70D4-4D9A-B44B-CB5014DB94A4}" type="slidenum">
+              <a:rPr lang="fr-CH" smtClean="0"/>
+              <a:t>18</a:t>
+            </a:fld>
+            <a:endParaRPr lang="fr-CH"/>
+          </a:p>
+        </p:txBody>
+      </p:sp>
+    </p:spTree>
+    <p:extLst>
+      <p:ext uri="{BB962C8B-B14F-4D97-AF65-F5344CB8AC3E}">
+        <p14:creationId xmlns:p14="http://schemas.microsoft.com/office/powerpoint/2010/main" val="4079630825"/>
+      </p:ext>
+    </p:extLst>
+  </p:cSld>
+  <p:clrMapOvr>
+    <a:masterClrMapping/>
+  </p:clrMapOvr>
+</p:notes>
+</file>
+
+<file path=ppt/notesSlides/notesSlide2.xml><?xml version="1.0" encoding="utf-8"?>
+<p:notes xmlns:a="http://schemas.openxmlformats.org/drawingml/2006/main" xmlns:r="http://schemas.openxmlformats.org/officeDocument/2006/relationships" xmlns:p="http://schemas.openxmlformats.org/presentationml/2006/main">
+  <p:cSld>
+    <p:spTree>
+      <p:nvGrpSpPr>
+        <p:cNvPr id="1" name=""/>
+        <p:cNvGrpSpPr/>
+        <p:nvPr/>
+      </p:nvGrpSpPr>
+      <p:grpSpPr>
+        <a:xfrm>
+          <a:off x="0" y="0"/>
+          <a:ext cx="0" cy="0"/>
+          <a:chOff x="0" y="0"/>
+          <a:chExt cx="0" cy="0"/>
+        </a:xfrm>
+      </p:grpSpPr>
+      <p:sp>
+        <p:nvSpPr>
+          <p:cNvPr id="2" name="Espace réservé de l'image des diapositives 1"/>
+          <p:cNvSpPr>
+            <a:spLocks noGrp="1" noRot="1" noChangeAspect="1"/>
+          </p:cNvSpPr>
+          <p:nvPr>
+            <p:ph type="sldImg"/>
+          </p:nvPr>
+        </p:nvSpPr>
+        <p:spPr/>
+      </p:sp>
+      <p:sp>
+        <p:nvSpPr>
+          <p:cNvPr id="3" name="Espace réservé des notes 2"/>
+          <p:cNvSpPr>
+            <a:spLocks noGrp="1"/>
+          </p:cNvSpPr>
+          <p:nvPr>
+            <p:ph type="body" idx="1"/>
+          </p:nvPr>
+        </p:nvSpPr>
+        <p:spPr/>
+        <p:txBody>
+          <a:bodyPr/>
+          <a:lstStyle/>
+          <a:p>
+            <a:endParaRPr lang="fr-CH" dirty="0"/>
+          </a:p>
+        </p:txBody>
+      </p:sp>
+      <p:sp>
+        <p:nvSpPr>
+          <p:cNvPr id="4" name="Espace réservé du numéro de diapositive 3"/>
+          <p:cNvSpPr>
+            <a:spLocks noGrp="1"/>
+          </p:cNvSpPr>
+          <p:nvPr>
+            <p:ph type="sldNum" sz="quarter" idx="10"/>
+          </p:nvPr>
+        </p:nvSpPr>
+        <p:spPr/>
+        <p:txBody>
+          <a:bodyPr/>
+          <a:lstStyle/>
+          <a:p>
+            <a:fld id="{3065D891-70D4-4D9A-B44B-CB5014DB94A4}" type="slidenum">
+              <a:rPr lang="fr-CH" smtClean="0"/>
+              <a:t>2</a:t>
+            </a:fld>
+            <a:endParaRPr lang="fr-CH"/>
+          </a:p>
+        </p:txBody>
+      </p:sp>
+    </p:spTree>
+    <p:extLst>
+      <p:ext uri="{BB962C8B-B14F-4D97-AF65-F5344CB8AC3E}">
+        <p14:creationId xmlns:p14="http://schemas.microsoft.com/office/powerpoint/2010/main" val="2989399105"/>
+      </p:ext>
+    </p:extLst>
+  </p:cSld>
+  <p:clrMapOvr>
+    <a:masterClrMapping/>
+  </p:clrMapOvr>
+</p:notes>
+</file>
+
+<file path=ppt/notesSlides/notesSlide3.xml><?xml version="1.0" encoding="utf-8"?>
+<p:notes xmlns:a="http://schemas.openxmlformats.org/drawingml/2006/main" xmlns:r="http://schemas.openxmlformats.org/officeDocument/2006/relationships" xmlns:p="http://schemas.openxmlformats.org/presentationml/2006/main">
+  <p:cSld>
+    <p:spTree>
+      <p:nvGrpSpPr>
+        <p:cNvPr id="1" name=""/>
+        <p:cNvGrpSpPr/>
+        <p:nvPr/>
+      </p:nvGrpSpPr>
+      <p:grpSpPr>
+        <a:xfrm>
+          <a:off x="0" y="0"/>
+          <a:ext cx="0" cy="0"/>
+          <a:chOff x="0" y="0"/>
+          <a:chExt cx="0" cy="0"/>
+        </a:xfrm>
+      </p:grpSpPr>
+      <p:sp>
+        <p:nvSpPr>
+          <p:cNvPr id="2" name="Espace réservé de l'image des diapositives 1"/>
+          <p:cNvSpPr>
+            <a:spLocks noGrp="1" noRot="1" noChangeAspect="1"/>
+          </p:cNvSpPr>
+          <p:nvPr>
+            <p:ph type="sldImg"/>
+          </p:nvPr>
+        </p:nvSpPr>
+        <p:spPr/>
+      </p:sp>
+      <p:sp>
+        <p:nvSpPr>
+          <p:cNvPr id="3" name="Espace réservé des notes 2"/>
+          <p:cNvSpPr>
+            <a:spLocks noGrp="1"/>
+          </p:cNvSpPr>
+          <p:nvPr>
+            <p:ph type="body" idx="1"/>
+          </p:nvPr>
+        </p:nvSpPr>
+        <p:spPr/>
+        <p:txBody>
+          <a:bodyPr/>
+          <a:lstStyle/>
+          <a:p>
+            <a:endParaRPr lang="fr-CH" dirty="0"/>
+          </a:p>
+        </p:txBody>
+      </p:sp>
+      <p:sp>
+        <p:nvSpPr>
+          <p:cNvPr id="4" name="Espace réservé du numéro de diapositive 3"/>
+          <p:cNvSpPr>
+            <a:spLocks noGrp="1"/>
+          </p:cNvSpPr>
+          <p:nvPr>
+            <p:ph type="sldNum" sz="quarter" idx="10"/>
+          </p:nvPr>
+        </p:nvSpPr>
+        <p:spPr/>
+        <p:txBody>
+          <a:bodyPr/>
+          <a:lstStyle/>
+          <a:p>
+            <a:fld id="{3065D891-70D4-4D9A-B44B-CB5014DB94A4}" type="slidenum">
+              <a:rPr lang="fr-CH" smtClean="0"/>
+              <a:t>3</a:t>
+            </a:fld>
+            <a:endParaRPr lang="fr-CH"/>
+          </a:p>
+        </p:txBody>
+      </p:sp>
+    </p:spTree>
+    <p:extLst>
+      <p:ext uri="{BB962C8B-B14F-4D97-AF65-F5344CB8AC3E}">
+        <p14:creationId xmlns:p14="http://schemas.microsoft.com/office/powerpoint/2010/main" val="2797008819"/>
+      </p:ext>
+    </p:extLst>
+  </p:cSld>
+  <p:clrMapOvr>
+    <a:masterClrMapping/>
+  </p:clrMapOvr>
+</p:notes>
+</file>
+
+<file path=ppt/notesSlides/notesSlide4.xml><?xml version="1.0" encoding="utf-8"?>
+<p:notes xmlns:a="http://schemas.openxmlformats.org/drawingml/2006/main" xmlns:r="http://schemas.openxmlformats.org/officeDocument/2006/relationships" xmlns:p="http://schemas.openxmlformats.org/presentationml/2006/main">
+  <p:cSld>
+    <p:spTree>
+      <p:nvGrpSpPr>
+        <p:cNvPr id="1" name=""/>
+        <p:cNvGrpSpPr/>
+        <p:nvPr/>
+      </p:nvGrpSpPr>
+      <p:grpSpPr>
+        <a:xfrm>
+          <a:off x="0" y="0"/>
+          <a:ext cx="0" cy="0"/>
+          <a:chOff x="0" y="0"/>
+          <a:chExt cx="0" cy="0"/>
+        </a:xfrm>
+      </p:grpSpPr>
+      <p:sp>
+        <p:nvSpPr>
+          <p:cNvPr id="2" name="Espace réservé de l'image des diapositives 1"/>
+          <p:cNvSpPr>
+            <a:spLocks noGrp="1" noRot="1" noChangeAspect="1"/>
+          </p:cNvSpPr>
+          <p:nvPr>
+            <p:ph type="sldImg"/>
+          </p:nvPr>
+        </p:nvSpPr>
+        <p:spPr/>
+      </p:sp>
+      <p:sp>
+        <p:nvSpPr>
+          <p:cNvPr id="3" name="Espace réservé des notes 2"/>
+          <p:cNvSpPr>
+            <a:spLocks noGrp="1"/>
+          </p:cNvSpPr>
+          <p:nvPr>
+            <p:ph type="body" idx="1"/>
+          </p:nvPr>
+        </p:nvSpPr>
+        <p:spPr/>
+        <p:txBody>
+          <a:bodyPr/>
+          <a:lstStyle/>
+          <a:p>
+            <a:endParaRPr lang="fr-CH" dirty="0"/>
+          </a:p>
+        </p:txBody>
+      </p:sp>
+      <p:sp>
+        <p:nvSpPr>
+          <p:cNvPr id="4" name="Espace réservé du numéro de diapositive 3"/>
+          <p:cNvSpPr>
+            <a:spLocks noGrp="1"/>
+          </p:cNvSpPr>
+          <p:nvPr>
+            <p:ph type="sldNum" sz="quarter" idx="10"/>
+          </p:nvPr>
+        </p:nvSpPr>
+        <p:spPr/>
+        <p:txBody>
+          <a:bodyPr/>
+          <a:lstStyle/>
+          <a:p>
+            <a:fld id="{3065D891-70D4-4D9A-B44B-CB5014DB94A4}" type="slidenum">
+              <a:rPr lang="fr-CH" smtClean="0"/>
+              <a:t>4</a:t>
+            </a:fld>
+            <a:endParaRPr lang="fr-CH"/>
+          </a:p>
+        </p:txBody>
+      </p:sp>
+    </p:spTree>
+    <p:extLst>
+      <p:ext uri="{BB962C8B-B14F-4D97-AF65-F5344CB8AC3E}">
+        <p14:creationId xmlns:p14="http://schemas.microsoft.com/office/powerpoint/2010/main" val="3922836803"/>
+      </p:ext>
+    </p:extLst>
+  </p:cSld>
+  <p:clrMapOvr>
+    <a:masterClrMapping/>
+  </p:clrMapOvr>
+</p:notes>
+</file>
+
+<file path=ppt/notesSlides/notesSlide5.xml><?xml version="1.0" encoding="utf-8"?>
+<p:notes xmlns:a="http://schemas.openxmlformats.org/drawingml/2006/main" xmlns:r="http://schemas.openxmlformats.org/officeDocument/2006/relationships" xmlns:p="http://schemas.openxmlformats.org/presentationml/2006/main">
+  <p:cSld>
+    <p:spTree>
+      <p:nvGrpSpPr>
+        <p:cNvPr id="1" name=""/>
+        <p:cNvGrpSpPr/>
+        <p:nvPr/>
+      </p:nvGrpSpPr>
+      <p:grpSpPr>
+        <a:xfrm>
+          <a:off x="0" y="0"/>
+          <a:ext cx="0" cy="0"/>
+          <a:chOff x="0" y="0"/>
+          <a:chExt cx="0" cy="0"/>
+        </a:xfrm>
+      </p:grpSpPr>
+      <p:sp>
+        <p:nvSpPr>
+          <p:cNvPr id="2" name="Espace réservé de l'image des diapositives 1"/>
+          <p:cNvSpPr>
+            <a:spLocks noGrp="1" noRot="1" noChangeAspect="1"/>
+          </p:cNvSpPr>
+          <p:nvPr>
+            <p:ph type="sldImg"/>
+          </p:nvPr>
+        </p:nvSpPr>
+        <p:spPr/>
+      </p:sp>
+      <p:sp>
+        <p:nvSpPr>
+          <p:cNvPr id="3" name="Espace réservé des notes 2"/>
+          <p:cNvSpPr>
+            <a:spLocks noGrp="1"/>
+          </p:cNvSpPr>
+          <p:nvPr>
+            <p:ph type="body" idx="1"/>
+          </p:nvPr>
+        </p:nvSpPr>
+        <p:spPr/>
+        <p:txBody>
+          <a:bodyPr/>
+          <a:lstStyle/>
+          <a:p>
+            <a:endParaRPr lang="fr-CH" dirty="0"/>
+          </a:p>
+        </p:txBody>
+      </p:sp>
+      <p:sp>
+        <p:nvSpPr>
+          <p:cNvPr id="4" name="Espace réservé du numéro de diapositive 3"/>
+          <p:cNvSpPr>
+            <a:spLocks noGrp="1"/>
+          </p:cNvSpPr>
+          <p:nvPr>
+            <p:ph type="sldNum" sz="quarter" idx="10"/>
+          </p:nvPr>
+        </p:nvSpPr>
+        <p:spPr/>
+        <p:txBody>
+          <a:bodyPr/>
+          <a:lstStyle/>
+          <a:p>
+            <a:fld id="{3065D891-70D4-4D9A-B44B-CB5014DB94A4}" type="slidenum">
+              <a:rPr lang="fr-CH" smtClean="0"/>
+              <a:t>5</a:t>
+            </a:fld>
+            <a:endParaRPr lang="fr-CH"/>
+          </a:p>
+        </p:txBody>
+      </p:sp>
+    </p:spTree>
+    <p:extLst>
+      <p:ext uri="{BB962C8B-B14F-4D97-AF65-F5344CB8AC3E}">
+        <p14:creationId xmlns:p14="http://schemas.microsoft.com/office/powerpoint/2010/main" val="437494214"/>
+      </p:ext>
+    </p:extLst>
+  </p:cSld>
+  <p:clrMapOvr>
+    <a:masterClrMapping/>
+  </p:clrMapOvr>
+</p:notes>
+</file>
+
+<file path=ppt/notesSlides/notesSlide6.xml><?xml version="1.0" encoding="utf-8"?>
+<p:notes xmlns:a="http://schemas.openxmlformats.org/drawingml/2006/main" xmlns:r="http://schemas.openxmlformats.org/officeDocument/2006/relationships" xmlns:p="http://schemas.openxmlformats.org/presentationml/2006/main">
+  <p:cSld>
+    <p:spTree>
+      <p:nvGrpSpPr>
+        <p:cNvPr id="1" name=""/>
+        <p:cNvGrpSpPr/>
+        <p:nvPr/>
+      </p:nvGrpSpPr>
+      <p:grpSpPr>
+        <a:xfrm>
+          <a:off x="0" y="0"/>
+          <a:ext cx="0" cy="0"/>
+          <a:chOff x="0" y="0"/>
+          <a:chExt cx="0" cy="0"/>
+        </a:xfrm>
+      </p:grpSpPr>
+      <p:sp>
+        <p:nvSpPr>
+          <p:cNvPr id="2" name="Espace réservé de l'image des diapositives 1"/>
+          <p:cNvSpPr>
+            <a:spLocks noGrp="1" noRot="1" noChangeAspect="1"/>
+          </p:cNvSpPr>
+          <p:nvPr>
+            <p:ph type="sldImg"/>
+          </p:nvPr>
+        </p:nvSpPr>
+        <p:spPr/>
+      </p:sp>
+      <p:sp>
+        <p:nvSpPr>
+          <p:cNvPr id="3" name="Espace réservé des notes 2"/>
+          <p:cNvSpPr>
+            <a:spLocks noGrp="1"/>
+          </p:cNvSpPr>
+          <p:nvPr>
+            <p:ph type="body" idx="1"/>
+          </p:nvPr>
+        </p:nvSpPr>
+        <p:spPr/>
+        <p:txBody>
+          <a:bodyPr/>
+          <a:lstStyle/>
+          <a:p>
+            <a:endParaRPr lang="fr-CH" dirty="0"/>
+          </a:p>
+        </p:txBody>
+      </p:sp>
+      <p:sp>
+        <p:nvSpPr>
+          <p:cNvPr id="4" name="Espace réservé du numéro de diapositive 3"/>
+          <p:cNvSpPr>
+            <a:spLocks noGrp="1"/>
+          </p:cNvSpPr>
+          <p:nvPr>
+            <p:ph type="sldNum" sz="quarter" idx="10"/>
+          </p:nvPr>
+        </p:nvSpPr>
+        <p:spPr/>
+        <p:txBody>
+          <a:bodyPr/>
+          <a:lstStyle/>
+          <a:p>
+            <a:fld id="{3065D891-70D4-4D9A-B44B-CB5014DB94A4}" type="slidenum">
+              <a:rPr lang="fr-CH" smtClean="0"/>
+              <a:t>6</a:t>
+            </a:fld>
+            <a:endParaRPr lang="fr-CH"/>
+          </a:p>
+        </p:txBody>
+      </p:sp>
+    </p:spTree>
+    <p:extLst>
+      <p:ext uri="{BB962C8B-B14F-4D97-AF65-F5344CB8AC3E}">
+        <p14:creationId xmlns:p14="http://schemas.microsoft.com/office/powerpoint/2010/main" val="174386726"/>
+      </p:ext>
+    </p:extLst>
+  </p:cSld>
+  <p:clrMapOvr>
+    <a:masterClrMapping/>
+  </p:clrMapOvr>
+</p:notes>
+</file>
+
+<file path=ppt/notesSlides/notesSlide7.xml><?xml version="1.0" encoding="utf-8"?>
+<p:notes xmlns:a="http://schemas.openxmlformats.org/drawingml/2006/main" xmlns:r="http://schemas.openxmlformats.org/officeDocument/2006/relationships" xmlns:p="http://schemas.openxmlformats.org/presentationml/2006/main">
+  <p:cSld>
+    <p:spTree>
+      <p:nvGrpSpPr>
+        <p:cNvPr id="1" name=""/>
+        <p:cNvGrpSpPr/>
+        <p:nvPr/>
+      </p:nvGrpSpPr>
+      <p:grpSpPr>
+        <a:xfrm>
+          <a:off x="0" y="0"/>
+          <a:ext cx="0" cy="0"/>
+          <a:chOff x="0" y="0"/>
+          <a:chExt cx="0" cy="0"/>
+        </a:xfrm>
+      </p:grpSpPr>
+      <p:sp>
+        <p:nvSpPr>
+          <p:cNvPr id="2" name="Espace réservé de l'image des diapositives 1"/>
+          <p:cNvSpPr>
+            <a:spLocks noGrp="1" noRot="1" noChangeAspect="1"/>
+          </p:cNvSpPr>
+          <p:nvPr>
+            <p:ph type="sldImg"/>
+          </p:nvPr>
+        </p:nvSpPr>
+        <p:spPr/>
+      </p:sp>
+      <p:sp>
+        <p:nvSpPr>
+          <p:cNvPr id="3" name="Espace réservé des notes 2"/>
+          <p:cNvSpPr>
+            <a:spLocks noGrp="1"/>
+          </p:cNvSpPr>
+          <p:nvPr>
+            <p:ph type="body" idx="1"/>
+          </p:nvPr>
+        </p:nvSpPr>
+        <p:spPr/>
+        <p:txBody>
+          <a:bodyPr/>
+          <a:lstStyle/>
+          <a:p>
+            <a:endParaRPr lang="fr-CH" dirty="0"/>
+          </a:p>
+        </p:txBody>
+      </p:sp>
+      <p:sp>
+        <p:nvSpPr>
+          <p:cNvPr id="4" name="Espace réservé du numéro de diapositive 3"/>
+          <p:cNvSpPr>
+            <a:spLocks noGrp="1"/>
+          </p:cNvSpPr>
+          <p:nvPr>
+            <p:ph type="sldNum" sz="quarter" idx="10"/>
+          </p:nvPr>
+        </p:nvSpPr>
+        <p:spPr/>
+        <p:txBody>
+          <a:bodyPr/>
+          <a:lstStyle/>
+          <a:p>
+            <a:fld id="{3065D891-70D4-4D9A-B44B-CB5014DB94A4}" type="slidenum">
+              <a:rPr lang="fr-CH" smtClean="0"/>
+              <a:t>7</a:t>
+            </a:fld>
+            <a:endParaRPr lang="fr-CH"/>
+          </a:p>
+        </p:txBody>
+      </p:sp>
+    </p:spTree>
+    <p:extLst>
+      <p:ext uri="{BB962C8B-B14F-4D97-AF65-F5344CB8AC3E}">
+        <p14:creationId xmlns:p14="http://schemas.microsoft.com/office/powerpoint/2010/main" val="3903274277"/>
+      </p:ext>
+    </p:extLst>
+  </p:cSld>
+  <p:clrMapOvr>
+    <a:masterClrMapping/>
+  </p:clrMapOvr>
+</p:notes>
+</file>
+
+<file path=ppt/notesSlides/notesSlide8.xml><?xml version="1.0" encoding="utf-8"?>
+<p:notes xmlns:a="http://schemas.openxmlformats.org/drawingml/2006/main" xmlns:r="http://schemas.openxmlformats.org/officeDocument/2006/relationships" xmlns:p="http://schemas.openxmlformats.org/presentationml/2006/main">
+  <p:cSld>
+    <p:spTree>
+      <p:nvGrpSpPr>
+        <p:cNvPr id="1" name=""/>
+        <p:cNvGrpSpPr/>
+        <p:nvPr/>
+      </p:nvGrpSpPr>
+      <p:grpSpPr>
+        <a:xfrm>
+          <a:off x="0" y="0"/>
+          <a:ext cx="0" cy="0"/>
+          <a:chOff x="0" y="0"/>
+          <a:chExt cx="0" cy="0"/>
+        </a:xfrm>
+      </p:grpSpPr>
+      <p:sp>
+        <p:nvSpPr>
+          <p:cNvPr id="2" name="Espace réservé de l'image des diapositives 1"/>
+          <p:cNvSpPr>
+            <a:spLocks noGrp="1" noRot="1" noChangeAspect="1"/>
+          </p:cNvSpPr>
+          <p:nvPr>
+            <p:ph type="sldImg"/>
+          </p:nvPr>
+        </p:nvSpPr>
+        <p:spPr/>
+      </p:sp>
+      <p:sp>
+        <p:nvSpPr>
+          <p:cNvPr id="3" name="Espace réservé des notes 2"/>
+          <p:cNvSpPr>
+            <a:spLocks noGrp="1"/>
+          </p:cNvSpPr>
+          <p:nvPr>
+            <p:ph type="body" idx="1"/>
+          </p:nvPr>
+        </p:nvSpPr>
+        <p:spPr/>
+        <p:txBody>
+          <a:bodyPr/>
+          <a:lstStyle/>
+          <a:p>
+            <a:endParaRPr lang="fr-CH" dirty="0"/>
+          </a:p>
+        </p:txBody>
+      </p:sp>
+      <p:sp>
+        <p:nvSpPr>
+          <p:cNvPr id="4" name="Espace réservé du numéro de diapositive 3"/>
+          <p:cNvSpPr>
+            <a:spLocks noGrp="1"/>
+          </p:cNvSpPr>
+          <p:nvPr>
+            <p:ph type="sldNum" sz="quarter" idx="10"/>
+          </p:nvPr>
+        </p:nvSpPr>
+        <p:spPr/>
+        <p:txBody>
+          <a:bodyPr/>
+          <a:lstStyle/>
+          <a:p>
+            <a:fld id="{3065D891-70D4-4D9A-B44B-CB5014DB94A4}" type="slidenum">
+              <a:rPr lang="fr-CH" smtClean="0"/>
+              <a:t>8</a:t>
+            </a:fld>
+            <a:endParaRPr lang="fr-CH"/>
+          </a:p>
+        </p:txBody>
+      </p:sp>
+    </p:spTree>
+    <p:extLst>
+      <p:ext uri="{BB962C8B-B14F-4D97-AF65-F5344CB8AC3E}">
+        <p14:creationId xmlns:p14="http://schemas.microsoft.com/office/powerpoint/2010/main" val="1561954802"/>
+      </p:ext>
+    </p:extLst>
+  </p:cSld>
+  <p:clrMapOvr>
+    <a:masterClrMapping/>
+  </p:clrMapOvr>
+</p:notes>
+</file>
+
+<file path=ppt/notesSlides/notesSlide9.xml><?xml version="1.0" encoding="utf-8"?>
+<p:notes xmlns:a="http://schemas.openxmlformats.org/drawingml/2006/main" xmlns:r="http://schemas.openxmlformats.org/officeDocument/2006/relationships" xmlns:p="http://schemas.openxmlformats.org/presentationml/2006/main">
+  <p:cSld>
+    <p:spTree>
+      <p:nvGrpSpPr>
+        <p:cNvPr id="1" name=""/>
+        <p:cNvGrpSpPr/>
+        <p:nvPr/>
+      </p:nvGrpSpPr>
+      <p:grpSpPr>
+        <a:xfrm>
+          <a:off x="0" y="0"/>
+          <a:ext cx="0" cy="0"/>
+          <a:chOff x="0" y="0"/>
+          <a:chExt cx="0" cy="0"/>
+        </a:xfrm>
+      </p:grpSpPr>
+      <p:sp>
+        <p:nvSpPr>
+          <p:cNvPr id="2" name="Espace réservé de l'image des diapositives 1"/>
+          <p:cNvSpPr>
+            <a:spLocks noGrp="1" noRot="1" noChangeAspect="1"/>
+          </p:cNvSpPr>
+          <p:nvPr>
+            <p:ph type="sldImg"/>
+          </p:nvPr>
+        </p:nvSpPr>
+        <p:spPr/>
+      </p:sp>
+      <p:sp>
+        <p:nvSpPr>
+          <p:cNvPr id="3" name="Espace réservé des notes 2"/>
+          <p:cNvSpPr>
+            <a:spLocks noGrp="1"/>
+          </p:cNvSpPr>
+          <p:nvPr>
+            <p:ph type="body" idx="1"/>
+          </p:nvPr>
+        </p:nvSpPr>
+        <p:spPr/>
+        <p:txBody>
+          <a:bodyPr/>
+          <a:lstStyle/>
+          <a:p>
+            <a:endParaRPr lang="fr-CH" dirty="0"/>
+          </a:p>
+        </p:txBody>
+      </p:sp>
+      <p:sp>
+        <p:nvSpPr>
+          <p:cNvPr id="4" name="Espace réservé du numéro de diapositive 3"/>
+          <p:cNvSpPr>
+            <a:spLocks noGrp="1"/>
+          </p:cNvSpPr>
+          <p:nvPr>
+            <p:ph type="sldNum" sz="quarter" idx="10"/>
+          </p:nvPr>
+        </p:nvSpPr>
+        <p:spPr/>
+        <p:txBody>
+          <a:bodyPr/>
+          <a:lstStyle/>
+          <a:p>
+            <a:fld id="{3065D891-70D4-4D9A-B44B-CB5014DB94A4}" type="slidenum">
+              <a:rPr lang="fr-CH" smtClean="0"/>
+              <a:t>9</a:t>
+            </a:fld>
+            <a:endParaRPr lang="fr-CH"/>
+          </a:p>
+        </p:txBody>
+      </p:sp>
+    </p:spTree>
+    <p:extLst>
+      <p:ext uri="{BB962C8B-B14F-4D97-AF65-F5344CB8AC3E}">
+        <p14:creationId xmlns:p14="http://schemas.microsoft.com/office/powerpoint/2010/main" val="183741276"/>
+      </p:ext>
+    </p:extLst>
+  </p:cSld>
+  <p:clrMapOvr>
+    <a:masterClrMapping/>
+  </p:clrMapOvr>
+</p:notes>
 </file>
 
 <file path=ppt/slideLayouts/slideLayout1.xml><?xml version="1.0" encoding="utf-8"?>
@@ -4567,7 +6079,7 @@
           <p:nvPr/>
         </p:nvPicPr>
         <p:blipFill>
-          <a:blip r:embed="rId2">
+          <a:blip r:embed="rId3">
             <a:extLst>
               <a:ext uri="{28A0092B-C50C-407E-A947-70E740481C1C}">
                 <a14:useLocalDpi xmlns:a14="http://schemas.microsoft.com/office/drawing/2010/main" val="0"/>
@@ -4614,7 +6126,7 @@
           <p:nvPr/>
         </p:nvPicPr>
         <p:blipFill>
-          <a:blip r:embed="rId3">
+          <a:blip r:embed="rId4">
             <a:extLst>
               <a:ext uri="{28A0092B-C50C-407E-A947-70E740481C1C}">
                 <a14:useLocalDpi xmlns:a14="http://schemas.microsoft.com/office/drawing/2010/main" val="0"/>
@@ -4721,7 +6233,7 @@
           </p:nvPr>
         </p:nvPicPr>
         <p:blipFill>
-          <a:blip r:embed="rId2">
+          <a:blip r:embed="rId3">
             <a:extLst>
               <a:ext uri="{28A0092B-C50C-407E-A947-70E740481C1C}">
                 <a14:useLocalDpi xmlns:a14="http://schemas.microsoft.com/office/drawing/2010/main" val="0"/>
@@ -4905,7 +6417,56 @@
           <a:bodyPr/>
           <a:lstStyle/>
           <a:p>
+            <a:r>
+              <a:rPr lang="fr-CH" dirty="0"/>
+              <a:t> Protocole </a:t>
+            </a:r>
+          </a:p>
+          <a:p>
+            <a:pPr lvl="1"/>
+            <a:r>
+              <a:rPr lang="fr-CH" dirty="0" err="1"/>
+              <a:t>Stateless</a:t>
+            </a:r>
             <a:endParaRPr lang="fr-CH" dirty="0"/>
+          </a:p>
+          <a:p>
+            <a:pPr lvl="1"/>
+            <a:r>
+              <a:rPr lang="fr-CH" dirty="0"/>
+              <a:t>TCP</a:t>
+            </a:r>
+          </a:p>
+          <a:p>
+            <a:r>
+              <a:rPr lang="fr-CH" dirty="0"/>
+              <a:t> </a:t>
+            </a:r>
+            <a:r>
+              <a:rPr lang="fr-CH" dirty="0" err="1"/>
+              <a:t>Serialisation</a:t>
+            </a:r>
+            <a:endParaRPr lang="fr-CH" dirty="0"/>
+          </a:p>
+          <a:p>
+            <a:pPr lvl="1"/>
+            <a:r>
+              <a:rPr lang="fr-CH" dirty="0"/>
+              <a:t>JSON</a:t>
+            </a:r>
+          </a:p>
+          <a:p>
+            <a:r>
+              <a:rPr lang="fr-CH" dirty="0"/>
+              <a:t>Serveur multi-connexions</a:t>
+            </a:r>
+          </a:p>
+          <a:p>
+            <a:pPr lvl="1"/>
+            <a:r>
+              <a:rPr lang="fr-CH" dirty="0"/>
+              <a:t>Threading par client</a:t>
+            </a:r>
           </a:p>
         </p:txBody>
       </p:sp>
@@ -5024,6 +6585,40 @@
           <a:chExt cx="0" cy="0"/>
         </a:xfrm>
       </p:grpSpPr>
+      <p:pic>
+        <p:nvPicPr>
+          <p:cNvPr id="16" name="Espace réservé du contenu 15" descr="Dessin1 - Visio Professionnel">
+            <a:extLst>
+              <a:ext uri="{FF2B5EF4-FFF2-40B4-BE49-F238E27FC236}">
+                <a16:creationId xmlns:a16="http://schemas.microsoft.com/office/drawing/2014/main" id="{DF023AA4-A147-452D-A841-C3783ECF3EC1}"/>
+              </a:ext>
+            </a:extLst>
+          </p:cNvPr>
+          <p:cNvPicPr>
+            <a:picLocks noGrp="1" noChangeAspect="1"/>
+          </p:cNvPicPr>
+          <p:nvPr>
+            <p:ph idx="1"/>
+          </p:nvPr>
+        </p:nvPicPr>
+        <p:blipFill rotWithShape="1">
+          <a:blip r:embed="rId3">
+            <a:extLst>
+              <a:ext uri="{28A0092B-C50C-407E-A947-70E740481C1C}">
+                <a14:useLocalDpi xmlns:a14="http://schemas.microsoft.com/office/drawing/2010/main" val="0"/>
+              </a:ext>
+            </a:extLst>
+          </a:blip>
+          <a:srcRect l="19992" t="24428" r="10908" b="12588"/>
+          <a:stretch/>
+        </p:blipFill>
+        <p:spPr>
+          <a:xfrm>
+            <a:off x="2159070" y="2001150"/>
+            <a:ext cx="7741388" cy="3885300"/>
+          </a:xfrm>
+        </p:spPr>
+      </p:pic>
       <p:sp>
         <p:nvSpPr>
           <p:cNvPr id="2" name="Titre 1">
@@ -5056,69 +6651,6 @@
       </p:sp>
       <p:sp>
         <p:nvSpPr>
-          <p:cNvPr id="3" name="Espace réservé du contenu 2">
-            <a:extLst>
-              <a:ext uri="{FF2B5EF4-FFF2-40B4-BE49-F238E27FC236}">
-                <a16:creationId xmlns:a16="http://schemas.microsoft.com/office/drawing/2014/main" id="{2E5C1508-2033-410E-BF12-FECDC8769D81}"/>
-              </a:ext>
-            </a:extLst>
-          </p:cNvPr>
-          <p:cNvSpPr>
-            <a:spLocks noGrp="1"/>
-          </p:cNvSpPr>
-          <p:nvPr>
-            <p:ph idx="1"/>
-          </p:nvPr>
-        </p:nvSpPr>
-        <p:spPr/>
-        <p:txBody>
-          <a:bodyPr>
-            <a:normAutofit/>
-          </a:bodyPr>
-          <a:lstStyle/>
-          <a:p>
-            <a:r>
-              <a:rPr lang="fr-FR" dirty="0"/>
-              <a:t>Récupérer les infos enregistrées par le GUI</a:t>
-            </a:r>
-          </a:p>
-          <a:p>
-            <a:r>
-              <a:rPr lang="fr-FR" dirty="0"/>
-              <a:t>Traitement et transfère à la partie réseau        </a:t>
-            </a:r>
-          </a:p>
-          <a:p>
-            <a:r>
-              <a:rPr lang="fr-FR" dirty="0"/>
-              <a:t>Récupération du résultat renvoyé par le serveur</a:t>
-            </a:r>
-          </a:p>
-          <a:p>
-            <a:r>
-              <a:rPr lang="fr-FR" dirty="0"/>
-              <a:t>Traitement et décision en fonction du type de requête utilisateur</a:t>
-            </a:r>
-          </a:p>
-          <a:p>
-            <a:pPr lvl="1"/>
-            <a:r>
-              <a:rPr lang="fr-FR" dirty="0"/>
-              <a:t>Transformations des infos pour la transmissions au GUI</a:t>
-            </a:r>
-          </a:p>
-          <a:p>
-            <a:pPr lvl="1"/>
-            <a:r>
-              <a:rPr lang="fr-FR" dirty="0"/>
-              <a:t>Création et ouverture d'un fichier contenant les résultats</a:t>
-            </a:r>
-            <a:endParaRPr lang="fr-CH" dirty="0"/>
-          </a:p>
-        </p:txBody>
-      </p:sp>
-      <p:sp>
-        <p:nvSpPr>
           <p:cNvPr id="4" name="Espace réservé de la date 3">
             <a:extLst>
               <a:ext uri="{FF2B5EF4-FFF2-40B4-BE49-F238E27FC236}">
@@ -5199,6 +6731,173 @@
               <a:t>12</a:t>
             </a:fld>
             <a:endParaRPr lang="fr-CH"/>
+          </a:p>
+        </p:txBody>
+      </p:sp>
+      <p:sp>
+        <p:nvSpPr>
+          <p:cNvPr id="9" name="ZoneTexte 8">
+            <a:extLst>
+              <a:ext uri="{FF2B5EF4-FFF2-40B4-BE49-F238E27FC236}">
+                <a16:creationId xmlns:a16="http://schemas.microsoft.com/office/drawing/2014/main" id="{37A71E1B-8D40-452D-8DDE-A32BCA092EBA}"/>
+              </a:ext>
+            </a:extLst>
+          </p:cNvPr>
+          <p:cNvSpPr txBox="1"/>
+          <p:nvPr/>
+        </p:nvSpPr>
+        <p:spPr>
+          <a:xfrm>
+            <a:off x="3712373" y="2269182"/>
+            <a:ext cx="1666866" cy="646331"/>
+          </a:xfrm>
+          <a:prstGeom prst="rect">
+            <a:avLst/>
+          </a:prstGeom>
+          <a:noFill/>
+        </p:spPr>
+        <p:txBody>
+          <a:bodyPr wrap="square" rtlCol="0">
+            <a:spAutoFit/>
+          </a:bodyPr>
+          <a:lstStyle/>
+          <a:p>
+            <a:r>
+              <a:rPr lang="fr-CH" dirty="0"/>
+              <a:t>Récupération</a:t>
+            </a:r>
+            <a:br>
+              <a:rPr lang="fr-CH" dirty="0"/>
+            </a:br>
+            <a:r>
+              <a:rPr lang="fr-CH" dirty="0"/>
+              <a:t>info utilisateur</a:t>
+            </a:r>
+          </a:p>
+        </p:txBody>
+      </p:sp>
+      <p:sp>
+        <p:nvSpPr>
+          <p:cNvPr id="10" name="ZoneTexte 9">
+            <a:extLst>
+              <a:ext uri="{FF2B5EF4-FFF2-40B4-BE49-F238E27FC236}">
+                <a16:creationId xmlns:a16="http://schemas.microsoft.com/office/drawing/2014/main" id="{ED1256FD-6DD7-46E5-9019-DC7BE9C2DFBC}"/>
+              </a:ext>
+            </a:extLst>
+          </p:cNvPr>
+          <p:cNvSpPr txBox="1"/>
+          <p:nvPr/>
+        </p:nvSpPr>
+        <p:spPr>
+          <a:xfrm>
+            <a:off x="6967537" y="2407682"/>
+            <a:ext cx="1485900" cy="646331"/>
+          </a:xfrm>
+          <a:prstGeom prst="rect">
+            <a:avLst/>
+          </a:prstGeom>
+          <a:noFill/>
+        </p:spPr>
+        <p:txBody>
+          <a:bodyPr wrap="square" rtlCol="0">
+            <a:spAutoFit/>
+          </a:bodyPr>
+          <a:lstStyle/>
+          <a:p>
+            <a:r>
+              <a:rPr lang="fr-CH" dirty="0"/>
+              <a:t>Transfert </a:t>
+            </a:r>
+            <a:br>
+              <a:rPr lang="fr-CH" dirty="0"/>
+            </a:br>
+            <a:r>
+              <a:rPr lang="fr-CH" dirty="0"/>
+              <a:t>demande</a:t>
+            </a:r>
+          </a:p>
+        </p:txBody>
+      </p:sp>
+      <p:sp>
+        <p:nvSpPr>
+          <p:cNvPr id="11" name="ZoneTexte 10">
+            <a:extLst>
+              <a:ext uri="{FF2B5EF4-FFF2-40B4-BE49-F238E27FC236}">
+                <a16:creationId xmlns:a16="http://schemas.microsoft.com/office/drawing/2014/main" id="{E2757067-516D-47B5-A113-20F47499A458}"/>
+              </a:ext>
+            </a:extLst>
+          </p:cNvPr>
+          <p:cNvSpPr txBox="1"/>
+          <p:nvPr/>
+        </p:nvSpPr>
+        <p:spPr>
+          <a:xfrm>
+            <a:off x="6967537" y="4840932"/>
+            <a:ext cx="1666866" cy="646331"/>
+          </a:xfrm>
+          <a:prstGeom prst="rect">
+            <a:avLst/>
+          </a:prstGeom>
+          <a:noFill/>
+        </p:spPr>
+        <p:txBody>
+          <a:bodyPr wrap="square" rtlCol="0">
+            <a:spAutoFit/>
+          </a:bodyPr>
+          <a:lstStyle/>
+          <a:p>
+            <a:r>
+              <a:rPr lang="fr-CH" dirty="0"/>
+              <a:t>Récupération</a:t>
+            </a:r>
+            <a:br>
+              <a:rPr lang="fr-CH" dirty="0"/>
+            </a:br>
+            <a:r>
+              <a:rPr lang="fr-CH" dirty="0"/>
+              <a:t>résultat</a:t>
+            </a:r>
+          </a:p>
+        </p:txBody>
+      </p:sp>
+      <p:sp>
+        <p:nvSpPr>
+          <p:cNvPr id="12" name="ZoneTexte 11">
+            <a:extLst>
+              <a:ext uri="{FF2B5EF4-FFF2-40B4-BE49-F238E27FC236}">
+                <a16:creationId xmlns:a16="http://schemas.microsoft.com/office/drawing/2014/main" id="{FEAE6C0B-FEDE-4C88-8A2D-59C8C97370EA}"/>
+              </a:ext>
+            </a:extLst>
+          </p:cNvPr>
+          <p:cNvSpPr txBox="1"/>
+          <p:nvPr/>
+        </p:nvSpPr>
+        <p:spPr>
+          <a:xfrm>
+            <a:off x="3712373" y="4840932"/>
+            <a:ext cx="1666866" cy="646331"/>
+          </a:xfrm>
+          <a:prstGeom prst="rect">
+            <a:avLst/>
+          </a:prstGeom>
+          <a:noFill/>
+        </p:spPr>
+        <p:txBody>
+          <a:bodyPr wrap="square" rtlCol="0">
+            <a:spAutoFit/>
+          </a:bodyPr>
+          <a:lstStyle/>
+          <a:p>
+            <a:r>
+              <a:rPr lang="fr-CH" dirty="0"/>
+              <a:t>Transmission</a:t>
+            </a:r>
+          </a:p>
+          <a:p>
+            <a:r>
+              <a:rPr lang="fr-CH" dirty="0"/>
+              <a:t>résultat traité</a:t>
+            </a:r>
           </a:p>
         </p:txBody>
       </p:sp>
@@ -5331,7 +7030,7 @@
             </a:pPr>
             <a:r>
               <a:rPr lang="fr-CH" dirty="0"/>
-              <a:t>Traitement des fichier SVG</a:t>
+              <a:t>Traitement des fichiers SVG</a:t>
             </a:r>
           </a:p>
           <a:p>
@@ -5537,7 +7236,7 @@
           <a:p>
             <a:r>
               <a:rPr lang="fr-CH" dirty="0"/>
-              <a:t>Division de la charge de travail</a:t>
+              <a:t>Répartition de la charge de travail</a:t>
             </a:r>
           </a:p>
           <a:p>
@@ -5754,25 +7453,16 @@
           <a:p>
             <a:r>
               <a:rPr lang="fr-CH" dirty="0"/>
-              <a:t>La partie 2 de l’étage B est corrompu</a:t>
-            </a:r>
-          </a:p>
-          <a:p>
-            <a:pPr lvl="1"/>
+              <a:t>Fichier source d’un plan corrompu</a:t>
+            </a:r>
+          </a:p>
+          <a:p>
             <a:endParaRPr lang="fr-CH" dirty="0"/>
           </a:p>
           <a:p>
             <a:r>
               <a:rPr lang="fr-CH" dirty="0"/>
-              <a:t>Améliorer la partie «</a:t>
-            </a:r>
-            <a:r>
-              <a:rPr lang="fr-CH" dirty="0" err="1"/>
-              <a:t>remote</a:t>
-            </a:r>
-            <a:r>
-              <a:rPr lang="fr-CH" dirty="0"/>
-              <a:t> server»</a:t>
+              <a:t>Demande d’horaire par salle parfois corrompue</a:t>
             </a:r>
           </a:p>
         </p:txBody>
@@ -5897,7 +7587,7 @@
           <p:cNvPr id="2" name="Titre 1">
             <a:extLst>
               <a:ext uri="{FF2B5EF4-FFF2-40B4-BE49-F238E27FC236}">
-                <a16:creationId xmlns:a16="http://schemas.microsoft.com/office/drawing/2014/main" id="{2791BDE7-4268-4F71-802B-89BB7E0C0281}"/>
+                <a16:creationId xmlns:a16="http://schemas.microsoft.com/office/drawing/2014/main" id="{B2B8E4E9-E17E-45A2-962B-D22F495A8E98}"/>
               </a:ext>
             </a:extLst>
           </p:cNvPr>
@@ -5910,24 +7600,22 @@
         </p:nvSpPr>
         <p:spPr/>
         <p:txBody>
-          <a:bodyPr>
-            <a:normAutofit fontScale="90000"/>
-          </a:bodyPr>
+          <a:bodyPr/>
           <a:lstStyle/>
           <a:p>
             <a:r>
               <a:rPr lang="fr-CH" dirty="0"/>
-              <a:t>Conclusion sur le travail en groupe</a:t>
-            </a:r>
-          </a:p>
-        </p:txBody>
-      </p:sp>
-      <p:sp>
-        <p:nvSpPr>
-          <p:cNvPr id="3" name="Espace réservé du contenu 2">
+              <a:t>Démo</a:t>
+            </a:r>
+          </a:p>
+        </p:txBody>
+      </p:sp>
+      <p:sp>
+        <p:nvSpPr>
+          <p:cNvPr id="3" name="Espace réservé du texte 2">
             <a:extLst>
               <a:ext uri="{FF2B5EF4-FFF2-40B4-BE49-F238E27FC236}">
-                <a16:creationId xmlns:a16="http://schemas.microsoft.com/office/drawing/2014/main" id="{FAF3E672-4E32-4A38-8DB7-AECD6FF19FEE}"/>
+                <a16:creationId xmlns:a16="http://schemas.microsoft.com/office/drawing/2014/main" id="{A4575B98-7929-4274-83B2-D7447CB49B40}"/>
               </a:ext>
             </a:extLst>
           </p:cNvPr>
@@ -5935,34 +7623,15 @@
             <a:spLocks noGrp="1"/>
           </p:cNvSpPr>
           <p:nvPr>
-            <p:ph idx="1"/>
-          </p:nvPr>
-        </p:nvSpPr>
-        <p:spPr/>
-        <p:txBody>
-          <a:bodyPr/>
-          <a:lstStyle/>
-          <a:p>
-            <a:pPr marL="0" indent="0">
-              <a:buNone/>
-            </a:pPr>
-            <a:r>
-              <a:rPr lang="fr-CH" dirty="0"/>
-              <a:t>Beaucoup de temps nécessaire à la coordination des tâches</a:t>
-            </a:r>
-          </a:p>
-          <a:p>
-            <a:pPr marL="658368" lvl="1" indent="-457200"/>
-            <a:endParaRPr lang="fr-CH" dirty="0"/>
-          </a:p>
-          <a:p>
-            <a:pPr marL="0" indent="0">
-              <a:buNone/>
-            </a:pPr>
-            <a:r>
-              <a:rPr lang="fr-CH" dirty="0"/>
-              <a:t>De nombreuses réunions ont été faites</a:t>
-            </a:r>
+            <p:ph type="body" idx="1"/>
+          </p:nvPr>
+        </p:nvSpPr>
+        <p:spPr/>
+        <p:txBody>
+          <a:bodyPr/>
+          <a:lstStyle/>
+          <a:p>
+            <a:endParaRPr lang="fr-CH"/>
           </a:p>
         </p:txBody>
       </p:sp>
@@ -5971,7 +7640,7 @@
           <p:cNvPr id="4" name="Espace réservé de la date 3">
             <a:extLst>
               <a:ext uri="{FF2B5EF4-FFF2-40B4-BE49-F238E27FC236}">
-                <a16:creationId xmlns:a16="http://schemas.microsoft.com/office/drawing/2014/main" id="{F158B539-6BDA-4726-AC84-3B50141FAC13}"/>
+                <a16:creationId xmlns:a16="http://schemas.microsoft.com/office/drawing/2014/main" id="{34D1F7A2-8412-41E2-9C96-9A71ACFB2009}"/>
               </a:ext>
             </a:extLst>
           </p:cNvPr>
@@ -5999,7 +7668,7 @@
           <p:cNvPr id="5" name="Espace réservé du pied de page 4">
             <a:extLst>
               <a:ext uri="{FF2B5EF4-FFF2-40B4-BE49-F238E27FC236}">
-                <a16:creationId xmlns:a16="http://schemas.microsoft.com/office/drawing/2014/main" id="{2C6E5602-6886-421F-A3DB-3FCEC1567A67}"/>
+                <a16:creationId xmlns:a16="http://schemas.microsoft.com/office/drawing/2014/main" id="{CA7FA3CB-2CEC-4507-B526-0D436CEFD053}"/>
               </a:ext>
             </a:extLst>
           </p:cNvPr>
@@ -6027,7 +7696,7 @@
           <p:cNvPr id="6" name="Espace réservé du numéro de diapositive 5">
             <a:extLst>
               <a:ext uri="{FF2B5EF4-FFF2-40B4-BE49-F238E27FC236}">
-                <a16:creationId xmlns:a16="http://schemas.microsoft.com/office/drawing/2014/main" id="{BE558349-54D1-41BD-9C6A-202999E2C9B9}"/>
+                <a16:creationId xmlns:a16="http://schemas.microsoft.com/office/drawing/2014/main" id="{12AD4057-6EEB-42E7-8AE9-58ACD1F16443}"/>
               </a:ext>
             </a:extLst>
           </p:cNvPr>
@@ -6054,7 +7723,7 @@
     </p:spTree>
     <p:extLst>
       <p:ext uri="{BB962C8B-B14F-4D97-AF65-F5344CB8AC3E}">
-        <p14:creationId xmlns:p14="http://schemas.microsoft.com/office/powerpoint/2010/main" val="2651892989"/>
+        <p14:creationId xmlns:p14="http://schemas.microsoft.com/office/powerpoint/2010/main" val="2800174220"/>
       </p:ext>
     </p:extLst>
   </p:cSld>
@@ -6285,7 +7954,7 @@
           <p:cNvPr id="2" name="Titre 1">
             <a:extLst>
               <a:ext uri="{FF2B5EF4-FFF2-40B4-BE49-F238E27FC236}">
-                <a16:creationId xmlns:a16="http://schemas.microsoft.com/office/drawing/2014/main" id="{B2B8E4E9-E17E-45A2-962B-D22F495A8E98}"/>
+                <a16:creationId xmlns:a16="http://schemas.microsoft.com/office/drawing/2014/main" id="{2791BDE7-4268-4F71-802B-89BB7E0C0281}"/>
               </a:ext>
             </a:extLst>
           </p:cNvPr>
@@ -6298,22 +7967,24 @@
         </p:nvSpPr>
         <p:spPr/>
         <p:txBody>
-          <a:bodyPr/>
+          <a:bodyPr>
+            <a:normAutofit fontScale="90000"/>
+          </a:bodyPr>
           <a:lstStyle/>
           <a:p>
             <a:r>
               <a:rPr lang="fr-CH" dirty="0"/>
-              <a:t>Démo</a:t>
-            </a:r>
-          </a:p>
-        </p:txBody>
-      </p:sp>
-      <p:sp>
-        <p:nvSpPr>
-          <p:cNvPr id="3" name="Espace réservé du texte 2">
+              <a:t>Conclusion sur le travail en groupe</a:t>
+            </a:r>
+          </a:p>
+        </p:txBody>
+      </p:sp>
+      <p:sp>
+        <p:nvSpPr>
+          <p:cNvPr id="3" name="Espace réservé du contenu 2">
             <a:extLst>
               <a:ext uri="{FF2B5EF4-FFF2-40B4-BE49-F238E27FC236}">
-                <a16:creationId xmlns:a16="http://schemas.microsoft.com/office/drawing/2014/main" id="{A4575B98-7929-4274-83B2-D7447CB49B40}"/>
+                <a16:creationId xmlns:a16="http://schemas.microsoft.com/office/drawing/2014/main" id="{FAF3E672-4E32-4A38-8DB7-AECD6FF19FEE}"/>
               </a:ext>
             </a:extLst>
           </p:cNvPr>
@@ -6321,15 +7992,34 @@
             <a:spLocks noGrp="1"/>
           </p:cNvSpPr>
           <p:nvPr>
-            <p:ph type="body" idx="1"/>
-          </p:nvPr>
-        </p:nvSpPr>
-        <p:spPr/>
-        <p:txBody>
-          <a:bodyPr/>
-          <a:lstStyle/>
-          <a:p>
-            <a:endParaRPr lang="fr-CH"/>
+            <p:ph idx="1"/>
+          </p:nvPr>
+        </p:nvSpPr>
+        <p:spPr/>
+        <p:txBody>
+          <a:bodyPr/>
+          <a:lstStyle/>
+          <a:p>
+            <a:pPr marL="0" indent="0">
+              <a:buNone/>
+            </a:pPr>
+            <a:r>
+              <a:rPr lang="fr-CH" dirty="0"/>
+              <a:t>Beaucoup de temps nécessaire à la coordination des tâches</a:t>
+            </a:r>
+          </a:p>
+          <a:p>
+            <a:pPr marL="658368" lvl="1" indent="-457200"/>
+            <a:endParaRPr lang="fr-CH" dirty="0"/>
+          </a:p>
+          <a:p>
+            <a:pPr marL="0" indent="0">
+              <a:buNone/>
+            </a:pPr>
+            <a:r>
+              <a:rPr lang="fr-CH" dirty="0"/>
+              <a:t>De nombreuses réunions ont été faites</a:t>
+            </a:r>
           </a:p>
         </p:txBody>
       </p:sp>
@@ -6338,7 +8028,7 @@
           <p:cNvPr id="4" name="Espace réservé de la date 3">
             <a:extLst>
               <a:ext uri="{FF2B5EF4-FFF2-40B4-BE49-F238E27FC236}">
-                <a16:creationId xmlns:a16="http://schemas.microsoft.com/office/drawing/2014/main" id="{34D1F7A2-8412-41E2-9C96-9A71ACFB2009}"/>
+                <a16:creationId xmlns:a16="http://schemas.microsoft.com/office/drawing/2014/main" id="{F158B539-6BDA-4726-AC84-3B50141FAC13}"/>
               </a:ext>
             </a:extLst>
           </p:cNvPr>
@@ -6366,7 +8056,7 @@
           <p:cNvPr id="5" name="Espace réservé du pied de page 4">
             <a:extLst>
               <a:ext uri="{FF2B5EF4-FFF2-40B4-BE49-F238E27FC236}">
-                <a16:creationId xmlns:a16="http://schemas.microsoft.com/office/drawing/2014/main" id="{CA7FA3CB-2CEC-4507-B526-0D436CEFD053}"/>
+                <a16:creationId xmlns:a16="http://schemas.microsoft.com/office/drawing/2014/main" id="{2C6E5602-6886-421F-A3DB-3FCEC1567A67}"/>
               </a:ext>
             </a:extLst>
           </p:cNvPr>
@@ -6394,7 +8084,7 @@
           <p:cNvPr id="6" name="Espace réservé du numéro de diapositive 5">
             <a:extLst>
               <a:ext uri="{FF2B5EF4-FFF2-40B4-BE49-F238E27FC236}">
-                <a16:creationId xmlns:a16="http://schemas.microsoft.com/office/drawing/2014/main" id="{12AD4057-6EEB-42E7-8AE9-58ACD1F16443}"/>
+                <a16:creationId xmlns:a16="http://schemas.microsoft.com/office/drawing/2014/main" id="{BE558349-54D1-41BD-9C6A-202999E2C9B9}"/>
               </a:ext>
             </a:extLst>
           </p:cNvPr>
@@ -6421,7 +8111,7 @@
     </p:spTree>
     <p:extLst>
       <p:ext uri="{BB962C8B-B14F-4D97-AF65-F5344CB8AC3E}">
-        <p14:creationId xmlns:p14="http://schemas.microsoft.com/office/powerpoint/2010/main" val="2800174220"/>
+        <p14:creationId xmlns:p14="http://schemas.microsoft.com/office/powerpoint/2010/main" val="2651892989"/>
       </p:ext>
     </p:extLst>
   </p:cSld>
@@ -7358,7 +9048,7 @@
           </p:nvPr>
         </p:nvPicPr>
         <p:blipFill rotWithShape="1">
-          <a:blip r:embed="rId2">
+          <a:blip r:embed="rId3">
             <a:extLst>
               <a:ext uri="{28A0092B-C50C-407E-A947-70E740481C1C}">
                 <a14:useLocalDpi xmlns:a14="http://schemas.microsoft.com/office/drawing/2010/main" val="0"/>
@@ -8514,7 +10204,7 @@
           <p:nvPr/>
         </p:nvPicPr>
         <p:blipFill rotWithShape="1">
-          <a:blip r:embed="rId2"/>
+          <a:blip r:embed="rId3"/>
           <a:srcRect l="2171" t="1300" r="1774" b="1665"/>
           <a:stretch/>
         </p:blipFill>
@@ -8543,7 +10233,7 @@
           <p:nvPr/>
         </p:nvPicPr>
         <p:blipFill>
-          <a:blip r:embed="rId3"/>
+          <a:blip r:embed="rId4"/>
           <a:stretch>
             <a:fillRect/>
           </a:stretch>
@@ -8774,7 +10464,7 @@
           <p:nvPr/>
         </p:nvPicPr>
         <p:blipFill>
-          <a:blip r:embed="rId2">
+          <a:blip r:embed="rId3">
             <a:extLst>
               <a:ext uri="{28A0092B-C50C-407E-A947-70E740481C1C}">
                 <a14:useLocalDpi xmlns:a14="http://schemas.microsoft.com/office/drawing/2010/main" val="0"/>
@@ -8810,7 +10500,7 @@
           <p:nvPr/>
         </p:nvPicPr>
         <p:blipFill>
-          <a:blip r:embed="rId3">
+          <a:blip r:embed="rId4">
             <a:extLst>
               <a:ext uri="{28A0092B-C50C-407E-A947-70E740481C1C}">
                 <a14:useLocalDpi xmlns:a14="http://schemas.microsoft.com/office/drawing/2010/main" val="0"/>
